--- a/Chasníci-prezentace.pptx
+++ b/Chasníci-prezentace.pptx
@@ -4546,6 +4546,13 @@
         </dgm:presLayoutVars>
       </dgm:prSet>
       <dgm:spPr/>
+      <dgm:t>
+        <a:bodyPr/>
+        <a:lstStyle/>
+        <a:p>
+          <a:endParaRPr lang="cs-CZ"/>
+        </a:p>
+      </dgm:t>
     </dgm:pt>
     <dgm:pt modelId="{E6F29DA8-C2F7-43BC-8321-9485C3B35E3B}" type="pres">
       <dgm:prSet presAssocID="{5B27384D-8525-44E2-BF90-5C482C2BB128}" presName="compNode" presStyleCnt="0"/>
@@ -4561,7 +4568,7 @@
                 <a14:useLocalDpi xmlns:a14="http://schemas.microsoft.com/office/drawing/2010/main" val="0"/>
               </a:ext>
               <a:ext uri="{96DAC541-7B7A-43D3-8B79-37D633B846F1}">
-                <asvg:svgBlip xmlns:asvg="http://schemas.microsoft.com/office/drawing/2016/SVG/main" r:embed="rId2"/>
+                <asvg:svgBlip xmlns:asvg="http://schemas.microsoft.com/office/drawing/2016/SVG/main" xmlns="" r:embed="rId2"/>
               </a:ext>
             </a:extLst>
           </a:blip>
@@ -4573,6 +4580,13 @@
           <a:noFill/>
         </a:ln>
       </dgm:spPr>
+      <dgm:t>
+        <a:bodyPr/>
+        <a:lstStyle/>
+        <a:p>
+          <a:endParaRPr lang="cs-CZ"/>
+        </a:p>
+      </dgm:t>
       <dgm:extLst>
         <a:ext uri="{E40237B7-FDA0-4F09-8148-C483321AD2D9}">
           <dgm14:cNvPr xmlns:dgm14="http://schemas.microsoft.com/office/drawing/2010/diagram" id="0" name="" descr="Right Pointing Backhand Index"/>
@@ -4591,6 +4605,13 @@
         </dgm:presLayoutVars>
       </dgm:prSet>
       <dgm:spPr/>
+      <dgm:t>
+        <a:bodyPr/>
+        <a:lstStyle/>
+        <a:p>
+          <a:endParaRPr lang="cs-CZ"/>
+        </a:p>
+      </dgm:t>
     </dgm:pt>
     <dgm:pt modelId="{9456EBFE-5038-40FA-BF1A-2713548AC1EF}" type="pres">
       <dgm:prSet presAssocID="{F4C516FD-DE8B-4772-9544-175E956F00E5}" presName="sibTrans" presStyleCnt="0"/>
@@ -4610,7 +4631,7 @@
                 <a14:useLocalDpi xmlns:a14="http://schemas.microsoft.com/office/drawing/2010/main" val="0"/>
               </a:ext>
               <a:ext uri="{96DAC541-7B7A-43D3-8B79-37D633B846F1}">
-                <asvg:svgBlip xmlns:asvg="http://schemas.microsoft.com/office/drawing/2016/SVG/main" r:embed="rId4"/>
+                <asvg:svgBlip xmlns:asvg="http://schemas.microsoft.com/office/drawing/2016/SVG/main" xmlns="" r:embed="rId4"/>
               </a:ext>
             </a:extLst>
           </a:blip>
@@ -4622,6 +4643,13 @@
           <a:noFill/>
         </a:ln>
       </dgm:spPr>
+      <dgm:t>
+        <a:bodyPr/>
+        <a:lstStyle/>
+        <a:p>
+          <a:endParaRPr lang="cs-CZ"/>
+        </a:p>
+      </dgm:t>
       <dgm:extLst>
         <a:ext uri="{E40237B7-FDA0-4F09-8148-C483321AD2D9}">
           <dgm14:cNvPr xmlns:dgm14="http://schemas.microsoft.com/office/drawing/2010/diagram" id="0" name="" descr="Lecturer"/>
@@ -4640,6 +4668,13 @@
         </dgm:presLayoutVars>
       </dgm:prSet>
       <dgm:spPr/>
+      <dgm:t>
+        <a:bodyPr/>
+        <a:lstStyle/>
+        <a:p>
+          <a:endParaRPr lang="cs-CZ"/>
+        </a:p>
+      </dgm:t>
     </dgm:pt>
     <dgm:pt modelId="{A56AF48A-57C2-4319-91D2-0913D9E2BE72}" type="pres">
       <dgm:prSet presAssocID="{049808E4-B5A4-4D24-B639-EF9A4534DD8E}" presName="sibTrans" presStyleCnt="0"/>
@@ -4659,7 +4694,7 @@
                 <a14:useLocalDpi xmlns:a14="http://schemas.microsoft.com/office/drawing/2010/main" val="0"/>
               </a:ext>
               <a:ext uri="{96DAC541-7B7A-43D3-8B79-37D633B846F1}">
-                <asvg:svgBlip xmlns:asvg="http://schemas.microsoft.com/office/drawing/2016/SVG/main" r:embed="rId6"/>
+                <asvg:svgBlip xmlns:asvg="http://schemas.microsoft.com/office/drawing/2016/SVG/main" xmlns="" r:embed="rId6"/>
               </a:ext>
             </a:extLst>
           </a:blip>
@@ -4671,6 +4706,13 @@
           <a:noFill/>
         </a:ln>
       </dgm:spPr>
+      <dgm:t>
+        <a:bodyPr/>
+        <a:lstStyle/>
+        <a:p>
+          <a:endParaRPr lang="cs-CZ"/>
+        </a:p>
+      </dgm:t>
       <dgm:extLst>
         <a:ext uri="{E40237B7-FDA0-4F09-8148-C483321AD2D9}">
           <dgm14:cNvPr xmlns:dgm14="http://schemas.microsoft.com/office/drawing/2010/diagram" id="0" name="" descr="Wind Chime"/>
@@ -4689,16 +4731,23 @@
         </dgm:presLayoutVars>
       </dgm:prSet>
       <dgm:spPr/>
+      <dgm:t>
+        <a:bodyPr/>
+        <a:lstStyle/>
+        <a:p>
+          <a:endParaRPr lang="cs-CZ"/>
+        </a:p>
+      </dgm:t>
     </dgm:pt>
   </dgm:ptLst>
   <dgm:cxnLst>
+    <dgm:cxn modelId="{49E12CC6-D2E1-4D65-BDFF-0EE59F90481A}" type="presOf" srcId="{5D0F3E39-D9FD-4941-A9F1-F31A8CC7F4A5}" destId="{728465C2-1F0D-4436-BBBA-C857A572DFF0}" srcOrd="0" destOrd="0" presId="urn:microsoft.com/office/officeart/2018/2/layout/IconLabelList"/>
     <dgm:cxn modelId="{60B79122-5E89-40AE-B99E-044F75EE67DD}" srcId="{5D0F3E39-D9FD-4941-A9F1-F31A8CC7F4A5}" destId="{14432800-93C8-42AD-A78D-8D3639AFDE75}" srcOrd="2" destOrd="0" parTransId="{CA3B3748-A9A4-4956-9DB8-881FFB1B6AA4}" sibTransId="{1FB443F2-AF0E-49C1-97A5-507DAEDEB6A8}"/>
     <dgm:cxn modelId="{B3DECC2C-E859-4F9A-BFA7-A0E877DF2123}" srcId="{5D0F3E39-D9FD-4941-A9F1-F31A8CC7F4A5}" destId="{361EF7FF-C934-4997-9D05-07319F52CEC9}" srcOrd="1" destOrd="0" parTransId="{5D1DFC43-9101-46CD-A1D0-1D63D6293E21}" sibTransId="{049808E4-B5A4-4D24-B639-EF9A4534DD8E}"/>
+    <dgm:cxn modelId="{A545E26C-17F9-4A40-BC44-87DF2CE289BA}" srcId="{5D0F3E39-D9FD-4941-A9F1-F31A8CC7F4A5}" destId="{5B27384D-8525-44E2-BF90-5C482C2BB128}" srcOrd="0" destOrd="0" parTransId="{B1CFC423-5C13-41A1-B4EB-CDDBBADC93A3}" sibTransId="{F4C516FD-DE8B-4772-9544-175E956F00E5}"/>
+    <dgm:cxn modelId="{B2021F76-0F2A-4FCC-9F04-291227F65745}" type="presOf" srcId="{5B27384D-8525-44E2-BF90-5C482C2BB128}" destId="{E89426CE-44D8-4725-816F-A343889DC861}" srcOrd="0" destOrd="0" presId="urn:microsoft.com/office/officeart/2018/2/layout/IconLabelList"/>
     <dgm:cxn modelId="{549FF564-EF46-4065-B926-3B8672C02D5E}" type="presOf" srcId="{14432800-93C8-42AD-A78D-8D3639AFDE75}" destId="{AF83D054-4839-420E-9B64-A5E17C1CF734}" srcOrd="0" destOrd="0" presId="urn:microsoft.com/office/officeart/2018/2/layout/IconLabelList"/>
     <dgm:cxn modelId="{F068B66A-7AEA-4669-B4F0-AF2174053C76}" type="presOf" srcId="{361EF7FF-C934-4997-9D05-07319F52CEC9}" destId="{ED511E51-EDD1-4801-A7ED-FCF224D8825A}" srcOrd="0" destOrd="0" presId="urn:microsoft.com/office/officeart/2018/2/layout/IconLabelList"/>
-    <dgm:cxn modelId="{A545E26C-17F9-4A40-BC44-87DF2CE289BA}" srcId="{5D0F3E39-D9FD-4941-A9F1-F31A8CC7F4A5}" destId="{5B27384D-8525-44E2-BF90-5C482C2BB128}" srcOrd="0" destOrd="0" parTransId="{B1CFC423-5C13-41A1-B4EB-CDDBBADC93A3}" sibTransId="{F4C516FD-DE8B-4772-9544-175E956F00E5}"/>
-    <dgm:cxn modelId="{B2021F76-0F2A-4FCC-9F04-291227F65745}" type="presOf" srcId="{5B27384D-8525-44E2-BF90-5C482C2BB128}" destId="{E89426CE-44D8-4725-816F-A343889DC861}" srcOrd="0" destOrd="0" presId="urn:microsoft.com/office/officeart/2018/2/layout/IconLabelList"/>
-    <dgm:cxn modelId="{49E12CC6-D2E1-4D65-BDFF-0EE59F90481A}" type="presOf" srcId="{5D0F3E39-D9FD-4941-A9F1-F31A8CC7F4A5}" destId="{728465C2-1F0D-4436-BBBA-C857A572DFF0}" srcOrd="0" destOrd="0" presId="urn:microsoft.com/office/officeart/2018/2/layout/IconLabelList"/>
     <dgm:cxn modelId="{366A492C-050D-4F92-BDED-0FC91F2D2FF2}" type="presParOf" srcId="{728465C2-1F0D-4436-BBBA-C857A572DFF0}" destId="{E6F29DA8-C2F7-43BC-8321-9485C3B35E3B}" srcOrd="0" destOrd="0" presId="urn:microsoft.com/office/officeart/2018/2/layout/IconLabelList"/>
     <dgm:cxn modelId="{C21E259B-311A-44BF-909E-2156492998CE}" type="presParOf" srcId="{E6F29DA8-C2F7-43BC-8321-9485C3B35E3B}" destId="{35204205-39EE-4802-B9EE-665A04F4DDC9}" srcOrd="0" destOrd="0" presId="urn:microsoft.com/office/officeart/2018/2/layout/IconLabelList"/>
     <dgm:cxn modelId="{A1B08795-1447-4BED-8A17-0BA15032FE7E}" type="presParOf" srcId="{E6F29DA8-C2F7-43BC-8321-9485C3B35E3B}" destId="{B72A160E-0435-4861-B069-D2990542E250}" srcOrd="1" destOrd="0" presId="urn:microsoft.com/office/officeart/2018/2/layout/IconLabelList"/>
@@ -4857,6 +4906,13 @@
         </dgm:presLayoutVars>
       </dgm:prSet>
       <dgm:spPr/>
+      <dgm:t>
+        <a:bodyPr/>
+        <a:lstStyle/>
+        <a:p>
+          <a:endParaRPr lang="cs-CZ"/>
+        </a:p>
+      </dgm:t>
     </dgm:pt>
     <dgm:pt modelId="{0D855548-AA8B-4333-8DEF-F3AC2C206941}" type="pres">
       <dgm:prSet presAssocID="{80EC33CE-3BDD-4CF6-AA2C-3E95A68275C3}" presName="compNode" presStyleCnt="0"/>
@@ -4872,7 +4928,7 @@
                 <a14:useLocalDpi xmlns:a14="http://schemas.microsoft.com/office/drawing/2010/main" val="0"/>
               </a:ext>
               <a:ext uri="{96DAC541-7B7A-43D3-8B79-37D633B846F1}">
-                <asvg:svgBlip xmlns:asvg="http://schemas.microsoft.com/office/drawing/2016/SVG/main" r:embed="rId2"/>
+                <asvg:svgBlip xmlns:asvg="http://schemas.microsoft.com/office/drawing/2016/SVG/main" xmlns="" r:embed="rId2"/>
               </a:ext>
             </a:extLst>
           </a:blip>
@@ -4884,6 +4940,13 @@
           <a:noFill/>
         </a:ln>
       </dgm:spPr>
+      <dgm:t>
+        <a:bodyPr/>
+        <a:lstStyle/>
+        <a:p>
+          <a:endParaRPr lang="cs-CZ"/>
+        </a:p>
+      </dgm:t>
       <dgm:extLst>
         <a:ext uri="{E40237B7-FDA0-4F09-8148-C483321AD2D9}">
           <dgm14:cNvPr xmlns:dgm14="http://schemas.microsoft.com/office/drawing/2010/diagram" id="0" name="" descr="Ribbon"/>
@@ -4902,6 +4965,13 @@
         </dgm:presLayoutVars>
       </dgm:prSet>
       <dgm:spPr/>
+      <dgm:t>
+        <a:bodyPr/>
+        <a:lstStyle/>
+        <a:p>
+          <a:endParaRPr lang="cs-CZ"/>
+        </a:p>
+      </dgm:t>
     </dgm:pt>
     <dgm:pt modelId="{1FFCC7F1-5ADA-4AC5-AF8F-9567E4C959FA}" type="pres">
       <dgm:prSet presAssocID="{83C56AA8-B255-4D3E-ACDC-7DEED7AA89C1}" presName="sibTrans" presStyleCnt="0"/>
@@ -4915,13 +4985,13 @@
       <dgm:prSet presAssocID="{57B6FCD0-AACE-4290-B626-D6808A837039}" presName="iconRect" presStyleLbl="node1" presStyleIdx="1" presStyleCnt="3"/>
       <dgm:spPr>
         <a:blipFill>
-          <a:blip xmlns:r="http://schemas.openxmlformats.org/officeDocument/2006/relationships" r:embed="rId3">
+          <a:blip xmlns:r="http://schemas.openxmlformats.org/officeDocument/2006/relationships" r:embed="rId3" cstate="print">
             <a:extLst>
               <a:ext uri="{28A0092B-C50C-407E-A947-70E740481C1C}">
                 <a14:useLocalDpi xmlns:a14="http://schemas.microsoft.com/office/drawing/2010/main" val="0"/>
               </a:ext>
               <a:ext uri="{96DAC541-7B7A-43D3-8B79-37D633B846F1}">
-                <asvg:svgBlip xmlns:asvg="http://schemas.microsoft.com/office/drawing/2016/SVG/main" r:embed="rId4"/>
+                <asvg:svgBlip xmlns:asvg="http://schemas.microsoft.com/office/drawing/2016/SVG/main" xmlns="" r:embed="rId4"/>
               </a:ext>
             </a:extLst>
           </a:blip>
@@ -4933,6 +5003,13 @@
           <a:noFill/>
         </a:ln>
       </dgm:spPr>
+      <dgm:t>
+        <a:bodyPr/>
+        <a:lstStyle/>
+        <a:p>
+          <a:endParaRPr lang="cs-CZ"/>
+        </a:p>
+      </dgm:t>
       <dgm:extLst>
         <a:ext uri="{E40237B7-FDA0-4F09-8148-C483321AD2D9}">
           <dgm14:cNvPr xmlns:dgm14="http://schemas.microsoft.com/office/drawing/2010/diagram" id="0" name="" descr="Chat"/>
@@ -4951,6 +5028,13 @@
         </dgm:presLayoutVars>
       </dgm:prSet>
       <dgm:spPr/>
+      <dgm:t>
+        <a:bodyPr/>
+        <a:lstStyle/>
+        <a:p>
+          <a:endParaRPr lang="cs-CZ"/>
+        </a:p>
+      </dgm:t>
     </dgm:pt>
     <dgm:pt modelId="{29BA571D-2997-47D0-933D-7772CD54AD96}" type="pres">
       <dgm:prSet presAssocID="{96370E27-4692-4E45-BA37-8864906C8C5E}" presName="sibTrans" presStyleCnt="0"/>
@@ -4964,13 +5048,13 @@
       <dgm:prSet presAssocID="{1DBCE987-0A66-4847-A771-041B3435889E}" presName="iconRect" presStyleLbl="node1" presStyleIdx="2" presStyleCnt="3"/>
       <dgm:spPr>
         <a:blipFill>
-          <a:blip xmlns:r="http://schemas.openxmlformats.org/officeDocument/2006/relationships" r:embed="rId5">
+          <a:blip xmlns:r="http://schemas.openxmlformats.org/officeDocument/2006/relationships" r:embed="rId5" cstate="print">
             <a:extLst>
               <a:ext uri="{28A0092B-C50C-407E-A947-70E740481C1C}">
                 <a14:useLocalDpi xmlns:a14="http://schemas.microsoft.com/office/drawing/2010/main" val="0"/>
               </a:ext>
               <a:ext uri="{96DAC541-7B7A-43D3-8B79-37D633B846F1}">
-                <asvg:svgBlip xmlns:asvg="http://schemas.microsoft.com/office/drawing/2016/SVG/main" r:embed="rId6"/>
+                <asvg:svgBlip xmlns:asvg="http://schemas.microsoft.com/office/drawing/2016/SVG/main" xmlns="" r:embed="rId6"/>
               </a:ext>
             </a:extLst>
           </a:blip>
@@ -4982,6 +5066,13 @@
           <a:noFill/>
         </a:ln>
       </dgm:spPr>
+      <dgm:t>
+        <a:bodyPr/>
+        <a:lstStyle/>
+        <a:p>
+          <a:endParaRPr lang="cs-CZ"/>
+        </a:p>
+      </dgm:t>
       <dgm:extLst>
         <a:ext uri="{E40237B7-FDA0-4F09-8148-C483321AD2D9}">
           <dgm14:cNvPr xmlns:dgm14="http://schemas.microsoft.com/office/drawing/2010/diagram" id="0" name="" descr="Employee Badge"/>
@@ -5000,16 +5091,23 @@
         </dgm:presLayoutVars>
       </dgm:prSet>
       <dgm:spPr/>
+      <dgm:t>
+        <a:bodyPr/>
+        <a:lstStyle/>
+        <a:p>
+          <a:endParaRPr lang="cs-CZ"/>
+        </a:p>
+      </dgm:t>
     </dgm:pt>
   </dgm:ptLst>
   <dgm:cxnLst>
+    <dgm:cxn modelId="{A2C6D0F1-0D8B-4C86-B483-E80EC9DB8075}" srcId="{FFDE44DC-C35E-418B-8632-78B93871F7C7}" destId="{80EC33CE-3BDD-4CF6-AA2C-3E95A68275C3}" srcOrd="0" destOrd="0" parTransId="{A758CA9B-BD82-4722-9A6C-DC31CE2253A0}" sibTransId="{83C56AA8-B255-4D3E-ACDC-7DEED7AA89C1}"/>
+    <dgm:cxn modelId="{D66B2BE3-5298-42BB-9FE6-86644FA0FD29}" type="presOf" srcId="{1DBCE987-0A66-4847-A771-041B3435889E}" destId="{3626D31C-5733-42A1-86FE-88D4D1587587}" srcOrd="0" destOrd="0" presId="urn:microsoft.com/office/officeart/2018/2/layout/IconLabelList"/>
+    <dgm:cxn modelId="{38F89983-18FD-4AB7-9320-232CD94DD902}" srcId="{FFDE44DC-C35E-418B-8632-78B93871F7C7}" destId="{57B6FCD0-AACE-4290-B626-D6808A837039}" srcOrd="1" destOrd="0" parTransId="{CE7A6DF0-AF3C-49D0-9A53-7FCBA68F78AE}" sibTransId="{96370E27-4692-4E45-BA37-8864906C8C5E}"/>
+    <dgm:cxn modelId="{51B596A4-922D-417E-BBB9-047003CEE0E8}" type="presOf" srcId="{FFDE44DC-C35E-418B-8632-78B93871F7C7}" destId="{2980960B-8D2C-4ABD-8A22-2F2A851D1869}" srcOrd="0" destOrd="0" presId="urn:microsoft.com/office/officeart/2018/2/layout/IconLabelList"/>
     <dgm:cxn modelId="{2F1D335B-925F-4A5F-87F6-FD0BA512667A}" type="presOf" srcId="{80EC33CE-3BDD-4CF6-AA2C-3E95A68275C3}" destId="{B0E1FC6D-0E01-4763-B014-45BF92DBF270}" srcOrd="0" destOrd="0" presId="urn:microsoft.com/office/officeart/2018/2/layout/IconLabelList"/>
+    <dgm:cxn modelId="{F0B77E90-616B-412D-926D-2C2DD32E8CCA}" type="presOf" srcId="{57B6FCD0-AACE-4290-B626-D6808A837039}" destId="{B66951C1-E86D-4282-80E0-EC19B336781F}" srcOrd="0" destOrd="0" presId="urn:microsoft.com/office/officeart/2018/2/layout/IconLabelList"/>
     <dgm:cxn modelId="{43165E72-07C2-4D4E-A010-A38E7A64E5B4}" srcId="{FFDE44DC-C35E-418B-8632-78B93871F7C7}" destId="{1DBCE987-0A66-4847-A771-041B3435889E}" srcOrd="2" destOrd="0" parTransId="{135BBFE8-3116-4A06-9AF5-9AD0BEE8D0C2}" sibTransId="{A7B5D3A1-D7A8-41A4-8960-E72CC4B32EA9}"/>
-    <dgm:cxn modelId="{38F89983-18FD-4AB7-9320-232CD94DD902}" srcId="{FFDE44DC-C35E-418B-8632-78B93871F7C7}" destId="{57B6FCD0-AACE-4290-B626-D6808A837039}" srcOrd="1" destOrd="0" parTransId="{CE7A6DF0-AF3C-49D0-9A53-7FCBA68F78AE}" sibTransId="{96370E27-4692-4E45-BA37-8864906C8C5E}"/>
-    <dgm:cxn modelId="{F0B77E90-616B-412D-926D-2C2DD32E8CCA}" type="presOf" srcId="{57B6FCD0-AACE-4290-B626-D6808A837039}" destId="{B66951C1-E86D-4282-80E0-EC19B336781F}" srcOrd="0" destOrd="0" presId="urn:microsoft.com/office/officeart/2018/2/layout/IconLabelList"/>
-    <dgm:cxn modelId="{51B596A4-922D-417E-BBB9-047003CEE0E8}" type="presOf" srcId="{FFDE44DC-C35E-418B-8632-78B93871F7C7}" destId="{2980960B-8D2C-4ABD-8A22-2F2A851D1869}" srcOrd="0" destOrd="0" presId="urn:microsoft.com/office/officeart/2018/2/layout/IconLabelList"/>
-    <dgm:cxn modelId="{D66B2BE3-5298-42BB-9FE6-86644FA0FD29}" type="presOf" srcId="{1DBCE987-0A66-4847-A771-041B3435889E}" destId="{3626D31C-5733-42A1-86FE-88D4D1587587}" srcOrd="0" destOrd="0" presId="urn:microsoft.com/office/officeart/2018/2/layout/IconLabelList"/>
-    <dgm:cxn modelId="{A2C6D0F1-0D8B-4C86-B483-E80EC9DB8075}" srcId="{FFDE44DC-C35E-418B-8632-78B93871F7C7}" destId="{80EC33CE-3BDD-4CF6-AA2C-3E95A68275C3}" srcOrd="0" destOrd="0" parTransId="{A758CA9B-BD82-4722-9A6C-DC31CE2253A0}" sibTransId="{83C56AA8-B255-4D3E-ACDC-7DEED7AA89C1}"/>
     <dgm:cxn modelId="{3AC491EF-C37F-4757-97F3-851BEC4634AE}" type="presParOf" srcId="{2980960B-8D2C-4ABD-8A22-2F2A851D1869}" destId="{0D855548-AA8B-4333-8DEF-F3AC2C206941}" srcOrd="0" destOrd="0" presId="urn:microsoft.com/office/officeart/2018/2/layout/IconLabelList"/>
     <dgm:cxn modelId="{5FA67A10-8BA1-494A-8C2E-FE13A9025196}" type="presParOf" srcId="{0D855548-AA8B-4333-8DEF-F3AC2C206941}" destId="{4D79368F-597D-4342-A506-1BA92E7442DC}" srcOrd="0" destOrd="0" presId="urn:microsoft.com/office/officeart/2018/2/layout/IconLabelList"/>
     <dgm:cxn modelId="{2EEFC36F-6EA6-4FBA-8D14-3C24678A2854}" type="presParOf" srcId="{0D855548-AA8B-4333-8DEF-F3AC2C206941}" destId="{51446776-F191-4010-B851-0251825FC57B}" srcOrd="1" destOrd="0" presId="urn:microsoft.com/office/officeart/2018/2/layout/IconLabelList"/>
@@ -5168,6 +5266,13 @@
         </dgm:presLayoutVars>
       </dgm:prSet>
       <dgm:spPr/>
+      <dgm:t>
+        <a:bodyPr/>
+        <a:lstStyle/>
+        <a:p>
+          <a:endParaRPr lang="cs-CZ"/>
+        </a:p>
+      </dgm:t>
     </dgm:pt>
     <dgm:pt modelId="{3D9E03BF-FFE6-4C44-BB83-288AE1230D9F}" type="pres">
       <dgm:prSet presAssocID="{A5773A90-83FD-4046-940E-05FA95803149}" presName="compNode" presStyleCnt="0"/>
@@ -5177,13 +5282,13 @@
       <dgm:prSet presAssocID="{A5773A90-83FD-4046-940E-05FA95803149}" presName="iconRect" presStyleLbl="node1" presStyleIdx="0" presStyleCnt="3"/>
       <dgm:spPr>
         <a:blipFill>
-          <a:blip xmlns:r="http://schemas.openxmlformats.org/officeDocument/2006/relationships" r:embed="rId1">
+          <a:blip xmlns:r="http://schemas.openxmlformats.org/officeDocument/2006/relationships" r:embed="rId1" cstate="print">
             <a:extLst>
               <a:ext uri="{28A0092B-C50C-407E-A947-70E740481C1C}">
                 <a14:useLocalDpi xmlns:a14="http://schemas.microsoft.com/office/drawing/2010/main" val="0"/>
               </a:ext>
               <a:ext uri="{96DAC541-7B7A-43D3-8B79-37D633B846F1}">
-                <asvg:svgBlip xmlns:asvg="http://schemas.microsoft.com/office/drawing/2016/SVG/main" r:embed="rId2"/>
+                <asvg:svgBlip xmlns:asvg="http://schemas.microsoft.com/office/drawing/2016/SVG/main" xmlns="" r:embed="rId2"/>
               </a:ext>
             </a:extLst>
           </a:blip>
@@ -5195,6 +5300,13 @@
           <a:noFill/>
         </a:ln>
       </dgm:spPr>
+      <dgm:t>
+        <a:bodyPr/>
+        <a:lstStyle/>
+        <a:p>
+          <a:endParaRPr lang="cs-CZ"/>
+        </a:p>
+      </dgm:t>
       <dgm:extLst>
         <a:ext uri="{E40237B7-FDA0-4F09-8148-C483321AD2D9}">
           <dgm14:cNvPr xmlns:dgm14="http://schemas.microsoft.com/office/drawing/2010/diagram" id="0" name="" descr="Check List"/>
@@ -5213,6 +5325,13 @@
         </dgm:presLayoutVars>
       </dgm:prSet>
       <dgm:spPr/>
+      <dgm:t>
+        <a:bodyPr/>
+        <a:lstStyle/>
+        <a:p>
+          <a:endParaRPr lang="cs-CZ"/>
+        </a:p>
+      </dgm:t>
     </dgm:pt>
     <dgm:pt modelId="{348955EE-9409-4CA8-9FE0-EEA7C8B98833}" type="pres">
       <dgm:prSet presAssocID="{0F321FBB-9A4B-46D9-8ED5-7BEBF9AB9463}" presName="sibTrans" presStyleCnt="0"/>
@@ -5232,7 +5351,7 @@
                 <a14:useLocalDpi xmlns:a14="http://schemas.microsoft.com/office/drawing/2010/main" val="0"/>
               </a:ext>
               <a:ext uri="{96DAC541-7B7A-43D3-8B79-37D633B846F1}">
-                <asvg:svgBlip xmlns:asvg="http://schemas.microsoft.com/office/drawing/2016/SVG/main" r:embed="rId4"/>
+                <asvg:svgBlip xmlns:asvg="http://schemas.microsoft.com/office/drawing/2016/SVG/main" xmlns="" r:embed="rId4"/>
               </a:ext>
             </a:extLst>
           </a:blip>
@@ -5244,6 +5363,13 @@
           <a:noFill/>
         </a:ln>
       </dgm:spPr>
+      <dgm:t>
+        <a:bodyPr/>
+        <a:lstStyle/>
+        <a:p>
+          <a:endParaRPr lang="cs-CZ"/>
+        </a:p>
+      </dgm:t>
       <dgm:extLst>
         <a:ext uri="{E40237B7-FDA0-4F09-8148-C483321AD2D9}">
           <dgm14:cNvPr xmlns:dgm14="http://schemas.microsoft.com/office/drawing/2010/diagram" id="0" name="" descr="Checkmark"/>
@@ -5262,6 +5388,13 @@
         </dgm:presLayoutVars>
       </dgm:prSet>
       <dgm:spPr/>
+      <dgm:t>
+        <a:bodyPr/>
+        <a:lstStyle/>
+        <a:p>
+          <a:endParaRPr lang="cs-CZ"/>
+        </a:p>
+      </dgm:t>
     </dgm:pt>
     <dgm:pt modelId="{C20C7D81-6C18-4FD4-9A40-F2F309A9074A}" type="pres">
       <dgm:prSet presAssocID="{8696578D-7405-45F9-9302-81CC1E214EE8}" presName="sibTrans" presStyleCnt="0"/>
@@ -5275,13 +5408,13 @@
       <dgm:prSet presAssocID="{C9E4FB52-AF58-4B83-84CC-4500085C448A}" presName="iconRect" presStyleLbl="node1" presStyleIdx="2" presStyleCnt="3"/>
       <dgm:spPr>
         <a:blipFill>
-          <a:blip xmlns:r="http://schemas.openxmlformats.org/officeDocument/2006/relationships" r:embed="rId5">
+          <a:blip xmlns:r="http://schemas.openxmlformats.org/officeDocument/2006/relationships" r:embed="rId5" cstate="print">
             <a:extLst>
               <a:ext uri="{28A0092B-C50C-407E-A947-70E740481C1C}">
                 <a14:useLocalDpi xmlns:a14="http://schemas.microsoft.com/office/drawing/2010/main" val="0"/>
               </a:ext>
               <a:ext uri="{96DAC541-7B7A-43D3-8B79-37D633B846F1}">
-                <asvg:svgBlip xmlns:asvg="http://schemas.microsoft.com/office/drawing/2016/SVG/main" r:embed="rId6"/>
+                <asvg:svgBlip xmlns:asvg="http://schemas.microsoft.com/office/drawing/2016/SVG/main" xmlns="" r:embed="rId6"/>
               </a:ext>
             </a:extLst>
           </a:blip>
@@ -5293,6 +5426,13 @@
           <a:noFill/>
         </a:ln>
       </dgm:spPr>
+      <dgm:t>
+        <a:bodyPr/>
+        <a:lstStyle/>
+        <a:p>
+          <a:endParaRPr lang="cs-CZ"/>
+        </a:p>
+      </dgm:t>
       <dgm:extLst>
         <a:ext uri="{E40237B7-FDA0-4F09-8148-C483321AD2D9}">
           <dgm14:cNvPr xmlns:dgm14="http://schemas.microsoft.com/office/drawing/2010/diagram" id="0" name="" descr="Microscope"/>
@@ -5311,16 +5451,23 @@
         </dgm:presLayoutVars>
       </dgm:prSet>
       <dgm:spPr/>
+      <dgm:t>
+        <a:bodyPr/>
+        <a:lstStyle/>
+        <a:p>
+          <a:endParaRPr lang="cs-CZ"/>
+        </a:p>
+      </dgm:t>
     </dgm:pt>
   </dgm:ptLst>
   <dgm:cxnLst>
+    <dgm:cxn modelId="{1F18DFC0-ECD1-4FA0-A296-83C1A643B212}" type="presOf" srcId="{A5773A90-83FD-4046-940E-05FA95803149}" destId="{023C02AB-3EFD-4956-9F21-F57E7D056800}" srcOrd="0" destOrd="0" presId="urn:microsoft.com/office/officeart/2018/2/layout/IconLabelList"/>
+    <dgm:cxn modelId="{E1E6F6B5-F287-4594-B55C-091FCEDC2F54}" type="presOf" srcId="{DC24F159-1419-43AC-90E5-EB86F0DA8AE5}" destId="{196BE9EE-55C8-41F7-9E76-1CE839158F85}" srcOrd="0" destOrd="0" presId="urn:microsoft.com/office/officeart/2018/2/layout/IconLabelList"/>
+    <dgm:cxn modelId="{1D9C47CC-B16F-493D-BFCE-C01DF08AC575}" srcId="{DC24F159-1419-43AC-90E5-EB86F0DA8AE5}" destId="{A5773A90-83FD-4046-940E-05FA95803149}" srcOrd="0" destOrd="0" parTransId="{FB936B9E-0F22-48FB-A990-3341AE3A14FF}" sibTransId="{0F321FBB-9A4B-46D9-8ED5-7BEBF9AB9463}"/>
     <dgm:cxn modelId="{3B959B76-E8A8-481E-89A9-85D7041BDA86}" type="presOf" srcId="{C9E4FB52-AF58-4B83-84CC-4500085C448A}" destId="{B24EA36D-7321-43C0-AE4D-808119999FA3}" srcOrd="0" destOrd="0" presId="urn:microsoft.com/office/officeart/2018/2/layout/IconLabelList"/>
+    <dgm:cxn modelId="{CC8DECAF-68D1-4C48-B829-4A283A060BA2}" srcId="{DC24F159-1419-43AC-90E5-EB86F0DA8AE5}" destId="{C9E4FB52-AF58-4B83-84CC-4500085C448A}" srcOrd="2" destOrd="0" parTransId="{8F3776EE-619F-4D23-9157-38367F02C550}" sibTransId="{174B3B3B-99B4-4849-8A95-B8E997A4FA6E}"/>
     <dgm:cxn modelId="{98D44A91-DB05-4C2D-994B-B7AE9BB5AC37}" srcId="{DC24F159-1419-43AC-90E5-EB86F0DA8AE5}" destId="{9A685A8B-910A-4677-9373-90846B0F7242}" srcOrd="1" destOrd="0" parTransId="{93079E80-B95B-499F-AA97-EE88F8A2D293}" sibTransId="{8696578D-7405-45F9-9302-81CC1E214EE8}"/>
     <dgm:cxn modelId="{5879D1AE-062D-4251-921B-26AEDC296319}" type="presOf" srcId="{9A685A8B-910A-4677-9373-90846B0F7242}" destId="{330AE4DB-EC6E-4EEB-9084-A9773223A638}" srcOrd="0" destOrd="0" presId="urn:microsoft.com/office/officeart/2018/2/layout/IconLabelList"/>
-    <dgm:cxn modelId="{CC8DECAF-68D1-4C48-B829-4A283A060BA2}" srcId="{DC24F159-1419-43AC-90E5-EB86F0DA8AE5}" destId="{C9E4FB52-AF58-4B83-84CC-4500085C448A}" srcOrd="2" destOrd="0" parTransId="{8F3776EE-619F-4D23-9157-38367F02C550}" sibTransId="{174B3B3B-99B4-4849-8A95-B8E997A4FA6E}"/>
-    <dgm:cxn modelId="{E1E6F6B5-F287-4594-B55C-091FCEDC2F54}" type="presOf" srcId="{DC24F159-1419-43AC-90E5-EB86F0DA8AE5}" destId="{196BE9EE-55C8-41F7-9E76-1CE839158F85}" srcOrd="0" destOrd="0" presId="urn:microsoft.com/office/officeart/2018/2/layout/IconLabelList"/>
-    <dgm:cxn modelId="{1F18DFC0-ECD1-4FA0-A296-83C1A643B212}" type="presOf" srcId="{A5773A90-83FD-4046-940E-05FA95803149}" destId="{023C02AB-3EFD-4956-9F21-F57E7D056800}" srcOrd="0" destOrd="0" presId="urn:microsoft.com/office/officeart/2018/2/layout/IconLabelList"/>
-    <dgm:cxn modelId="{1D9C47CC-B16F-493D-BFCE-C01DF08AC575}" srcId="{DC24F159-1419-43AC-90E5-EB86F0DA8AE5}" destId="{A5773A90-83FD-4046-940E-05FA95803149}" srcOrd="0" destOrd="0" parTransId="{FB936B9E-0F22-48FB-A990-3341AE3A14FF}" sibTransId="{0F321FBB-9A4B-46D9-8ED5-7BEBF9AB9463}"/>
     <dgm:cxn modelId="{323575F8-47D4-4142-BE0B-2CB8A48BD4CA}" type="presParOf" srcId="{196BE9EE-55C8-41F7-9E76-1CE839158F85}" destId="{3D9E03BF-FFE6-4C44-BB83-288AE1230D9F}" srcOrd="0" destOrd="0" presId="urn:microsoft.com/office/officeart/2018/2/layout/IconLabelList"/>
     <dgm:cxn modelId="{CE84D410-CCCE-418C-8F33-BEF8886A9AAE}" type="presParOf" srcId="{3D9E03BF-FFE6-4C44-BB83-288AE1230D9F}" destId="{2CA1FDAB-3FA1-46FD-92FD-5987CABC6F72}" srcOrd="0" destOrd="0" presId="urn:microsoft.com/office/officeart/2018/2/layout/IconLabelList"/>
     <dgm:cxn modelId="{F93FF96A-D977-4343-B335-149585637AB4}" type="presParOf" srcId="{3D9E03BF-FFE6-4C44-BB83-288AE1230D9F}" destId="{F93FE1A5-02EF-4D44-949F-A03925915623}" srcOrd="1" destOrd="0" presId="urn:microsoft.com/office/officeart/2018/2/layout/IconLabelList"/>
@@ -5442,10 +5589,10 @@
         <a:lstStyle/>
         <a:p>
           <a:r>
-            <a:rPr lang="cs-CZ"/>
+            <a:rPr lang="cs-CZ" dirty="0"/>
             <a:t>Programování, design</a:t>
           </a:r>
-          <a:endParaRPr lang="en-US"/>
+          <a:endParaRPr lang="en-US" dirty="0"/>
         </a:p>
       </dgm:t>
     </dgm:pt>
@@ -5479,6 +5626,13 @@
         </dgm:presLayoutVars>
       </dgm:prSet>
       <dgm:spPr/>
+      <dgm:t>
+        <a:bodyPr/>
+        <a:lstStyle/>
+        <a:p>
+          <a:endParaRPr lang="cs-CZ"/>
+        </a:p>
+      </dgm:t>
     </dgm:pt>
     <dgm:pt modelId="{D48934B3-8C93-4290-9BB1-741B6CE12DF8}" type="pres">
       <dgm:prSet presAssocID="{73445194-912D-4EBC-BDC7-0CEB05720780}" presName="compNode" presStyleCnt="0"/>
@@ -5492,13 +5646,13 @@
       <dgm:prSet presAssocID="{73445194-912D-4EBC-BDC7-0CEB05720780}" presName="iconRect" presStyleLbl="node1" presStyleIdx="0" presStyleCnt="3"/>
       <dgm:spPr>
         <a:blipFill>
-          <a:blip xmlns:r="http://schemas.openxmlformats.org/officeDocument/2006/relationships" r:embed="rId1">
+          <a:blip xmlns:r="http://schemas.openxmlformats.org/officeDocument/2006/relationships" r:embed="rId1" cstate="print">
             <a:extLst>
               <a:ext uri="{28A0092B-C50C-407E-A947-70E740481C1C}">
                 <a14:useLocalDpi xmlns:a14="http://schemas.microsoft.com/office/drawing/2010/main" val="0"/>
               </a:ext>
               <a:ext uri="{96DAC541-7B7A-43D3-8B79-37D633B846F1}">
-                <asvg:svgBlip xmlns:asvg="http://schemas.microsoft.com/office/drawing/2016/SVG/main" r:embed="rId2"/>
+                <asvg:svgBlip xmlns:asvg="http://schemas.microsoft.com/office/drawing/2016/SVG/main" xmlns="" r:embed="rId2"/>
               </a:ext>
             </a:extLst>
           </a:blip>
@@ -5510,6 +5664,13 @@
           <a:noFill/>
         </a:ln>
       </dgm:spPr>
+      <dgm:t>
+        <a:bodyPr/>
+        <a:lstStyle/>
+        <a:p>
+          <a:endParaRPr lang="cs-CZ"/>
+        </a:p>
+      </dgm:t>
       <dgm:extLst>
         <a:ext uri="{E40237B7-FDA0-4F09-8148-C483321AD2D9}">
           <dgm14:cNvPr xmlns:dgm14="http://schemas.microsoft.com/office/drawing/2010/diagram" id="0" name="" descr="Lightbulb"/>
@@ -5528,6 +5689,13 @@
         </dgm:presLayoutVars>
       </dgm:prSet>
       <dgm:spPr/>
+      <dgm:t>
+        <a:bodyPr/>
+        <a:lstStyle/>
+        <a:p>
+          <a:endParaRPr lang="cs-CZ"/>
+        </a:p>
+      </dgm:t>
     </dgm:pt>
     <dgm:pt modelId="{A6749D88-5DFD-4F5D-9516-3B0BAB7B612F}" type="pres">
       <dgm:prSet presAssocID="{783F63EE-276A-41D3-AFA7-576B6DB637DC}" presName="sibTrans" presStyleCnt="0"/>
@@ -5545,13 +5713,13 @@
       <dgm:prSet presAssocID="{BDEB43BF-8909-4256-AD73-785ACB0CD09C}" presName="iconRect" presStyleLbl="node1" presStyleIdx="1" presStyleCnt="3"/>
       <dgm:spPr>
         <a:blipFill>
-          <a:blip xmlns:r="http://schemas.openxmlformats.org/officeDocument/2006/relationships" r:embed="rId3">
+          <a:blip xmlns:r="http://schemas.openxmlformats.org/officeDocument/2006/relationships" r:embed="rId3" cstate="print">
             <a:extLst>
               <a:ext uri="{28A0092B-C50C-407E-A947-70E740481C1C}">
                 <a14:useLocalDpi xmlns:a14="http://schemas.microsoft.com/office/drawing/2010/main" val="0"/>
               </a:ext>
               <a:ext uri="{96DAC541-7B7A-43D3-8B79-37D633B846F1}">
-                <asvg:svgBlip xmlns:asvg="http://schemas.microsoft.com/office/drawing/2016/SVG/main" r:embed="rId4"/>
+                <asvg:svgBlip xmlns:asvg="http://schemas.microsoft.com/office/drawing/2016/SVG/main" xmlns="" r:embed="rId4"/>
               </a:ext>
             </a:extLst>
           </a:blip>
@@ -5563,6 +5731,13 @@
           <a:noFill/>
         </a:ln>
       </dgm:spPr>
+      <dgm:t>
+        <a:bodyPr/>
+        <a:lstStyle/>
+        <a:p>
+          <a:endParaRPr lang="cs-CZ"/>
+        </a:p>
+      </dgm:t>
       <dgm:extLst>
         <a:ext uri="{E40237B7-FDA0-4F09-8148-C483321AD2D9}">
           <dgm14:cNvPr xmlns:dgm14="http://schemas.microsoft.com/office/drawing/2010/diagram" id="0" name="" descr="Glue"/>
@@ -5581,6 +5756,13 @@
         </dgm:presLayoutVars>
       </dgm:prSet>
       <dgm:spPr/>
+      <dgm:t>
+        <a:bodyPr/>
+        <a:lstStyle/>
+        <a:p>
+          <a:endParaRPr lang="cs-CZ"/>
+        </a:p>
+      </dgm:t>
     </dgm:pt>
     <dgm:pt modelId="{3CFB8D6D-7DDF-4B9C-8339-206194D4EBAC}" type="pres">
       <dgm:prSet presAssocID="{9ECFDE69-1505-45AB-BA62-F6AD5FE7733B}" presName="sibTrans" presStyleCnt="0"/>
@@ -5598,13 +5780,13 @@
       <dgm:prSet presAssocID="{6500CF95-E65A-4BF9-B450-D0E40C026567}" presName="iconRect" presStyleLbl="node1" presStyleIdx="2" presStyleCnt="3"/>
       <dgm:spPr>
         <a:blipFill>
-          <a:blip xmlns:r="http://schemas.openxmlformats.org/officeDocument/2006/relationships" r:embed="rId5">
+          <a:blip xmlns:r="http://schemas.openxmlformats.org/officeDocument/2006/relationships" r:embed="rId5" cstate="print">
             <a:extLst>
               <a:ext uri="{28A0092B-C50C-407E-A947-70E740481C1C}">
                 <a14:useLocalDpi xmlns:a14="http://schemas.microsoft.com/office/drawing/2010/main" val="0"/>
               </a:ext>
               <a:ext uri="{96DAC541-7B7A-43D3-8B79-37D633B846F1}">
-                <asvg:svgBlip xmlns:asvg="http://schemas.microsoft.com/office/drawing/2016/SVG/main" r:embed="rId6"/>
+                <asvg:svgBlip xmlns:asvg="http://schemas.microsoft.com/office/drawing/2016/SVG/main" xmlns="" r:embed="rId6"/>
               </a:ext>
             </a:extLst>
           </a:blip>
@@ -5616,6 +5798,13 @@
           <a:noFill/>
         </a:ln>
       </dgm:spPr>
+      <dgm:t>
+        <a:bodyPr/>
+        <a:lstStyle/>
+        <a:p>
+          <a:endParaRPr lang="cs-CZ"/>
+        </a:p>
+      </dgm:t>
       <dgm:extLst>
         <a:ext uri="{E40237B7-FDA0-4F09-8148-C483321AD2D9}">
           <dgm14:cNvPr xmlns:dgm14="http://schemas.microsoft.com/office/drawing/2010/diagram" id="0" name="" descr="Web Design"/>
@@ -5634,16 +5823,23 @@
         </dgm:presLayoutVars>
       </dgm:prSet>
       <dgm:spPr/>
+      <dgm:t>
+        <a:bodyPr/>
+        <a:lstStyle/>
+        <a:p>
+          <a:endParaRPr lang="cs-CZ"/>
+        </a:p>
+      </dgm:t>
     </dgm:pt>
   </dgm:ptLst>
   <dgm:cxnLst>
-    <dgm:cxn modelId="{FCDA4511-1988-43DB-9C4D-3553F0F71E29}" type="presOf" srcId="{BDEB43BF-8909-4256-AD73-785ACB0CD09C}" destId="{34557D6C-488C-4651-B46E-2C5334C27D27}" srcOrd="0" destOrd="0" presId="urn:microsoft.com/office/officeart/2018/2/layout/IconVerticalSolidList"/>
-    <dgm:cxn modelId="{06DB6E11-5722-4AE2-AB3F-E71BDA7AE011}" type="presOf" srcId="{4FC6488F-2D9F-4E0C-B515-5341BFA1BF5E}" destId="{015E4DD5-6EE7-49C2-8A6F-9DCDDC627C6C}" srcOrd="0" destOrd="0" presId="urn:microsoft.com/office/officeart/2018/2/layout/IconVerticalSolidList"/>
     <dgm:cxn modelId="{A2451E34-DE6F-48F4-A7B2-89953216A8F6}" type="presOf" srcId="{73445194-912D-4EBC-BDC7-0CEB05720780}" destId="{549ED97A-1EA8-450D-8262-650E751BA68A}" srcOrd="0" destOrd="0" presId="urn:microsoft.com/office/officeart/2018/2/layout/IconVerticalSolidList"/>
-    <dgm:cxn modelId="{5063B76A-5611-4310-8366-E02102CE1A7D}" srcId="{4FC6488F-2D9F-4E0C-B515-5341BFA1BF5E}" destId="{BDEB43BF-8909-4256-AD73-785ACB0CD09C}" srcOrd="1" destOrd="0" parTransId="{7390E259-C689-4C12-813C-067A9C08F10B}" sibTransId="{9ECFDE69-1505-45AB-BA62-F6AD5FE7733B}"/>
     <dgm:cxn modelId="{73D4AF80-13E1-4486-892C-53222BB71979}" srcId="{4FC6488F-2D9F-4E0C-B515-5341BFA1BF5E}" destId="{73445194-912D-4EBC-BDC7-0CEB05720780}" srcOrd="0" destOrd="0" parTransId="{746B5981-FD7A-4927-94A6-9593377A6EDB}" sibTransId="{783F63EE-276A-41D3-AFA7-576B6DB637DC}"/>
     <dgm:cxn modelId="{49F4C185-E901-43D1-B8EE-55123C1B6C81}" type="presOf" srcId="{6500CF95-E65A-4BF9-B450-D0E40C026567}" destId="{C7CE1C04-6443-4B55-91BC-43BEF54A1C6E}" srcOrd="0" destOrd="0" presId="urn:microsoft.com/office/officeart/2018/2/layout/IconVerticalSolidList"/>
+    <dgm:cxn modelId="{5063B76A-5611-4310-8366-E02102CE1A7D}" srcId="{4FC6488F-2D9F-4E0C-B515-5341BFA1BF5E}" destId="{BDEB43BF-8909-4256-AD73-785ACB0CD09C}" srcOrd="1" destOrd="0" parTransId="{7390E259-C689-4C12-813C-067A9C08F10B}" sibTransId="{9ECFDE69-1505-45AB-BA62-F6AD5FE7733B}"/>
     <dgm:cxn modelId="{740EFFC1-2ADB-44E4-99ED-904BF03E55CE}" srcId="{4FC6488F-2D9F-4E0C-B515-5341BFA1BF5E}" destId="{6500CF95-E65A-4BF9-B450-D0E40C026567}" srcOrd="2" destOrd="0" parTransId="{C32A53B7-F0B0-4EEF-8B3E-9CE9DEE8DFB8}" sibTransId="{64446C49-8C80-4B3A-B803-EFA906791F85}"/>
+    <dgm:cxn modelId="{06DB6E11-5722-4AE2-AB3F-E71BDA7AE011}" type="presOf" srcId="{4FC6488F-2D9F-4E0C-B515-5341BFA1BF5E}" destId="{015E4DD5-6EE7-49C2-8A6F-9DCDDC627C6C}" srcOrd="0" destOrd="0" presId="urn:microsoft.com/office/officeart/2018/2/layout/IconVerticalSolidList"/>
+    <dgm:cxn modelId="{FCDA4511-1988-43DB-9C4D-3553F0F71E29}" type="presOf" srcId="{BDEB43BF-8909-4256-AD73-785ACB0CD09C}" destId="{34557D6C-488C-4651-B46E-2C5334C27D27}" srcOrd="0" destOrd="0" presId="urn:microsoft.com/office/officeart/2018/2/layout/IconVerticalSolidList"/>
     <dgm:cxn modelId="{C8DF44AC-0ED3-4C84-A325-6627945728F7}" type="presParOf" srcId="{015E4DD5-6EE7-49C2-8A6F-9DCDDC627C6C}" destId="{D48934B3-8C93-4290-9BB1-741B6CE12DF8}" srcOrd="0" destOrd="0" presId="urn:microsoft.com/office/officeart/2018/2/layout/IconVerticalSolidList"/>
     <dgm:cxn modelId="{74E4A8FF-EDDB-41F4-9D9C-A7BC20E2C97C}" type="presParOf" srcId="{D48934B3-8C93-4290-9BB1-741B6CE12DF8}" destId="{40E5AE4B-C885-4B98-86B8-71E7CDE57564}" srcOrd="0" destOrd="0" presId="urn:microsoft.com/office/officeart/2018/2/layout/IconVerticalSolidList"/>
     <dgm:cxn modelId="{F75A8643-C699-4EA0-9151-BFC6A903279E}" type="presParOf" srcId="{D48934B3-8C93-4290-9BB1-741B6CE12DF8}" destId="{948FD99D-4AFE-49F6-AD5C-48B1A7738E7F}" srcOrd="1" destOrd="0" presId="urn:microsoft.com/office/officeart/2018/2/layout/IconVerticalSolidList"/>
@@ -5842,10 +6038,10 @@
         <a:lstStyle/>
         <a:p>
           <a:r>
-            <a:rPr lang="cs-CZ"/>
+            <a:rPr lang="cs-CZ" dirty="0"/>
             <a:t>4x Sprint</a:t>
           </a:r>
-          <a:endParaRPr lang="en-US"/>
+          <a:endParaRPr lang="en-US" dirty="0"/>
         </a:p>
       </dgm:t>
     </dgm:pt>
@@ -5916,6 +6112,13 @@
         </dgm:presLayoutVars>
       </dgm:prSet>
       <dgm:spPr/>
+      <dgm:t>
+        <a:bodyPr/>
+        <a:lstStyle/>
+        <a:p>
+          <a:endParaRPr lang="cs-CZ"/>
+        </a:p>
+      </dgm:t>
     </dgm:pt>
     <dgm:pt modelId="{34778857-2800-4B7C-A7D0-041D91E69FD8}" type="pres">
       <dgm:prSet presAssocID="{56AFCAA2-A674-4621-9D45-B8EDB4DD9A25}" presName="container" presStyleCnt="0">
@@ -5938,13 +6141,13 @@
       <dgm:prSet presAssocID="{14438F40-1A73-4966-A799-CDD4943F6B9B}" presName="iconRect" presStyleLbl="node1" presStyleIdx="0" presStyleCnt="6"/>
       <dgm:spPr>
         <a:blipFill>
-          <a:blip xmlns:r="http://schemas.openxmlformats.org/officeDocument/2006/relationships" r:embed="rId1">
+          <a:blip xmlns:r="http://schemas.openxmlformats.org/officeDocument/2006/relationships" r:embed="rId1" cstate="print">
             <a:extLst>
               <a:ext uri="{28A0092B-C50C-407E-A947-70E740481C1C}">
                 <a14:useLocalDpi xmlns:a14="http://schemas.microsoft.com/office/drawing/2010/main" val="0"/>
               </a:ext>
               <a:ext uri="{96DAC541-7B7A-43D3-8B79-37D633B846F1}">
-                <asvg:svgBlip xmlns:asvg="http://schemas.microsoft.com/office/drawing/2016/SVG/main" r:embed="rId2"/>
+                <asvg:svgBlip xmlns:asvg="http://schemas.microsoft.com/office/drawing/2016/SVG/main" xmlns="" r:embed="rId2"/>
               </a:ext>
             </a:extLst>
           </a:blip>
@@ -5956,6 +6159,13 @@
           <a:noFill/>
         </a:ln>
       </dgm:spPr>
+      <dgm:t>
+        <a:bodyPr/>
+        <a:lstStyle/>
+        <a:p>
+          <a:endParaRPr lang="cs-CZ"/>
+        </a:p>
+      </dgm:t>
       <dgm:extLst>
         <a:ext uri="{E40237B7-FDA0-4F09-8148-C483321AD2D9}">
           <dgm14:cNvPr xmlns:dgm14="http://schemas.microsoft.com/office/drawing/2010/diagram" id="0" name="" descr="Wind Chime"/>
@@ -5974,10 +6184,24 @@
         </dgm:presLayoutVars>
       </dgm:prSet>
       <dgm:spPr/>
+      <dgm:t>
+        <a:bodyPr/>
+        <a:lstStyle/>
+        <a:p>
+          <a:endParaRPr lang="cs-CZ"/>
+        </a:p>
+      </dgm:t>
     </dgm:pt>
     <dgm:pt modelId="{75E0CA5A-649C-404E-B185-A344910A6985}" type="pres">
       <dgm:prSet presAssocID="{E80EB61F-6D66-4669-BE2C-42E94904AE9A}" presName="sibTrans" presStyleLbl="sibTrans2D1" presStyleIdx="0" presStyleCnt="0"/>
       <dgm:spPr/>
+      <dgm:t>
+        <a:bodyPr/>
+        <a:lstStyle/>
+        <a:p>
+          <a:endParaRPr lang="cs-CZ"/>
+        </a:p>
+      </dgm:t>
     </dgm:pt>
     <dgm:pt modelId="{CD892991-CA33-4D18-984C-549F94C91AF0}" type="pres">
       <dgm:prSet presAssocID="{F8959E41-67AA-4816-B205-9D8D843B4FAD}" presName="compNode" presStyleCnt="0"/>
@@ -5991,13 +6215,13 @@
       <dgm:prSet presAssocID="{F8959E41-67AA-4816-B205-9D8D843B4FAD}" presName="iconRect" presStyleLbl="node1" presStyleIdx="1" presStyleCnt="6"/>
       <dgm:spPr>
         <a:blipFill>
-          <a:blip xmlns:r="http://schemas.openxmlformats.org/officeDocument/2006/relationships" r:embed="rId3">
+          <a:blip xmlns:r="http://schemas.openxmlformats.org/officeDocument/2006/relationships" r:embed="rId3" cstate="print">
             <a:extLst>
               <a:ext uri="{28A0092B-C50C-407E-A947-70E740481C1C}">
                 <a14:useLocalDpi xmlns:a14="http://schemas.microsoft.com/office/drawing/2010/main" val="0"/>
               </a:ext>
               <a:ext uri="{96DAC541-7B7A-43D3-8B79-37D633B846F1}">
-                <asvg:svgBlip xmlns:asvg="http://schemas.microsoft.com/office/drawing/2016/SVG/main" r:embed="rId4"/>
+                <asvg:svgBlip xmlns:asvg="http://schemas.microsoft.com/office/drawing/2016/SVG/main" xmlns="" r:embed="rId4"/>
               </a:ext>
             </a:extLst>
           </a:blip>
@@ -6009,6 +6233,13 @@
           <a:noFill/>
         </a:ln>
       </dgm:spPr>
+      <dgm:t>
+        <a:bodyPr/>
+        <a:lstStyle/>
+        <a:p>
+          <a:endParaRPr lang="cs-CZ"/>
+        </a:p>
+      </dgm:t>
       <dgm:extLst>
         <a:ext uri="{E40237B7-FDA0-4F09-8148-C483321AD2D9}">
           <dgm14:cNvPr xmlns:dgm14="http://schemas.microsoft.com/office/drawing/2010/diagram" id="0" name="" descr="Stethoscope"/>
@@ -6027,10 +6258,24 @@
         </dgm:presLayoutVars>
       </dgm:prSet>
       <dgm:spPr/>
+      <dgm:t>
+        <a:bodyPr/>
+        <a:lstStyle/>
+        <a:p>
+          <a:endParaRPr lang="cs-CZ"/>
+        </a:p>
+      </dgm:t>
     </dgm:pt>
     <dgm:pt modelId="{3207C30A-A15F-49B2-B9A4-D970D448AF88}" type="pres">
       <dgm:prSet presAssocID="{148AD2F9-7C2A-4FAA-9EB7-70C54D6AC536}" presName="sibTrans" presStyleLbl="sibTrans2D1" presStyleIdx="0" presStyleCnt="0"/>
       <dgm:spPr/>
+      <dgm:t>
+        <a:bodyPr/>
+        <a:lstStyle/>
+        <a:p>
+          <a:endParaRPr lang="cs-CZ"/>
+        </a:p>
+      </dgm:t>
     </dgm:pt>
     <dgm:pt modelId="{E62D7FAA-D6EB-4255-8F1B-64B452E609C6}" type="pres">
       <dgm:prSet presAssocID="{24573DE3-AB6F-4A82-9B55-CE0B9E3E609F}" presName="compNode" presStyleCnt="0"/>
@@ -6044,13 +6289,13 @@
       <dgm:prSet presAssocID="{24573DE3-AB6F-4A82-9B55-CE0B9E3E609F}" presName="iconRect" presStyleLbl="node1" presStyleIdx="2" presStyleCnt="6"/>
       <dgm:spPr>
         <a:blipFill>
-          <a:blip xmlns:r="http://schemas.openxmlformats.org/officeDocument/2006/relationships" r:embed="rId5">
+          <a:blip xmlns:r="http://schemas.openxmlformats.org/officeDocument/2006/relationships" r:embed="rId5" cstate="print">
             <a:extLst>
               <a:ext uri="{28A0092B-C50C-407E-A947-70E740481C1C}">
                 <a14:useLocalDpi xmlns:a14="http://schemas.microsoft.com/office/drawing/2010/main" val="0"/>
               </a:ext>
               <a:ext uri="{96DAC541-7B7A-43D3-8B79-37D633B846F1}">
-                <asvg:svgBlip xmlns:asvg="http://schemas.microsoft.com/office/drawing/2016/SVG/main" r:embed="rId6"/>
+                <asvg:svgBlip xmlns:asvg="http://schemas.microsoft.com/office/drawing/2016/SVG/main" xmlns="" r:embed="rId6"/>
               </a:ext>
             </a:extLst>
           </a:blip>
@@ -6062,6 +6307,13 @@
           <a:noFill/>
         </a:ln>
       </dgm:spPr>
+      <dgm:t>
+        <a:bodyPr/>
+        <a:lstStyle/>
+        <a:p>
+          <a:endParaRPr lang="cs-CZ"/>
+        </a:p>
+      </dgm:t>
       <dgm:extLst>
         <a:ext uri="{E40237B7-FDA0-4F09-8148-C483321AD2D9}">
           <dgm14:cNvPr xmlns:dgm14="http://schemas.microsoft.com/office/drawing/2010/diagram" id="0" name="" descr="Lightbulb"/>
@@ -6080,10 +6332,24 @@
         </dgm:presLayoutVars>
       </dgm:prSet>
       <dgm:spPr/>
+      <dgm:t>
+        <a:bodyPr/>
+        <a:lstStyle/>
+        <a:p>
+          <a:endParaRPr lang="cs-CZ"/>
+        </a:p>
+      </dgm:t>
     </dgm:pt>
     <dgm:pt modelId="{D3EF3EC9-20B9-43C8-9DF9-44C2ED2B5D2C}" type="pres">
       <dgm:prSet presAssocID="{48CFE6F9-DE7A-44E7-BA22-DC8147E3FE12}" presName="sibTrans" presStyleLbl="sibTrans2D1" presStyleIdx="0" presStyleCnt="0"/>
       <dgm:spPr/>
+      <dgm:t>
+        <a:bodyPr/>
+        <a:lstStyle/>
+        <a:p>
+          <a:endParaRPr lang="cs-CZ"/>
+        </a:p>
+      </dgm:t>
     </dgm:pt>
     <dgm:pt modelId="{D9BE9775-6AAC-4039-A7B2-23E35B675E4D}" type="pres">
       <dgm:prSet presAssocID="{2BB10227-D21A-4867-8FBC-1510E16A4A6A}" presName="compNode" presStyleCnt="0"/>
@@ -6097,13 +6363,13 @@
       <dgm:prSet presAssocID="{2BB10227-D21A-4867-8FBC-1510E16A4A6A}" presName="iconRect" presStyleLbl="node1" presStyleIdx="3" presStyleCnt="6"/>
       <dgm:spPr>
         <a:blipFill>
-          <a:blip xmlns:r="http://schemas.openxmlformats.org/officeDocument/2006/relationships" r:embed="rId7">
+          <a:blip xmlns:r="http://schemas.openxmlformats.org/officeDocument/2006/relationships" r:embed="rId7" cstate="print">
             <a:extLst>
               <a:ext uri="{28A0092B-C50C-407E-A947-70E740481C1C}">
                 <a14:useLocalDpi xmlns:a14="http://schemas.microsoft.com/office/drawing/2010/main" val="0"/>
               </a:ext>
               <a:ext uri="{96DAC541-7B7A-43D3-8B79-37D633B846F1}">
-                <asvg:svgBlip xmlns:asvg="http://schemas.microsoft.com/office/drawing/2016/SVG/main" r:embed="rId8"/>
+                <asvg:svgBlip xmlns:asvg="http://schemas.microsoft.com/office/drawing/2016/SVG/main" xmlns="" r:embed="rId8"/>
               </a:ext>
             </a:extLst>
           </a:blip>
@@ -6115,6 +6381,13 @@
           <a:noFill/>
         </a:ln>
       </dgm:spPr>
+      <dgm:t>
+        <a:bodyPr/>
+        <a:lstStyle/>
+        <a:p>
+          <a:endParaRPr lang="cs-CZ"/>
+        </a:p>
+      </dgm:t>
       <dgm:extLst>
         <a:ext uri="{E40237B7-FDA0-4F09-8148-C483321AD2D9}">
           <dgm14:cNvPr xmlns:dgm14="http://schemas.microsoft.com/office/drawing/2010/diagram" id="0" name="" descr="Electrician"/>
@@ -6133,10 +6406,24 @@
         </dgm:presLayoutVars>
       </dgm:prSet>
       <dgm:spPr/>
+      <dgm:t>
+        <a:bodyPr/>
+        <a:lstStyle/>
+        <a:p>
+          <a:endParaRPr lang="cs-CZ"/>
+        </a:p>
+      </dgm:t>
     </dgm:pt>
     <dgm:pt modelId="{CA18AEF0-AA28-45A9-A7F5-5D99306695F1}" type="pres">
       <dgm:prSet presAssocID="{4ED4E8F0-0E16-42F6-8628-211862D122FC}" presName="sibTrans" presStyleLbl="sibTrans2D1" presStyleIdx="0" presStyleCnt="0"/>
       <dgm:spPr/>
+      <dgm:t>
+        <a:bodyPr/>
+        <a:lstStyle/>
+        <a:p>
+          <a:endParaRPr lang="cs-CZ"/>
+        </a:p>
+      </dgm:t>
     </dgm:pt>
     <dgm:pt modelId="{4BA2CCD2-C381-4B2B-B2BD-3247FF2355E7}" type="pres">
       <dgm:prSet presAssocID="{9E738F3D-AD82-49BE-B153-50E9EB0F61EE}" presName="compNode" presStyleCnt="0"/>
@@ -6150,13 +6437,13 @@
       <dgm:prSet presAssocID="{9E738F3D-AD82-49BE-B153-50E9EB0F61EE}" presName="iconRect" presStyleLbl="node1" presStyleIdx="4" presStyleCnt="6"/>
       <dgm:spPr>
         <a:blipFill>
-          <a:blip xmlns:r="http://schemas.openxmlformats.org/officeDocument/2006/relationships" r:embed="rId9">
+          <a:blip xmlns:r="http://schemas.openxmlformats.org/officeDocument/2006/relationships" r:embed="rId9" cstate="print">
             <a:extLst>
               <a:ext uri="{28A0092B-C50C-407E-A947-70E740481C1C}">
                 <a14:useLocalDpi xmlns:a14="http://schemas.microsoft.com/office/drawing/2010/main" val="0"/>
               </a:ext>
               <a:ext uri="{96DAC541-7B7A-43D3-8B79-37D633B846F1}">
-                <asvg:svgBlip xmlns:asvg="http://schemas.microsoft.com/office/drawing/2016/SVG/main" r:embed="rId10"/>
+                <asvg:svgBlip xmlns:asvg="http://schemas.microsoft.com/office/drawing/2016/SVG/main" xmlns="" r:embed="rId10"/>
               </a:ext>
             </a:extLst>
           </a:blip>
@@ -6168,6 +6455,13 @@
           <a:noFill/>
         </a:ln>
       </dgm:spPr>
+      <dgm:t>
+        <a:bodyPr/>
+        <a:lstStyle/>
+        <a:p>
+          <a:endParaRPr lang="cs-CZ"/>
+        </a:p>
+      </dgm:t>
       <dgm:extLst>
         <a:ext uri="{E40237B7-FDA0-4F09-8148-C483321AD2D9}">
           <dgm14:cNvPr xmlns:dgm14="http://schemas.microsoft.com/office/drawing/2010/diagram" id="0" name="" descr="Run"/>
@@ -6186,10 +6480,24 @@
         </dgm:presLayoutVars>
       </dgm:prSet>
       <dgm:spPr/>
+      <dgm:t>
+        <a:bodyPr/>
+        <a:lstStyle/>
+        <a:p>
+          <a:endParaRPr lang="cs-CZ"/>
+        </a:p>
+      </dgm:t>
     </dgm:pt>
     <dgm:pt modelId="{9ABD9E6E-B69F-4A61-9D5D-88835DF80FB1}" type="pres">
       <dgm:prSet presAssocID="{DED45F0D-EEC7-4705-BE0B-258CE5C4E369}" presName="sibTrans" presStyleLbl="sibTrans2D1" presStyleIdx="0" presStyleCnt="0"/>
       <dgm:spPr/>
+      <dgm:t>
+        <a:bodyPr/>
+        <a:lstStyle/>
+        <a:p>
+          <a:endParaRPr lang="cs-CZ"/>
+        </a:p>
+      </dgm:t>
     </dgm:pt>
     <dgm:pt modelId="{F038E0CD-5DCB-47DE-BD31-AEC9FA35415E}" type="pres">
       <dgm:prSet presAssocID="{A10FE98D-0395-436F-8CA8-934051EBEF97}" presName="compNode" presStyleCnt="0"/>
@@ -6203,13 +6511,13 @@
       <dgm:prSet presAssocID="{A10FE98D-0395-436F-8CA8-934051EBEF97}" presName="iconRect" presStyleLbl="node1" presStyleIdx="5" presStyleCnt="6"/>
       <dgm:spPr>
         <a:blipFill>
-          <a:blip xmlns:r="http://schemas.openxmlformats.org/officeDocument/2006/relationships" r:embed="rId11">
+          <a:blip xmlns:r="http://schemas.openxmlformats.org/officeDocument/2006/relationships" r:embed="rId11" cstate="print">
             <a:extLst>
               <a:ext uri="{28A0092B-C50C-407E-A947-70E740481C1C}">
                 <a14:useLocalDpi xmlns:a14="http://schemas.microsoft.com/office/drawing/2010/main" val="0"/>
               </a:ext>
               <a:ext uri="{96DAC541-7B7A-43D3-8B79-37D633B846F1}">
-                <asvg:svgBlip xmlns:asvg="http://schemas.microsoft.com/office/drawing/2016/SVG/main" r:embed="rId12"/>
+                <asvg:svgBlip xmlns:asvg="http://schemas.microsoft.com/office/drawing/2016/SVG/main" xmlns="" r:embed="rId12"/>
               </a:ext>
             </a:extLst>
           </a:blip>
@@ -6221,6 +6529,13 @@
           <a:noFill/>
         </a:ln>
       </dgm:spPr>
+      <dgm:t>
+        <a:bodyPr/>
+        <a:lstStyle/>
+        <a:p>
+          <a:endParaRPr lang="cs-CZ"/>
+        </a:p>
+      </dgm:t>
       <dgm:extLst>
         <a:ext uri="{E40237B7-FDA0-4F09-8148-C483321AD2D9}">
           <dgm14:cNvPr xmlns:dgm14="http://schemas.microsoft.com/office/drawing/2010/diagram" id="0" name="" descr="Skeleton"/>
@@ -6239,27 +6554,34 @@
         </dgm:presLayoutVars>
       </dgm:prSet>
       <dgm:spPr/>
+      <dgm:t>
+        <a:bodyPr/>
+        <a:lstStyle/>
+        <a:p>
+          <a:endParaRPr lang="cs-CZ"/>
+        </a:p>
+      </dgm:t>
     </dgm:pt>
   </dgm:ptLst>
   <dgm:cxnLst>
+    <dgm:cxn modelId="{1E61CDA0-8B0C-4DDE-B0F7-F633BE268C57}" type="presOf" srcId="{A10FE98D-0395-436F-8CA8-934051EBEF97}" destId="{B939CCB5-4D6E-42DB-A647-C7D7A10D6B6D}" srcOrd="0" destOrd="0" presId="urn:microsoft.com/office/officeart/2018/2/layout/IconCircleList"/>
+    <dgm:cxn modelId="{215C7138-4399-44AC-88D7-C3653F056B41}" srcId="{56AFCAA2-A674-4621-9D45-B8EDB4DD9A25}" destId="{24573DE3-AB6F-4A82-9B55-CE0B9E3E609F}" srcOrd="2" destOrd="0" parTransId="{78A45E5D-9147-4D5B-8BF7-70FD99D07182}" sibTransId="{48CFE6F9-DE7A-44E7-BA22-DC8147E3FE12}"/>
+    <dgm:cxn modelId="{D3F6C970-3F25-4D82-BEC3-957171511EDC}" srcId="{56AFCAA2-A674-4621-9D45-B8EDB4DD9A25}" destId="{2BB10227-D21A-4867-8FBC-1510E16A4A6A}" srcOrd="3" destOrd="0" parTransId="{EE1BD08F-0AB3-4F7B-AD42-389A8A54D744}" sibTransId="{4ED4E8F0-0E16-42F6-8628-211862D122FC}"/>
+    <dgm:cxn modelId="{B2731DA0-ADCC-4E35-BB4C-3D2D6F116C90}" type="presOf" srcId="{24573DE3-AB6F-4A82-9B55-CE0B9E3E609F}" destId="{B8B76255-0115-47B7-8D05-37A3E636A46F}" srcOrd="0" destOrd="0" presId="urn:microsoft.com/office/officeart/2018/2/layout/IconCircleList"/>
+    <dgm:cxn modelId="{05A3658D-38D0-4758-9722-8A7EBA50CCFC}" srcId="{56AFCAA2-A674-4621-9D45-B8EDB4DD9A25}" destId="{A10FE98D-0395-436F-8CA8-934051EBEF97}" srcOrd="5" destOrd="0" parTransId="{3193A471-9C32-4310-83E0-FCDBFCC4A3EA}" sibTransId="{2F291D72-9548-45F5-828C-EAEA139656AF}"/>
+    <dgm:cxn modelId="{FFF6E15B-E686-49FE-851B-60506BA111F3}" type="presOf" srcId="{148AD2F9-7C2A-4FAA-9EB7-70C54D6AC536}" destId="{3207C30A-A15F-49B2-B9A4-D970D448AF88}" srcOrd="0" destOrd="0" presId="urn:microsoft.com/office/officeart/2018/2/layout/IconCircleList"/>
+    <dgm:cxn modelId="{8BDE0ECA-2A22-4178-934C-1424BCDB52D3}" type="presOf" srcId="{4ED4E8F0-0E16-42F6-8628-211862D122FC}" destId="{CA18AEF0-AA28-45A9-A7F5-5D99306695F1}" srcOrd="0" destOrd="0" presId="urn:microsoft.com/office/officeart/2018/2/layout/IconCircleList"/>
+    <dgm:cxn modelId="{4EF9E3CC-2ECE-4CDF-A854-330CF82628D5}" type="presOf" srcId="{DED45F0D-EEC7-4705-BE0B-258CE5C4E369}" destId="{9ABD9E6E-B69F-4A61-9D5D-88835DF80FB1}" srcOrd="0" destOrd="0" presId="urn:microsoft.com/office/officeart/2018/2/layout/IconCircleList"/>
+    <dgm:cxn modelId="{79620D37-9E42-4D11-A270-779880E4F87A}" srcId="{56AFCAA2-A674-4621-9D45-B8EDB4DD9A25}" destId="{9E738F3D-AD82-49BE-B153-50E9EB0F61EE}" srcOrd="4" destOrd="0" parTransId="{4758A163-DEB3-4460-942D-8F9F347244CD}" sibTransId="{DED45F0D-EEC7-4705-BE0B-258CE5C4E369}"/>
+    <dgm:cxn modelId="{DA17531A-23A1-4136-9C2D-A23150AB0269}" type="presOf" srcId="{56AFCAA2-A674-4621-9D45-B8EDB4DD9A25}" destId="{8C480D9A-B406-40BB-B70B-720440D59379}" srcOrd="0" destOrd="0" presId="urn:microsoft.com/office/officeart/2018/2/layout/IconCircleList"/>
+    <dgm:cxn modelId="{E52FF5E7-A8A4-499A-9332-6A0D49740966}" type="presOf" srcId="{F8959E41-67AA-4816-B205-9D8D843B4FAD}" destId="{A334C729-3890-4FBF-A43B-161FA2259792}" srcOrd="0" destOrd="0" presId="urn:microsoft.com/office/officeart/2018/2/layout/IconCircleList"/>
+    <dgm:cxn modelId="{191DB142-E2DA-40A1-8FB5-B676AEF310A5}" type="presOf" srcId="{2BB10227-D21A-4867-8FBC-1510E16A4A6A}" destId="{D851CEC2-E504-4625-AF4E-26FFBEEECC63}" srcOrd="0" destOrd="0" presId="urn:microsoft.com/office/officeart/2018/2/layout/IconCircleList"/>
     <dgm:cxn modelId="{6AB18F0A-05D4-43C4-86DA-1CE28E593CD0}" type="presOf" srcId="{48CFE6F9-DE7A-44E7-BA22-DC8147E3FE12}" destId="{D3EF3EC9-20B9-43C8-9DF9-44C2ED2B5D2C}" srcOrd="0" destOrd="0" presId="urn:microsoft.com/office/officeart/2018/2/layout/IconCircleList"/>
     <dgm:cxn modelId="{B0234110-0A0D-4F5A-81A6-A88DF26A0041}" type="presOf" srcId="{E80EB61F-6D66-4669-BE2C-42E94904AE9A}" destId="{75E0CA5A-649C-404E-B185-A344910A6985}" srcOrd="0" destOrd="0" presId="urn:microsoft.com/office/officeart/2018/2/layout/IconCircleList"/>
-    <dgm:cxn modelId="{DA17531A-23A1-4136-9C2D-A23150AB0269}" type="presOf" srcId="{56AFCAA2-A674-4621-9D45-B8EDB4DD9A25}" destId="{8C480D9A-B406-40BB-B70B-720440D59379}" srcOrd="0" destOrd="0" presId="urn:microsoft.com/office/officeart/2018/2/layout/IconCircleList"/>
-    <dgm:cxn modelId="{79620D37-9E42-4D11-A270-779880E4F87A}" srcId="{56AFCAA2-A674-4621-9D45-B8EDB4DD9A25}" destId="{9E738F3D-AD82-49BE-B153-50E9EB0F61EE}" srcOrd="4" destOrd="0" parTransId="{4758A163-DEB3-4460-942D-8F9F347244CD}" sibTransId="{DED45F0D-EEC7-4705-BE0B-258CE5C4E369}"/>
-    <dgm:cxn modelId="{215C7138-4399-44AC-88D7-C3653F056B41}" srcId="{56AFCAA2-A674-4621-9D45-B8EDB4DD9A25}" destId="{24573DE3-AB6F-4A82-9B55-CE0B9E3E609F}" srcOrd="2" destOrd="0" parTransId="{78A45E5D-9147-4D5B-8BF7-70FD99D07182}" sibTransId="{48CFE6F9-DE7A-44E7-BA22-DC8147E3FE12}"/>
     <dgm:cxn modelId="{4CAC663A-2229-4083-8C01-D7484A0CBD79}" srcId="{56AFCAA2-A674-4621-9D45-B8EDB4DD9A25}" destId="{14438F40-1A73-4966-A799-CDD4943F6B9B}" srcOrd="0" destOrd="0" parTransId="{B9C60879-09B1-4B37-AACB-EE6D7D27D8FC}" sibTransId="{E80EB61F-6D66-4669-BE2C-42E94904AE9A}"/>
-    <dgm:cxn modelId="{FFF6E15B-E686-49FE-851B-60506BA111F3}" type="presOf" srcId="{148AD2F9-7C2A-4FAA-9EB7-70C54D6AC536}" destId="{3207C30A-A15F-49B2-B9A4-D970D448AF88}" srcOrd="0" destOrd="0" presId="urn:microsoft.com/office/officeart/2018/2/layout/IconCircleList"/>
-    <dgm:cxn modelId="{191DB142-E2DA-40A1-8FB5-B676AEF310A5}" type="presOf" srcId="{2BB10227-D21A-4867-8FBC-1510E16A4A6A}" destId="{D851CEC2-E504-4625-AF4E-26FFBEEECC63}" srcOrd="0" destOrd="0" presId="urn:microsoft.com/office/officeart/2018/2/layout/IconCircleList"/>
-    <dgm:cxn modelId="{D3F6C970-3F25-4D82-BEC3-957171511EDC}" srcId="{56AFCAA2-A674-4621-9D45-B8EDB4DD9A25}" destId="{2BB10227-D21A-4867-8FBC-1510E16A4A6A}" srcOrd="3" destOrd="0" parTransId="{EE1BD08F-0AB3-4F7B-AD42-389A8A54D744}" sibTransId="{4ED4E8F0-0E16-42F6-8628-211862D122FC}"/>
-    <dgm:cxn modelId="{05A3658D-38D0-4758-9722-8A7EBA50CCFC}" srcId="{56AFCAA2-A674-4621-9D45-B8EDB4DD9A25}" destId="{A10FE98D-0395-436F-8CA8-934051EBEF97}" srcOrd="5" destOrd="0" parTransId="{3193A471-9C32-4310-83E0-FCDBFCC4A3EA}" sibTransId="{2F291D72-9548-45F5-828C-EAEA139656AF}"/>
-    <dgm:cxn modelId="{B2731DA0-ADCC-4E35-BB4C-3D2D6F116C90}" type="presOf" srcId="{24573DE3-AB6F-4A82-9B55-CE0B9E3E609F}" destId="{B8B76255-0115-47B7-8D05-37A3E636A46F}" srcOrd="0" destOrd="0" presId="urn:microsoft.com/office/officeart/2018/2/layout/IconCircleList"/>
-    <dgm:cxn modelId="{1E61CDA0-8B0C-4DDE-B0F7-F633BE268C57}" type="presOf" srcId="{A10FE98D-0395-436F-8CA8-934051EBEF97}" destId="{B939CCB5-4D6E-42DB-A647-C7D7A10D6B6D}" srcOrd="0" destOrd="0" presId="urn:microsoft.com/office/officeart/2018/2/layout/IconCircleList"/>
+    <dgm:cxn modelId="{7524CEDD-47AF-4A1D-B565-A0DF3F775270}" srcId="{56AFCAA2-A674-4621-9D45-B8EDB4DD9A25}" destId="{F8959E41-67AA-4816-B205-9D8D843B4FAD}" srcOrd="1" destOrd="0" parTransId="{09371B70-627F-4542-A0D0-41114FFF4923}" sibTransId="{148AD2F9-7C2A-4FAA-9EB7-70C54D6AC536}"/>
+    <dgm:cxn modelId="{E1F2D9B3-2721-4084-A839-DE3729B07D7B}" type="presOf" srcId="{9E738F3D-AD82-49BE-B153-50E9EB0F61EE}" destId="{A9CD202A-5E2F-48BB-BFED-3F5B432078C2}" srcOrd="0" destOrd="0" presId="urn:microsoft.com/office/officeart/2018/2/layout/IconCircleList"/>
     <dgm:cxn modelId="{5A5FA2A5-C803-46CE-BDD6-4CC05FDA5AF7}" type="presOf" srcId="{14438F40-1A73-4966-A799-CDD4943F6B9B}" destId="{DC2008B9-EA86-4685-99EA-E001C710FFBB}" srcOrd="0" destOrd="0" presId="urn:microsoft.com/office/officeart/2018/2/layout/IconCircleList"/>
-    <dgm:cxn modelId="{E1F2D9B3-2721-4084-A839-DE3729B07D7B}" type="presOf" srcId="{9E738F3D-AD82-49BE-B153-50E9EB0F61EE}" destId="{A9CD202A-5E2F-48BB-BFED-3F5B432078C2}" srcOrd="0" destOrd="0" presId="urn:microsoft.com/office/officeart/2018/2/layout/IconCircleList"/>
-    <dgm:cxn modelId="{8BDE0ECA-2A22-4178-934C-1424BCDB52D3}" type="presOf" srcId="{4ED4E8F0-0E16-42F6-8628-211862D122FC}" destId="{CA18AEF0-AA28-45A9-A7F5-5D99306695F1}" srcOrd="0" destOrd="0" presId="urn:microsoft.com/office/officeart/2018/2/layout/IconCircleList"/>
-    <dgm:cxn modelId="{4EF9E3CC-2ECE-4CDF-A854-330CF82628D5}" type="presOf" srcId="{DED45F0D-EEC7-4705-BE0B-258CE5C4E369}" destId="{9ABD9E6E-B69F-4A61-9D5D-88835DF80FB1}" srcOrd="0" destOrd="0" presId="urn:microsoft.com/office/officeart/2018/2/layout/IconCircleList"/>
-    <dgm:cxn modelId="{7524CEDD-47AF-4A1D-B565-A0DF3F775270}" srcId="{56AFCAA2-A674-4621-9D45-B8EDB4DD9A25}" destId="{F8959E41-67AA-4816-B205-9D8D843B4FAD}" srcOrd="1" destOrd="0" parTransId="{09371B70-627F-4542-A0D0-41114FFF4923}" sibTransId="{148AD2F9-7C2A-4FAA-9EB7-70C54D6AC536}"/>
-    <dgm:cxn modelId="{E52FF5E7-A8A4-499A-9332-6A0D49740966}" type="presOf" srcId="{F8959E41-67AA-4816-B205-9D8D843B4FAD}" destId="{A334C729-3890-4FBF-A43B-161FA2259792}" srcOrd="0" destOrd="0" presId="urn:microsoft.com/office/officeart/2018/2/layout/IconCircleList"/>
     <dgm:cxn modelId="{5F062B84-3CE3-4D93-B326-8DD8B2924B12}" type="presParOf" srcId="{8C480D9A-B406-40BB-B70B-720440D59379}" destId="{34778857-2800-4B7C-A7D0-041D91E69FD8}" srcOrd="0" destOrd="0" presId="urn:microsoft.com/office/officeart/2018/2/layout/IconCircleList"/>
     <dgm:cxn modelId="{7ED2109F-1DE7-4C1A-A1E4-8563588DCE51}" type="presParOf" srcId="{34778857-2800-4B7C-A7D0-041D91E69FD8}" destId="{E665E8F1-56D6-4110-9C2B-271B310A04A4}" srcOrd="0" destOrd="0" presId="urn:microsoft.com/office/officeart/2018/2/layout/IconCircleList"/>
     <dgm:cxn modelId="{6440F90B-DD1B-4004-B030-152BB041DB27}" type="presParOf" srcId="{E665E8F1-56D6-4110-9C2B-271B310A04A4}" destId="{4A016135-86DC-4924-BFED-A47B0BA0DD74}" srcOrd="0" destOrd="0" presId="urn:microsoft.com/office/officeart/2018/2/layout/IconCircleList"/>
@@ -6335,7 +6657,7 @@
                 <a14:useLocalDpi xmlns:a14="http://schemas.microsoft.com/office/drawing/2010/main" val="0"/>
               </a:ext>
               <a:ext uri="{96DAC541-7B7A-43D3-8B79-37D633B846F1}">
-                <asvg:svgBlip xmlns:asvg="http://schemas.microsoft.com/office/drawing/2016/SVG/main" r:embed="rId2"/>
+                <asvg:svgBlip xmlns:asvg="http://schemas.microsoft.com/office/drawing/2016/SVG/main" xmlns="" r:embed="rId2"/>
               </a:ext>
             </a:extLst>
           </a:blip>
@@ -6402,7 +6724,7 @@
         </a:bodyPr>
         <a:lstStyle/>
         <a:p>
-          <a:pPr marL="0" lvl="0" indent="0" algn="ctr" defTabSz="1289050">
+          <a:pPr lvl="0" algn="ctr" defTabSz="1289050">
             <a:lnSpc>
               <a:spcPct val="90000"/>
             </a:lnSpc>
@@ -6412,7 +6734,6 @@
             <a:spcAft>
               <a:spcPct val="35000"/>
             </a:spcAft>
-            <a:buNone/>
           </a:pPr>
           <a:r>
             <a:rPr lang="cs-CZ" sz="2900" kern="1200"/>
@@ -6446,7 +6767,7 @@
                 <a14:useLocalDpi xmlns:a14="http://schemas.microsoft.com/office/drawing/2010/main" val="0"/>
               </a:ext>
               <a:ext uri="{96DAC541-7B7A-43D3-8B79-37D633B846F1}">
-                <asvg:svgBlip xmlns:asvg="http://schemas.microsoft.com/office/drawing/2016/SVG/main" r:embed="rId4"/>
+                <asvg:svgBlip xmlns:asvg="http://schemas.microsoft.com/office/drawing/2016/SVG/main" xmlns="" r:embed="rId4"/>
               </a:ext>
             </a:extLst>
           </a:blip>
@@ -6513,7 +6834,7 @@
         </a:bodyPr>
         <a:lstStyle/>
         <a:p>
-          <a:pPr marL="0" lvl="0" indent="0" algn="ctr" defTabSz="1289050">
+          <a:pPr lvl="0" algn="ctr" defTabSz="1289050">
             <a:lnSpc>
               <a:spcPct val="90000"/>
             </a:lnSpc>
@@ -6523,7 +6844,6 @@
             <a:spcAft>
               <a:spcPct val="35000"/>
             </a:spcAft>
-            <a:buNone/>
           </a:pPr>
           <a:r>
             <a:rPr lang="cs-CZ" sz="2900" kern="1200"/>
@@ -6557,7 +6877,7 @@
                 <a14:useLocalDpi xmlns:a14="http://schemas.microsoft.com/office/drawing/2010/main" val="0"/>
               </a:ext>
               <a:ext uri="{96DAC541-7B7A-43D3-8B79-37D633B846F1}">
-                <asvg:svgBlip xmlns:asvg="http://schemas.microsoft.com/office/drawing/2016/SVG/main" r:embed="rId6"/>
+                <asvg:svgBlip xmlns:asvg="http://schemas.microsoft.com/office/drawing/2016/SVG/main" xmlns="" r:embed="rId6"/>
               </a:ext>
             </a:extLst>
           </a:blip>
@@ -6624,7 +6944,7 @@
         </a:bodyPr>
         <a:lstStyle/>
         <a:p>
-          <a:pPr marL="0" lvl="0" indent="0" algn="ctr" defTabSz="1289050">
+          <a:pPr lvl="0" algn="ctr" defTabSz="1289050">
             <a:lnSpc>
               <a:spcPct val="90000"/>
             </a:lnSpc>
@@ -6634,7 +6954,6 @@
             <a:spcAft>
               <a:spcPct val="35000"/>
             </a:spcAft>
-            <a:buNone/>
           </a:pPr>
           <a:r>
             <a:rPr lang="cs-CZ" sz="2900" kern="1200"/>
@@ -6680,7 +6999,7 @@
                 <a14:useLocalDpi xmlns:a14="http://schemas.microsoft.com/office/drawing/2010/main" val="0"/>
               </a:ext>
               <a:ext uri="{96DAC541-7B7A-43D3-8B79-37D633B846F1}">
-                <asvg:svgBlip xmlns:asvg="http://schemas.microsoft.com/office/drawing/2016/SVG/main" r:embed="rId2"/>
+                <asvg:svgBlip xmlns:asvg="http://schemas.microsoft.com/office/drawing/2016/SVG/main" xmlns="" r:embed="rId2"/>
               </a:ext>
             </a:extLst>
           </a:blip>
@@ -6747,7 +7066,7 @@
         </a:bodyPr>
         <a:lstStyle/>
         <a:p>
-          <a:pPr marL="0" lvl="0" indent="0" algn="ctr" defTabSz="1022350">
+          <a:pPr lvl="0" algn="ctr" defTabSz="1022350">
             <a:lnSpc>
               <a:spcPct val="90000"/>
             </a:lnSpc>
@@ -6757,7 +7076,6 @@
             <a:spcAft>
               <a:spcPct val="35000"/>
             </a:spcAft>
-            <a:buNone/>
           </a:pPr>
           <a:r>
             <a:rPr lang="cs-CZ" sz="2300" kern="1200"/>
@@ -6785,13 +7103,13 @@
           <a:avLst/>
         </a:prstGeom>
         <a:blipFill>
-          <a:blip xmlns:r="http://schemas.openxmlformats.org/officeDocument/2006/relationships" r:embed="rId3">
+          <a:blip xmlns:r="http://schemas.openxmlformats.org/officeDocument/2006/relationships" r:embed="rId3" cstate="print">
             <a:extLst>
               <a:ext uri="{28A0092B-C50C-407E-A947-70E740481C1C}">
                 <a14:useLocalDpi xmlns:a14="http://schemas.microsoft.com/office/drawing/2010/main" val="0"/>
               </a:ext>
               <a:ext uri="{96DAC541-7B7A-43D3-8B79-37D633B846F1}">
-                <asvg:svgBlip xmlns:asvg="http://schemas.microsoft.com/office/drawing/2016/SVG/main" r:embed="rId4"/>
+                <asvg:svgBlip xmlns:asvg="http://schemas.microsoft.com/office/drawing/2016/SVG/main" xmlns="" r:embed="rId4"/>
               </a:ext>
             </a:extLst>
           </a:blip>
@@ -6858,7 +7176,7 @@
         </a:bodyPr>
         <a:lstStyle/>
         <a:p>
-          <a:pPr marL="0" lvl="0" indent="0" algn="ctr" defTabSz="1022350">
+          <a:pPr lvl="0" algn="ctr" defTabSz="1022350">
             <a:lnSpc>
               <a:spcPct val="90000"/>
             </a:lnSpc>
@@ -6868,7 +7186,6 @@
             <a:spcAft>
               <a:spcPct val="35000"/>
             </a:spcAft>
-            <a:buNone/>
           </a:pPr>
           <a:r>
             <a:rPr lang="cs-CZ" sz="2300" kern="1200"/>
@@ -6896,13 +7213,13 @@
           <a:avLst/>
         </a:prstGeom>
         <a:blipFill>
-          <a:blip xmlns:r="http://schemas.openxmlformats.org/officeDocument/2006/relationships" r:embed="rId5">
+          <a:blip xmlns:r="http://schemas.openxmlformats.org/officeDocument/2006/relationships" r:embed="rId5" cstate="print">
             <a:extLst>
               <a:ext uri="{28A0092B-C50C-407E-A947-70E740481C1C}">
                 <a14:useLocalDpi xmlns:a14="http://schemas.microsoft.com/office/drawing/2010/main" val="0"/>
               </a:ext>
               <a:ext uri="{96DAC541-7B7A-43D3-8B79-37D633B846F1}">
-                <asvg:svgBlip xmlns:asvg="http://schemas.microsoft.com/office/drawing/2016/SVG/main" r:embed="rId6"/>
+                <asvg:svgBlip xmlns:asvg="http://schemas.microsoft.com/office/drawing/2016/SVG/main" xmlns="" r:embed="rId6"/>
               </a:ext>
             </a:extLst>
           </a:blip>
@@ -6969,7 +7286,7 @@
         </a:bodyPr>
         <a:lstStyle/>
         <a:p>
-          <a:pPr marL="0" lvl="0" indent="0" algn="ctr" defTabSz="1022350">
+          <a:pPr lvl="0" algn="ctr" defTabSz="1022350">
             <a:lnSpc>
               <a:spcPct val="90000"/>
             </a:lnSpc>
@@ -6979,7 +7296,6 @@
             <a:spcAft>
               <a:spcPct val="35000"/>
             </a:spcAft>
-            <a:buNone/>
           </a:pPr>
           <a:r>
             <a:rPr lang="cs-CZ" sz="2300" kern="1200"/>
@@ -7019,13 +7335,13 @@
           <a:avLst/>
         </a:prstGeom>
         <a:blipFill>
-          <a:blip xmlns:r="http://schemas.openxmlformats.org/officeDocument/2006/relationships" r:embed="rId1">
+          <a:blip xmlns:r="http://schemas.openxmlformats.org/officeDocument/2006/relationships" r:embed="rId1" cstate="print">
             <a:extLst>
               <a:ext uri="{28A0092B-C50C-407E-A947-70E740481C1C}">
                 <a14:useLocalDpi xmlns:a14="http://schemas.microsoft.com/office/drawing/2010/main" val="0"/>
               </a:ext>
               <a:ext uri="{96DAC541-7B7A-43D3-8B79-37D633B846F1}">
-                <asvg:svgBlip xmlns:asvg="http://schemas.microsoft.com/office/drawing/2016/SVG/main" r:embed="rId2"/>
+                <asvg:svgBlip xmlns:asvg="http://schemas.microsoft.com/office/drawing/2016/SVG/main" xmlns="" r:embed="rId2"/>
               </a:ext>
             </a:extLst>
           </a:blip>
@@ -7092,7 +7408,7 @@
         </a:bodyPr>
         <a:lstStyle/>
         <a:p>
-          <a:pPr marL="0" lvl="0" indent="0" algn="ctr" defTabSz="1111250">
+          <a:pPr lvl="0" algn="ctr" defTabSz="1111250">
             <a:lnSpc>
               <a:spcPct val="90000"/>
             </a:lnSpc>
@@ -7102,7 +7418,6 @@
             <a:spcAft>
               <a:spcPct val="35000"/>
             </a:spcAft>
-            <a:buNone/>
           </a:pPr>
           <a:r>
             <a:rPr lang="cs-CZ" sz="2500" kern="1200"/>
@@ -7136,7 +7451,7 @@
                 <a14:useLocalDpi xmlns:a14="http://schemas.microsoft.com/office/drawing/2010/main" val="0"/>
               </a:ext>
               <a:ext uri="{96DAC541-7B7A-43D3-8B79-37D633B846F1}">
-                <asvg:svgBlip xmlns:asvg="http://schemas.microsoft.com/office/drawing/2016/SVG/main" r:embed="rId4"/>
+                <asvg:svgBlip xmlns:asvg="http://schemas.microsoft.com/office/drawing/2016/SVG/main" xmlns="" r:embed="rId4"/>
               </a:ext>
             </a:extLst>
           </a:blip>
@@ -7203,7 +7518,7 @@
         </a:bodyPr>
         <a:lstStyle/>
         <a:p>
-          <a:pPr marL="0" lvl="0" indent="0" algn="ctr" defTabSz="1111250">
+          <a:pPr lvl="0" algn="ctr" defTabSz="1111250">
             <a:lnSpc>
               <a:spcPct val="90000"/>
             </a:lnSpc>
@@ -7213,7 +7528,6 @@
             <a:spcAft>
               <a:spcPct val="35000"/>
             </a:spcAft>
-            <a:buNone/>
           </a:pPr>
           <a:r>
             <a:rPr lang="cs-CZ" sz="2500" kern="1200"/>
@@ -7241,13 +7555,13 @@
           <a:avLst/>
         </a:prstGeom>
         <a:blipFill>
-          <a:blip xmlns:r="http://schemas.openxmlformats.org/officeDocument/2006/relationships" r:embed="rId5">
+          <a:blip xmlns:r="http://schemas.openxmlformats.org/officeDocument/2006/relationships" r:embed="rId5" cstate="print">
             <a:extLst>
               <a:ext uri="{28A0092B-C50C-407E-A947-70E740481C1C}">
                 <a14:useLocalDpi xmlns:a14="http://schemas.microsoft.com/office/drawing/2010/main" val="0"/>
               </a:ext>
               <a:ext uri="{96DAC541-7B7A-43D3-8B79-37D633B846F1}">
-                <asvg:svgBlip xmlns:asvg="http://schemas.microsoft.com/office/drawing/2016/SVG/main" r:embed="rId6"/>
+                <asvg:svgBlip xmlns:asvg="http://schemas.microsoft.com/office/drawing/2016/SVG/main" xmlns="" r:embed="rId6"/>
               </a:ext>
             </a:extLst>
           </a:blip>
@@ -7314,7 +7628,7 @@
         </a:bodyPr>
         <a:lstStyle/>
         <a:p>
-          <a:pPr marL="0" lvl="0" indent="0" algn="ctr" defTabSz="1111250">
+          <a:pPr lvl="0" algn="ctr" defTabSz="1111250">
             <a:lnSpc>
               <a:spcPct val="90000"/>
             </a:lnSpc>
@@ -7324,7 +7638,6 @@
             <a:spcAft>
               <a:spcPct val="35000"/>
             </a:spcAft>
-            <a:buNone/>
           </a:pPr>
           <a:r>
             <a:rPr lang="cs-CZ" sz="2500" kern="1200"/>
@@ -7406,13 +7719,13 @@
           <a:avLst/>
         </a:prstGeom>
         <a:blipFill>
-          <a:blip xmlns:r="http://schemas.openxmlformats.org/officeDocument/2006/relationships" r:embed="rId1">
+          <a:blip xmlns:r="http://schemas.openxmlformats.org/officeDocument/2006/relationships" r:embed="rId1" cstate="print">
             <a:extLst>
               <a:ext uri="{28A0092B-C50C-407E-A947-70E740481C1C}">
                 <a14:useLocalDpi xmlns:a14="http://schemas.microsoft.com/office/drawing/2010/main" val="0"/>
               </a:ext>
               <a:ext uri="{96DAC541-7B7A-43D3-8B79-37D633B846F1}">
-                <asvg:svgBlip xmlns:asvg="http://schemas.microsoft.com/office/drawing/2016/SVG/main" r:embed="rId2"/>
+                <asvg:svgBlip xmlns:asvg="http://schemas.microsoft.com/office/drawing/2016/SVG/main" xmlns="" r:embed="rId2"/>
               </a:ext>
             </a:extLst>
           </a:blip>
@@ -7479,7 +7792,7 @@
         </a:bodyPr>
         <a:lstStyle/>
         <a:p>
-          <a:pPr marL="0" lvl="0" indent="0" algn="l" defTabSz="1111250">
+          <a:pPr lvl="0" algn="l" defTabSz="1111250">
             <a:lnSpc>
               <a:spcPct val="90000"/>
             </a:lnSpc>
@@ -7489,7 +7802,6 @@
             <a:spcAft>
               <a:spcPct val="35000"/>
             </a:spcAft>
-            <a:buNone/>
           </a:pPr>
           <a:r>
             <a:rPr lang="cs-CZ" sz="2500" kern="1200"/>
@@ -7559,13 +7871,13 @@
           <a:avLst/>
         </a:prstGeom>
         <a:blipFill>
-          <a:blip xmlns:r="http://schemas.openxmlformats.org/officeDocument/2006/relationships" r:embed="rId3">
+          <a:blip xmlns:r="http://schemas.openxmlformats.org/officeDocument/2006/relationships" r:embed="rId3" cstate="print">
             <a:extLst>
               <a:ext uri="{28A0092B-C50C-407E-A947-70E740481C1C}">
                 <a14:useLocalDpi xmlns:a14="http://schemas.microsoft.com/office/drawing/2010/main" val="0"/>
               </a:ext>
               <a:ext uri="{96DAC541-7B7A-43D3-8B79-37D633B846F1}">
-                <asvg:svgBlip xmlns:asvg="http://schemas.microsoft.com/office/drawing/2016/SVG/main" r:embed="rId4"/>
+                <asvg:svgBlip xmlns:asvg="http://schemas.microsoft.com/office/drawing/2016/SVG/main" xmlns="" r:embed="rId4"/>
               </a:ext>
             </a:extLst>
           </a:blip>
@@ -7632,7 +7944,7 @@
         </a:bodyPr>
         <a:lstStyle/>
         <a:p>
-          <a:pPr marL="0" lvl="0" indent="0" algn="l" defTabSz="1111250">
+          <a:pPr lvl="0" algn="l" defTabSz="1111250">
             <a:lnSpc>
               <a:spcPct val="90000"/>
             </a:lnSpc>
@@ -7642,7 +7954,6 @@
             <a:spcAft>
               <a:spcPct val="35000"/>
             </a:spcAft>
-            <a:buNone/>
           </a:pPr>
           <a:r>
             <a:rPr lang="cs-CZ" sz="2500" kern="1200"/>
@@ -7712,13 +8023,13 @@
           <a:avLst/>
         </a:prstGeom>
         <a:blipFill>
-          <a:blip xmlns:r="http://schemas.openxmlformats.org/officeDocument/2006/relationships" r:embed="rId5">
+          <a:blip xmlns:r="http://schemas.openxmlformats.org/officeDocument/2006/relationships" r:embed="rId5" cstate="print">
             <a:extLst>
               <a:ext uri="{28A0092B-C50C-407E-A947-70E740481C1C}">
                 <a14:useLocalDpi xmlns:a14="http://schemas.microsoft.com/office/drawing/2010/main" val="0"/>
               </a:ext>
               <a:ext uri="{96DAC541-7B7A-43D3-8B79-37D633B846F1}">
-                <asvg:svgBlip xmlns:asvg="http://schemas.microsoft.com/office/drawing/2016/SVG/main" r:embed="rId6"/>
+                <asvg:svgBlip xmlns:asvg="http://schemas.microsoft.com/office/drawing/2016/SVG/main" xmlns="" r:embed="rId6"/>
               </a:ext>
             </a:extLst>
           </a:blip>
@@ -7785,7 +8096,7 @@
         </a:bodyPr>
         <a:lstStyle/>
         <a:p>
-          <a:pPr marL="0" lvl="0" indent="0" algn="l" defTabSz="1111250">
+          <a:pPr lvl="0" algn="l" defTabSz="1111250">
             <a:lnSpc>
               <a:spcPct val="90000"/>
             </a:lnSpc>
@@ -7795,13 +8106,12 @@
             <a:spcAft>
               <a:spcPct val="35000"/>
             </a:spcAft>
-            <a:buNone/>
           </a:pPr>
           <a:r>
-            <a:rPr lang="cs-CZ" sz="2500" kern="1200"/>
+            <a:rPr lang="cs-CZ" sz="2500" kern="1200" dirty="0"/>
             <a:t>Programování, design</a:t>
           </a:r>
-          <a:endParaRPr lang="en-US" sz="2500" kern="1200"/>
+          <a:endParaRPr lang="en-US" sz="2500" kern="1200" dirty="0"/>
         </a:p>
       </dsp:txBody>
       <dsp:txXfrm>
@@ -7875,13 +8185,13 @@
           <a:avLst/>
         </a:prstGeom>
         <a:blipFill>
-          <a:blip xmlns:r="http://schemas.openxmlformats.org/officeDocument/2006/relationships" r:embed="rId1">
+          <a:blip xmlns:r="http://schemas.openxmlformats.org/officeDocument/2006/relationships" r:embed="rId1" cstate="print">
             <a:extLst>
               <a:ext uri="{28A0092B-C50C-407E-A947-70E740481C1C}">
                 <a14:useLocalDpi xmlns:a14="http://schemas.microsoft.com/office/drawing/2010/main" val="0"/>
               </a:ext>
               <a:ext uri="{96DAC541-7B7A-43D3-8B79-37D633B846F1}">
-                <asvg:svgBlip xmlns:asvg="http://schemas.microsoft.com/office/drawing/2016/SVG/main" r:embed="rId2"/>
+                <asvg:svgBlip xmlns:asvg="http://schemas.microsoft.com/office/drawing/2016/SVG/main" xmlns="" r:embed="rId2"/>
               </a:ext>
             </a:extLst>
           </a:blip>
@@ -7948,7 +8258,7 @@
         </a:bodyPr>
         <a:lstStyle/>
         <a:p>
-          <a:pPr marL="0" lvl="0" indent="0" algn="l" defTabSz="844550">
+          <a:pPr lvl="0" algn="l" defTabSz="844550">
             <a:lnSpc>
               <a:spcPct val="90000"/>
             </a:lnSpc>
@@ -7958,7 +8268,6 @@
             <a:spcAft>
               <a:spcPct val="35000"/>
             </a:spcAft>
-            <a:buNone/>
           </a:pPr>
           <a:r>
             <a:rPr lang="cs-CZ" sz="1900" kern="1200"/>
@@ -8026,13 +8335,13 @@
           <a:avLst/>
         </a:prstGeom>
         <a:blipFill>
-          <a:blip xmlns:r="http://schemas.openxmlformats.org/officeDocument/2006/relationships" r:embed="rId3">
+          <a:blip xmlns:r="http://schemas.openxmlformats.org/officeDocument/2006/relationships" r:embed="rId3" cstate="print">
             <a:extLst>
               <a:ext uri="{28A0092B-C50C-407E-A947-70E740481C1C}">
                 <a14:useLocalDpi xmlns:a14="http://schemas.microsoft.com/office/drawing/2010/main" val="0"/>
               </a:ext>
               <a:ext uri="{96DAC541-7B7A-43D3-8B79-37D633B846F1}">
-                <asvg:svgBlip xmlns:asvg="http://schemas.microsoft.com/office/drawing/2016/SVG/main" r:embed="rId4"/>
+                <asvg:svgBlip xmlns:asvg="http://schemas.microsoft.com/office/drawing/2016/SVG/main" xmlns="" r:embed="rId4"/>
               </a:ext>
             </a:extLst>
           </a:blip>
@@ -8099,7 +8408,7 @@
         </a:bodyPr>
         <a:lstStyle/>
         <a:p>
-          <a:pPr marL="0" lvl="0" indent="0" algn="l" defTabSz="844550">
+          <a:pPr lvl="0" algn="l" defTabSz="844550">
             <a:lnSpc>
               <a:spcPct val="90000"/>
             </a:lnSpc>
@@ -8109,7 +8418,6 @@
             <a:spcAft>
               <a:spcPct val="35000"/>
             </a:spcAft>
-            <a:buNone/>
           </a:pPr>
           <a:r>
             <a:rPr lang="cs-CZ" sz="1900" kern="1200"/>
@@ -8177,13 +8485,13 @@
           <a:avLst/>
         </a:prstGeom>
         <a:blipFill>
-          <a:blip xmlns:r="http://schemas.openxmlformats.org/officeDocument/2006/relationships" r:embed="rId5">
+          <a:blip xmlns:r="http://schemas.openxmlformats.org/officeDocument/2006/relationships" r:embed="rId5" cstate="print">
             <a:extLst>
               <a:ext uri="{28A0092B-C50C-407E-A947-70E740481C1C}">
                 <a14:useLocalDpi xmlns:a14="http://schemas.microsoft.com/office/drawing/2010/main" val="0"/>
               </a:ext>
               <a:ext uri="{96DAC541-7B7A-43D3-8B79-37D633B846F1}">
-                <asvg:svgBlip xmlns:asvg="http://schemas.microsoft.com/office/drawing/2016/SVG/main" r:embed="rId6"/>
+                <asvg:svgBlip xmlns:asvg="http://schemas.microsoft.com/office/drawing/2016/SVG/main" xmlns="" r:embed="rId6"/>
               </a:ext>
             </a:extLst>
           </a:blip>
@@ -8250,7 +8558,7 @@
         </a:bodyPr>
         <a:lstStyle/>
         <a:p>
-          <a:pPr marL="0" lvl="0" indent="0" algn="l" defTabSz="844550">
+          <a:pPr lvl="0" algn="l" defTabSz="844550">
             <a:lnSpc>
               <a:spcPct val="90000"/>
             </a:lnSpc>
@@ -8260,7 +8568,6 @@
             <a:spcAft>
               <a:spcPct val="35000"/>
             </a:spcAft>
-            <a:buNone/>
           </a:pPr>
           <a:r>
             <a:rPr lang="cs-CZ" sz="1900" kern="1200"/>
@@ -8328,13 +8635,13 @@
           <a:avLst/>
         </a:prstGeom>
         <a:blipFill>
-          <a:blip xmlns:r="http://schemas.openxmlformats.org/officeDocument/2006/relationships" r:embed="rId7">
+          <a:blip xmlns:r="http://schemas.openxmlformats.org/officeDocument/2006/relationships" r:embed="rId7" cstate="print">
             <a:extLst>
               <a:ext uri="{28A0092B-C50C-407E-A947-70E740481C1C}">
                 <a14:useLocalDpi xmlns:a14="http://schemas.microsoft.com/office/drawing/2010/main" val="0"/>
               </a:ext>
               <a:ext uri="{96DAC541-7B7A-43D3-8B79-37D633B846F1}">
-                <asvg:svgBlip xmlns:asvg="http://schemas.microsoft.com/office/drawing/2016/SVG/main" r:embed="rId8"/>
+                <asvg:svgBlip xmlns:asvg="http://schemas.microsoft.com/office/drawing/2016/SVG/main" xmlns="" r:embed="rId8"/>
               </a:ext>
             </a:extLst>
           </a:blip>
@@ -8401,7 +8708,7 @@
         </a:bodyPr>
         <a:lstStyle/>
         <a:p>
-          <a:pPr marL="0" lvl="0" indent="0" algn="l" defTabSz="844550">
+          <a:pPr lvl="0" algn="l" defTabSz="844550">
             <a:lnSpc>
               <a:spcPct val="90000"/>
             </a:lnSpc>
@@ -8411,7 +8718,6 @@
             <a:spcAft>
               <a:spcPct val="35000"/>
             </a:spcAft>
-            <a:buNone/>
           </a:pPr>
           <a:r>
             <a:rPr lang="cs-CZ" sz="1900" kern="1200"/>
@@ -8479,13 +8785,13 @@
           <a:avLst/>
         </a:prstGeom>
         <a:blipFill>
-          <a:blip xmlns:r="http://schemas.openxmlformats.org/officeDocument/2006/relationships" r:embed="rId9">
+          <a:blip xmlns:r="http://schemas.openxmlformats.org/officeDocument/2006/relationships" r:embed="rId9" cstate="print">
             <a:extLst>
               <a:ext uri="{28A0092B-C50C-407E-A947-70E740481C1C}">
                 <a14:useLocalDpi xmlns:a14="http://schemas.microsoft.com/office/drawing/2010/main" val="0"/>
               </a:ext>
               <a:ext uri="{96DAC541-7B7A-43D3-8B79-37D633B846F1}">
-                <asvg:svgBlip xmlns:asvg="http://schemas.microsoft.com/office/drawing/2016/SVG/main" r:embed="rId10"/>
+                <asvg:svgBlip xmlns:asvg="http://schemas.microsoft.com/office/drawing/2016/SVG/main" xmlns="" r:embed="rId10"/>
               </a:ext>
             </a:extLst>
           </a:blip>
@@ -8552,7 +8858,7 @@
         </a:bodyPr>
         <a:lstStyle/>
         <a:p>
-          <a:pPr marL="0" lvl="0" indent="0" algn="l" defTabSz="844550">
+          <a:pPr lvl="0" algn="l" defTabSz="844550">
             <a:lnSpc>
               <a:spcPct val="90000"/>
             </a:lnSpc>
@@ -8562,13 +8868,12 @@
             <a:spcAft>
               <a:spcPct val="35000"/>
             </a:spcAft>
-            <a:buNone/>
           </a:pPr>
           <a:r>
-            <a:rPr lang="cs-CZ" sz="1900" kern="1200"/>
+            <a:rPr lang="cs-CZ" sz="1900" kern="1200" dirty="0"/>
             <a:t>4x Sprint</a:t>
           </a:r>
-          <a:endParaRPr lang="en-US" sz="1900" kern="1200"/>
+          <a:endParaRPr lang="en-US" sz="1900" kern="1200" dirty="0"/>
         </a:p>
       </dsp:txBody>
       <dsp:txXfrm>
@@ -8630,13 +8935,13 @@
           <a:avLst/>
         </a:prstGeom>
         <a:blipFill>
-          <a:blip xmlns:r="http://schemas.openxmlformats.org/officeDocument/2006/relationships" r:embed="rId11">
+          <a:blip xmlns:r="http://schemas.openxmlformats.org/officeDocument/2006/relationships" r:embed="rId11" cstate="print">
             <a:extLst>
               <a:ext uri="{28A0092B-C50C-407E-A947-70E740481C1C}">
                 <a14:useLocalDpi xmlns:a14="http://schemas.microsoft.com/office/drawing/2010/main" val="0"/>
               </a:ext>
               <a:ext uri="{96DAC541-7B7A-43D3-8B79-37D633B846F1}">
-                <asvg:svgBlip xmlns:asvg="http://schemas.microsoft.com/office/drawing/2016/SVG/main" r:embed="rId12"/>
+                <asvg:svgBlip xmlns:asvg="http://schemas.microsoft.com/office/drawing/2016/SVG/main" xmlns="" r:embed="rId12"/>
               </a:ext>
             </a:extLst>
           </a:blip>
@@ -8703,7 +9008,7 @@
         </a:bodyPr>
         <a:lstStyle/>
         <a:p>
-          <a:pPr marL="0" lvl="0" indent="0" algn="l" defTabSz="844550">
+          <a:pPr lvl="0" algn="l" defTabSz="844550">
             <a:lnSpc>
               <a:spcPct val="90000"/>
             </a:lnSpc>
@@ -8713,7 +9018,6 @@
             <a:spcAft>
               <a:spcPct val="35000"/>
             </a:spcAft>
-            <a:buNone/>
           </a:pPr>
           <a:r>
             <a:rPr lang="cs-CZ" sz="1900" kern="1200"/>
@@ -8909,7 +9213,7 @@
   </dgm:layoutNode>
   <dgm:extLst>
     <a:ext uri="{68A01E43-0DF5-4B5B-8FA6-DAF915123BFB}">
-      <dgm1612:lstStyle xmlns:dgm1612="http://schemas.microsoft.com/office/drawing/2016/12/diagram">
+      <dgm1612:lstStyle xmlns:dgm1612="http://schemas.microsoft.com/office/drawing/2016/12/diagram" xmlns="">
         <a:lvl1pPr>
           <a:lnSpc>
             <a:spcPct val="100000"/>
@@ -9099,7 +9403,7 @@
   </dgm:layoutNode>
   <dgm:extLst>
     <a:ext uri="{68A01E43-0DF5-4B5B-8FA6-DAF915123BFB}">
-      <dgm1612:lstStyle xmlns:dgm1612="http://schemas.microsoft.com/office/drawing/2016/12/diagram">
+      <dgm1612:lstStyle xmlns:dgm1612="http://schemas.microsoft.com/office/drawing/2016/12/diagram" xmlns="">
         <a:lvl1pPr>
           <a:lnSpc>
             <a:spcPct val="100000"/>
@@ -9289,7 +9593,7 @@
   </dgm:layoutNode>
   <dgm:extLst>
     <a:ext uri="{68A01E43-0DF5-4B5B-8FA6-DAF915123BFB}">
-      <dgm1612:lstStyle xmlns:dgm1612="http://schemas.microsoft.com/office/drawing/2016/12/diagram">
+      <dgm1612:lstStyle xmlns:dgm1612="http://schemas.microsoft.com/office/drawing/2016/12/diagram" xmlns="">
         <a:lvl1pPr>
           <a:lnSpc>
             <a:spcPct val="100000"/>
@@ -9578,7 +9882,7 @@
   </dgm:layoutNode>
   <dgm:extLst>
     <a:ext uri="{68A01E43-0DF5-4B5B-8FA6-DAF915123BFB}">
-      <dgm1612:lstStyle xmlns:dgm1612="http://schemas.microsoft.com/office/drawing/2016/12/diagram">
+      <dgm1612:lstStyle xmlns:dgm1612="http://schemas.microsoft.com/office/drawing/2016/12/diagram" xmlns="">
         <a:lvl1pPr>
           <a:lnSpc>
             <a:spcPct val="100000"/>
@@ -9795,7 +10099,7 @@
   </dgm:layoutNode>
   <dgm:extLst>
     <a:ext uri="{68A01E43-0DF5-4B5B-8FA6-DAF915123BFB}">
-      <dgm1612:lstStyle xmlns:dgm1612="http://schemas.microsoft.com/office/drawing/2016/12/diagram">
+      <dgm1612:lstStyle xmlns:dgm1612="http://schemas.microsoft.com/office/drawing/2016/12/diagram" xmlns="">
         <a:lvl1pPr>
           <a:lnSpc>
             <a:spcPct val="100000"/>
@@ -17824,10 +18128,10 @@
           <p:cNvPr id="11" name="Rectangle 7">
             <a:extLst>
               <a:ext uri="{FF2B5EF4-FFF2-40B4-BE49-F238E27FC236}">
-                <a16:creationId xmlns:a16="http://schemas.microsoft.com/office/drawing/2014/main" id="{23962611-DFD5-4092-AAFD-559E3DFCE2C9}"/>
+                <a16:creationId xmlns:a16="http://schemas.microsoft.com/office/drawing/2014/main" xmlns="" id="{23962611-DFD5-4092-AAFD-559E3DFCE2C9}"/>
               </a:ext>
               <a:ext uri="{C183D7F6-B498-43B3-948B-1728B52AA6E4}">
-                <adec:decorative xmlns:adec="http://schemas.microsoft.com/office/drawing/2017/decorative" val="1"/>
+                <adec:decorative xmlns:adec="http://schemas.microsoft.com/office/drawing/2017/decorative" xmlns="" val="1"/>
               </a:ext>
             </a:extLst>
           </p:cNvPr>
@@ -17837,7 +18141,7 @@
           <p:nvPr>
             <p:extLst>
               <p:ext uri="{386F3935-93C4-4BCD-93E2-E3B085C9AB24}">
-                <p16:designElem xmlns:p16="http://schemas.microsoft.com/office/powerpoint/2015/main" val="1"/>
+                <p16:designElem xmlns:p16="http://schemas.microsoft.com/office/powerpoint/2015/main" xmlns="" val="1"/>
               </p:ext>
             </p:extLst>
           </p:nvPr>
@@ -17909,10 +18213,10 @@
           <p:cNvPr id="12" name="Picture 9">
             <a:extLst>
               <a:ext uri="{FF2B5EF4-FFF2-40B4-BE49-F238E27FC236}">
-                <a16:creationId xmlns:a16="http://schemas.microsoft.com/office/drawing/2014/main" id="{2270F1FA-0425-408F-9861-80BF5AFB276D}"/>
+                <a16:creationId xmlns:a16="http://schemas.microsoft.com/office/drawing/2014/main" xmlns="" id="{2270F1FA-0425-408F-9861-80BF5AFB276D}"/>
               </a:ext>
               <a:ext uri="{C183D7F6-B498-43B3-948B-1728B52AA6E4}">
-                <adec:decorative xmlns:adec="http://schemas.microsoft.com/office/drawing/2017/decorative" val="1"/>
+                <adec:decorative xmlns:adec="http://schemas.microsoft.com/office/drawing/2017/decorative" xmlns="" val="1"/>
               </a:ext>
             </a:extLst>
           </p:cNvPr>
@@ -17922,7 +18226,7 @@
           <p:nvPr>
             <p:extLst>
               <p:ext uri="{386F3935-93C4-4BCD-93E2-E3B085C9AB24}">
-                <p16:designElem xmlns:p16="http://schemas.microsoft.com/office/powerpoint/2015/main" val="1"/>
+                <p16:designElem xmlns:p16="http://schemas.microsoft.com/office/powerpoint/2015/main" xmlns="" val="1"/>
               </p:ext>
             </p:extLst>
           </p:nvPr>
@@ -18143,10 +18447,10 @@
           <p:cNvPr id="9" name="Rectangle: Rounded Corners 8">
             <a:extLst>
               <a:ext uri="{FF2B5EF4-FFF2-40B4-BE49-F238E27FC236}">
-                <a16:creationId xmlns:a16="http://schemas.microsoft.com/office/drawing/2014/main" id="{6AA24DE7-C336-4994-8C52-D9B3F3D0FA4D}"/>
+                <a16:creationId xmlns:a16="http://schemas.microsoft.com/office/drawing/2014/main" xmlns="" id="{6AA24DE7-C336-4994-8C52-D9B3F3D0FA4D}"/>
               </a:ext>
               <a:ext uri="{C183D7F6-B498-43B3-948B-1728B52AA6E4}">
-                <adec:decorative xmlns:adec="http://schemas.microsoft.com/office/drawing/2017/decorative" val="1"/>
+                <adec:decorative xmlns:adec="http://schemas.microsoft.com/office/drawing/2017/decorative" xmlns="" val="1"/>
               </a:ext>
             </a:extLst>
           </p:cNvPr>
@@ -18156,7 +18460,7 @@
           <p:nvPr>
             <p:extLst>
               <p:ext uri="{386F3935-93C4-4BCD-93E2-E3B085C9AB24}">
-                <p16:designElem xmlns:p16="http://schemas.microsoft.com/office/powerpoint/2015/main" val="1"/>
+                <p16:designElem xmlns:p16="http://schemas.microsoft.com/office/powerpoint/2015/main" xmlns="" val="1"/>
               </p:ext>
             </p:extLst>
           </p:nvPr>
@@ -18494,19 +18798,37 @@
           <a:lstStyle/>
           <a:p>
             <a:r>
-              <a:rPr lang="cs-CZ" u="sng" dirty="0">
+              <a:rPr lang="cs-CZ">
                 <a:hlinkClick r:id="rId2"/>
               </a:rPr>
-              <a:t>https://195.113.207.163/~ruzick34/rsp/</a:t>
+              <a:t>https://195.113.207.163/~</a:t>
             </a:r>
-            <a:endParaRPr lang="cs-CZ" u="sng" dirty="0"/>
+            <a:r>
+              <a:rPr lang="cs-CZ">
+                <a:hlinkClick r:id="rId2"/>
+              </a:rPr>
+              <a:t>ruzick34/rsp_ver2</a:t>
+            </a:r>
+            <a:r>
+              <a:rPr lang="cs-CZ" smtClean="0">
+                <a:hlinkClick r:id="rId2"/>
+              </a:rPr>
+              <a:t>/</a:t>
+            </a:r>
+            <a:endParaRPr lang="cs-CZ" smtClean="0"/>
           </a:p>
           <a:p>
+            <a:r>
+              <a:rPr lang="cs-CZ" u="sng" smtClean="0">
+                <a:hlinkClick r:id="rId3"/>
+              </a:rPr>
+              <a:t>https</a:t>
+            </a:r>
             <a:r>
               <a:rPr lang="cs-CZ" u="sng" dirty="0">
                 <a:hlinkClick r:id="rId3"/>
               </a:rPr>
-              <a:t>https://alpha.kei.vspj.cz/VSPJphpMyAdmin</a:t>
+              <a:t>://alpha.kei.vspj.cz/VSPJphpMyAdmin</a:t>
             </a:r>
             <a:endParaRPr lang="cs-CZ" dirty="0"/>
           </a:p>
@@ -18550,10 +18872,10 @@
           <p:cNvPr id="8" name="Rectangle 7">
             <a:extLst>
               <a:ext uri="{FF2B5EF4-FFF2-40B4-BE49-F238E27FC236}">
-                <a16:creationId xmlns:a16="http://schemas.microsoft.com/office/drawing/2014/main" id="{4351DFE5-F63D-4BE0-BDA9-E3EB88F01AA5}"/>
+                <a16:creationId xmlns:a16="http://schemas.microsoft.com/office/drawing/2014/main" xmlns="" id="{4351DFE5-F63D-4BE0-BDA9-E3EB88F01AA5}"/>
               </a:ext>
               <a:ext uri="{C183D7F6-B498-43B3-948B-1728B52AA6E4}">
-                <adec:decorative xmlns:adec="http://schemas.microsoft.com/office/drawing/2017/decorative" val="1"/>
+                <adec:decorative xmlns:adec="http://schemas.microsoft.com/office/drawing/2017/decorative" xmlns="" val="1"/>
               </a:ext>
             </a:extLst>
           </p:cNvPr>
@@ -18563,7 +18885,7 @@
           <p:nvPr>
             <p:extLst>
               <p:ext uri="{386F3935-93C4-4BCD-93E2-E3B085C9AB24}">
-                <p16:designElem xmlns:p16="http://schemas.microsoft.com/office/powerpoint/2015/main" val="1"/>
+                <p16:designElem xmlns:p16="http://schemas.microsoft.com/office/powerpoint/2015/main" xmlns="" val="1"/>
               </p:ext>
             </p:extLst>
           </p:nvPr>
@@ -18635,10 +18957,10 @@
           <p:cNvPr id="10" name="Picture 9">
             <a:extLst>
               <a:ext uri="{FF2B5EF4-FFF2-40B4-BE49-F238E27FC236}">
-                <a16:creationId xmlns:a16="http://schemas.microsoft.com/office/drawing/2014/main" id="{3AA16612-ACD2-4A16-8F2B-4514FD6BF28F}"/>
+                <a16:creationId xmlns:a16="http://schemas.microsoft.com/office/drawing/2014/main" xmlns="" id="{3AA16612-ACD2-4A16-8F2B-4514FD6BF28F}"/>
               </a:ext>
               <a:ext uri="{C183D7F6-B498-43B3-948B-1728B52AA6E4}">
-                <adec:decorative xmlns:adec="http://schemas.microsoft.com/office/drawing/2017/decorative" val="1"/>
+                <adec:decorative xmlns:adec="http://schemas.microsoft.com/office/drawing/2017/decorative" xmlns="" val="1"/>
               </a:ext>
             </a:extLst>
           </p:cNvPr>
@@ -18648,7 +18970,7 @@
           <p:nvPr>
             <p:extLst>
               <p:ext uri="{386F3935-93C4-4BCD-93E2-E3B085C9AB24}">
-                <p16:designElem xmlns:p16="http://schemas.microsoft.com/office/powerpoint/2015/main" val="1"/>
+                <p16:designElem xmlns:p16="http://schemas.microsoft.com/office/powerpoint/2015/main" xmlns="" val="1"/>
               </p:ext>
             </p:extLst>
           </p:nvPr>
@@ -18780,10 +19102,10 @@
           <p:cNvPr id="10" name="Rectangle 9">
             <a:extLst>
               <a:ext uri="{FF2B5EF4-FFF2-40B4-BE49-F238E27FC236}">
-                <a16:creationId xmlns:a16="http://schemas.microsoft.com/office/drawing/2014/main" id="{4351DFE5-F63D-4BE0-BDA9-E3EB88F01AA5}"/>
+                <a16:creationId xmlns:a16="http://schemas.microsoft.com/office/drawing/2014/main" xmlns="" id="{4351DFE5-F63D-4BE0-BDA9-E3EB88F01AA5}"/>
               </a:ext>
               <a:ext uri="{C183D7F6-B498-43B3-948B-1728B52AA6E4}">
-                <adec:decorative xmlns:adec="http://schemas.microsoft.com/office/drawing/2017/decorative" val="1"/>
+                <adec:decorative xmlns:adec="http://schemas.microsoft.com/office/drawing/2017/decorative" xmlns="" val="1"/>
               </a:ext>
             </a:extLst>
           </p:cNvPr>
@@ -18793,7 +19115,7 @@
           <p:nvPr>
             <p:extLst>
               <p:ext uri="{386F3935-93C4-4BCD-93E2-E3B085C9AB24}">
-                <p16:designElem xmlns:p16="http://schemas.microsoft.com/office/powerpoint/2015/main" val="1"/>
+                <p16:designElem xmlns:p16="http://schemas.microsoft.com/office/powerpoint/2015/main" xmlns="" val="1"/>
               </p:ext>
             </p:extLst>
           </p:nvPr>
@@ -18861,10 +19183,10 @@
           <p:cNvPr id="12" name="Picture 11">
             <a:extLst>
               <a:ext uri="{FF2B5EF4-FFF2-40B4-BE49-F238E27FC236}">
-                <a16:creationId xmlns:a16="http://schemas.microsoft.com/office/drawing/2014/main" id="{02DD2BC0-6F29-4B4F-8D61-2DCF6D2E8E73}"/>
+                <a16:creationId xmlns:a16="http://schemas.microsoft.com/office/drawing/2014/main" xmlns="" id="{02DD2BC0-6F29-4B4F-8D61-2DCF6D2E8E73}"/>
               </a:ext>
               <a:ext uri="{C183D7F6-B498-43B3-948B-1728B52AA6E4}">
-                <adec:decorative xmlns:adec="http://schemas.microsoft.com/office/drawing/2017/decorative" val="1"/>
+                <adec:decorative xmlns:adec="http://schemas.microsoft.com/office/drawing/2017/decorative" xmlns="" val="1"/>
               </a:ext>
             </a:extLst>
           </p:cNvPr>
@@ -18874,7 +19196,7 @@
           <p:nvPr>
             <p:extLst>
               <p:ext uri="{386F3935-93C4-4BCD-93E2-E3B085C9AB24}">
-                <p16:designElem xmlns:p16="http://schemas.microsoft.com/office/powerpoint/2015/main" val="1"/>
+                <p16:designElem xmlns:p16="http://schemas.microsoft.com/office/powerpoint/2015/main" xmlns="" val="1"/>
               </p:ext>
             </p:extLst>
           </p:nvPr>
@@ -18940,7 +19262,7 @@
           <p:cNvPr id="5" name="Zástupný symbol pro obsah 2">
             <a:extLst>
               <a:ext uri="{FF2B5EF4-FFF2-40B4-BE49-F238E27FC236}">
-                <a16:creationId xmlns:a16="http://schemas.microsoft.com/office/drawing/2014/main" id="{02282D04-8EAF-4104-B524-119C3D85A7D4}"/>
+                <a16:creationId xmlns:a16="http://schemas.microsoft.com/office/drawing/2014/main" xmlns="" id="{02282D04-8EAF-4104-B524-119C3D85A7D4}"/>
               </a:ext>
             </a:extLst>
           </p:cNvPr>
@@ -19004,10 +19326,10 @@
           <p:cNvPr id="8" name="Rectangle 7">
             <a:extLst>
               <a:ext uri="{FF2B5EF4-FFF2-40B4-BE49-F238E27FC236}">
-                <a16:creationId xmlns:a16="http://schemas.microsoft.com/office/drawing/2014/main" id="{4351DFE5-F63D-4BE0-BDA9-E3EB88F01AA5}"/>
+                <a16:creationId xmlns:a16="http://schemas.microsoft.com/office/drawing/2014/main" xmlns="" id="{4351DFE5-F63D-4BE0-BDA9-E3EB88F01AA5}"/>
               </a:ext>
               <a:ext uri="{C183D7F6-B498-43B3-948B-1728B52AA6E4}">
-                <adec:decorative xmlns:adec="http://schemas.microsoft.com/office/drawing/2017/decorative" val="1"/>
+                <adec:decorative xmlns:adec="http://schemas.microsoft.com/office/drawing/2017/decorative" xmlns="" val="1"/>
               </a:ext>
             </a:extLst>
           </p:cNvPr>
@@ -19017,7 +19339,7 @@
           <p:nvPr>
             <p:extLst>
               <p:ext uri="{386F3935-93C4-4BCD-93E2-E3B085C9AB24}">
-                <p16:designElem xmlns:p16="http://schemas.microsoft.com/office/powerpoint/2015/main" val="1"/>
+                <p16:designElem xmlns:p16="http://schemas.microsoft.com/office/powerpoint/2015/main" xmlns="" val="1"/>
               </p:ext>
             </p:extLst>
           </p:nvPr>
@@ -19089,10 +19411,10 @@
           <p:cNvPr id="10" name="Picture 9">
             <a:extLst>
               <a:ext uri="{FF2B5EF4-FFF2-40B4-BE49-F238E27FC236}">
-                <a16:creationId xmlns:a16="http://schemas.microsoft.com/office/drawing/2014/main" id="{3AA16612-ACD2-4A16-8F2B-4514FD6BF28F}"/>
+                <a16:creationId xmlns:a16="http://schemas.microsoft.com/office/drawing/2014/main" xmlns="" id="{3AA16612-ACD2-4A16-8F2B-4514FD6BF28F}"/>
               </a:ext>
               <a:ext uri="{C183D7F6-B498-43B3-948B-1728B52AA6E4}">
-                <adec:decorative xmlns:adec="http://schemas.microsoft.com/office/drawing/2017/decorative" val="1"/>
+                <adec:decorative xmlns:adec="http://schemas.microsoft.com/office/drawing/2017/decorative" xmlns="" val="1"/>
               </a:ext>
             </a:extLst>
           </p:cNvPr>
@@ -19102,7 +19424,7 @@
           <p:nvPr>
             <p:extLst>
               <p:ext uri="{386F3935-93C4-4BCD-93E2-E3B085C9AB24}">
-                <p16:designElem xmlns:p16="http://schemas.microsoft.com/office/powerpoint/2015/main" val="1"/>
+                <p16:designElem xmlns:p16="http://schemas.microsoft.com/office/powerpoint/2015/main" xmlns="" val="1"/>
               </p:ext>
             </p:extLst>
           </p:nvPr>
@@ -19304,10 +19626,10 @@
           <p:cNvPr id="10" name="Rectangle 9">
             <a:extLst>
               <a:ext uri="{FF2B5EF4-FFF2-40B4-BE49-F238E27FC236}">
-                <a16:creationId xmlns:a16="http://schemas.microsoft.com/office/drawing/2014/main" id="{4351DFE5-F63D-4BE0-BDA9-E3EB88F01AA5}"/>
+                <a16:creationId xmlns:a16="http://schemas.microsoft.com/office/drawing/2014/main" xmlns="" id="{4351DFE5-F63D-4BE0-BDA9-E3EB88F01AA5}"/>
               </a:ext>
               <a:ext uri="{C183D7F6-B498-43B3-948B-1728B52AA6E4}">
-                <adec:decorative xmlns:adec="http://schemas.microsoft.com/office/drawing/2017/decorative" val="1"/>
+                <adec:decorative xmlns:adec="http://schemas.microsoft.com/office/drawing/2017/decorative" xmlns="" val="1"/>
               </a:ext>
             </a:extLst>
           </p:cNvPr>
@@ -19317,7 +19639,7 @@
           <p:nvPr>
             <p:extLst>
               <p:ext uri="{386F3935-93C4-4BCD-93E2-E3B085C9AB24}">
-                <p16:designElem xmlns:p16="http://schemas.microsoft.com/office/powerpoint/2015/main" val="1"/>
+                <p16:designElem xmlns:p16="http://schemas.microsoft.com/office/powerpoint/2015/main" xmlns="" val="1"/>
               </p:ext>
             </p:extLst>
           </p:nvPr>
@@ -19385,10 +19707,10 @@
           <p:cNvPr id="12" name="Picture 11">
             <a:extLst>
               <a:ext uri="{FF2B5EF4-FFF2-40B4-BE49-F238E27FC236}">
-                <a16:creationId xmlns:a16="http://schemas.microsoft.com/office/drawing/2014/main" id="{02DD2BC0-6F29-4B4F-8D61-2DCF6D2E8E73}"/>
+                <a16:creationId xmlns:a16="http://schemas.microsoft.com/office/drawing/2014/main" xmlns="" id="{02DD2BC0-6F29-4B4F-8D61-2DCF6D2E8E73}"/>
               </a:ext>
               <a:ext uri="{C183D7F6-B498-43B3-948B-1728B52AA6E4}">
-                <adec:decorative xmlns:adec="http://schemas.microsoft.com/office/drawing/2017/decorative" val="1"/>
+                <adec:decorative xmlns:adec="http://schemas.microsoft.com/office/drawing/2017/decorative" xmlns="" val="1"/>
               </a:ext>
             </a:extLst>
           </p:cNvPr>
@@ -19398,7 +19720,7 @@
           <p:nvPr>
             <p:extLst>
               <p:ext uri="{386F3935-93C4-4BCD-93E2-E3B085C9AB24}">
-                <p16:designElem xmlns:p16="http://schemas.microsoft.com/office/powerpoint/2015/main" val="1"/>
+                <p16:designElem xmlns:p16="http://schemas.microsoft.com/office/powerpoint/2015/main" xmlns="" val="1"/>
               </p:ext>
             </p:extLst>
           </p:nvPr>
@@ -19464,7 +19786,7 @@
           <p:cNvPr id="5" name="Zástupný symbol pro obsah 2">
             <a:extLst>
               <a:ext uri="{FF2B5EF4-FFF2-40B4-BE49-F238E27FC236}">
-                <a16:creationId xmlns:a16="http://schemas.microsoft.com/office/drawing/2014/main" id="{5B68008D-C0B5-4460-9ECE-DE11F62D2AD8}"/>
+                <a16:creationId xmlns:a16="http://schemas.microsoft.com/office/drawing/2014/main" xmlns="" id="{5B68008D-C0B5-4460-9ECE-DE11F62D2AD8}"/>
               </a:ext>
             </a:extLst>
           </p:cNvPr>
@@ -19528,10 +19850,10 @@
           <p:cNvPr id="10" name="Rectangle 9">
             <a:extLst>
               <a:ext uri="{FF2B5EF4-FFF2-40B4-BE49-F238E27FC236}">
-                <a16:creationId xmlns:a16="http://schemas.microsoft.com/office/drawing/2014/main" id="{4351DFE5-F63D-4BE0-BDA9-E3EB88F01AA5}"/>
+                <a16:creationId xmlns:a16="http://schemas.microsoft.com/office/drawing/2014/main" xmlns="" id="{4351DFE5-F63D-4BE0-BDA9-E3EB88F01AA5}"/>
               </a:ext>
               <a:ext uri="{C183D7F6-B498-43B3-948B-1728B52AA6E4}">
-                <adec:decorative xmlns:adec="http://schemas.microsoft.com/office/drawing/2017/decorative" val="1"/>
+                <adec:decorative xmlns:adec="http://schemas.microsoft.com/office/drawing/2017/decorative" xmlns="" val="1"/>
               </a:ext>
             </a:extLst>
           </p:cNvPr>
@@ -19541,7 +19863,7 @@
           <p:nvPr>
             <p:extLst>
               <p:ext uri="{386F3935-93C4-4BCD-93E2-E3B085C9AB24}">
-                <p16:designElem xmlns:p16="http://schemas.microsoft.com/office/powerpoint/2015/main" val="1"/>
+                <p16:designElem xmlns:p16="http://schemas.microsoft.com/office/powerpoint/2015/main" xmlns="" val="1"/>
               </p:ext>
             </p:extLst>
           </p:nvPr>
@@ -19609,10 +19931,10 @@
           <p:cNvPr id="12" name="Picture 11">
             <a:extLst>
               <a:ext uri="{FF2B5EF4-FFF2-40B4-BE49-F238E27FC236}">
-                <a16:creationId xmlns:a16="http://schemas.microsoft.com/office/drawing/2014/main" id="{02DD2BC0-6F29-4B4F-8D61-2DCF6D2E8E73}"/>
+                <a16:creationId xmlns:a16="http://schemas.microsoft.com/office/drawing/2014/main" xmlns="" id="{02DD2BC0-6F29-4B4F-8D61-2DCF6D2E8E73}"/>
               </a:ext>
               <a:ext uri="{C183D7F6-B498-43B3-948B-1728B52AA6E4}">
-                <adec:decorative xmlns:adec="http://schemas.microsoft.com/office/drawing/2017/decorative" val="1"/>
+                <adec:decorative xmlns:adec="http://schemas.microsoft.com/office/drawing/2017/decorative" xmlns="" val="1"/>
               </a:ext>
             </a:extLst>
           </p:cNvPr>
@@ -19622,7 +19944,7 @@
           <p:nvPr>
             <p:extLst>
               <p:ext uri="{386F3935-93C4-4BCD-93E2-E3B085C9AB24}">
-                <p16:designElem xmlns:p16="http://schemas.microsoft.com/office/powerpoint/2015/main" val="1"/>
+                <p16:designElem xmlns:p16="http://schemas.microsoft.com/office/powerpoint/2015/main" xmlns="" val="1"/>
               </p:ext>
             </p:extLst>
           </p:nvPr>
@@ -19688,7 +20010,7 @@
           <p:cNvPr id="5" name="Zástupný symbol pro obsah 2">
             <a:extLst>
               <a:ext uri="{FF2B5EF4-FFF2-40B4-BE49-F238E27FC236}">
-                <a16:creationId xmlns:a16="http://schemas.microsoft.com/office/drawing/2014/main" id="{BC19EB7D-1910-4EF0-8F36-E2EC4ED0B8A7}"/>
+                <a16:creationId xmlns:a16="http://schemas.microsoft.com/office/drawing/2014/main" xmlns="" id="{BC19EB7D-1910-4EF0-8F36-E2EC4ED0B8A7}"/>
               </a:ext>
             </a:extLst>
           </p:cNvPr>
@@ -19752,10 +20074,10 @@
           <p:cNvPr id="10" name="Rectangle 9">
             <a:extLst>
               <a:ext uri="{FF2B5EF4-FFF2-40B4-BE49-F238E27FC236}">
-                <a16:creationId xmlns:a16="http://schemas.microsoft.com/office/drawing/2014/main" id="{4351DFE5-F63D-4BE0-BDA9-E3EB88F01AA5}"/>
+                <a16:creationId xmlns:a16="http://schemas.microsoft.com/office/drawing/2014/main" xmlns="" id="{4351DFE5-F63D-4BE0-BDA9-E3EB88F01AA5}"/>
               </a:ext>
               <a:ext uri="{C183D7F6-B498-43B3-948B-1728B52AA6E4}">
-                <adec:decorative xmlns:adec="http://schemas.microsoft.com/office/drawing/2017/decorative" val="1"/>
+                <adec:decorative xmlns:adec="http://schemas.microsoft.com/office/drawing/2017/decorative" xmlns="" val="1"/>
               </a:ext>
             </a:extLst>
           </p:cNvPr>
@@ -19765,7 +20087,7 @@
           <p:nvPr>
             <p:extLst>
               <p:ext uri="{386F3935-93C4-4BCD-93E2-E3B085C9AB24}">
-                <p16:designElem xmlns:p16="http://schemas.microsoft.com/office/powerpoint/2015/main" val="1"/>
+                <p16:designElem xmlns:p16="http://schemas.microsoft.com/office/powerpoint/2015/main" xmlns="" val="1"/>
               </p:ext>
             </p:extLst>
           </p:nvPr>
@@ -19833,10 +20155,10 @@
           <p:cNvPr id="12" name="Picture 11">
             <a:extLst>
               <a:ext uri="{FF2B5EF4-FFF2-40B4-BE49-F238E27FC236}">
-                <a16:creationId xmlns:a16="http://schemas.microsoft.com/office/drawing/2014/main" id="{02DD2BC0-6F29-4B4F-8D61-2DCF6D2E8E73}"/>
+                <a16:creationId xmlns:a16="http://schemas.microsoft.com/office/drawing/2014/main" xmlns="" id="{02DD2BC0-6F29-4B4F-8D61-2DCF6D2E8E73}"/>
               </a:ext>
               <a:ext uri="{C183D7F6-B498-43B3-948B-1728B52AA6E4}">
-                <adec:decorative xmlns:adec="http://schemas.microsoft.com/office/drawing/2017/decorative" val="1"/>
+                <adec:decorative xmlns:adec="http://schemas.microsoft.com/office/drawing/2017/decorative" xmlns="" val="1"/>
               </a:ext>
             </a:extLst>
           </p:cNvPr>
@@ -19846,7 +20168,7 @@
           <p:nvPr>
             <p:extLst>
               <p:ext uri="{386F3935-93C4-4BCD-93E2-E3B085C9AB24}">
-                <p16:designElem xmlns:p16="http://schemas.microsoft.com/office/powerpoint/2015/main" val="1"/>
+                <p16:designElem xmlns:p16="http://schemas.microsoft.com/office/powerpoint/2015/main" xmlns="" val="1"/>
               </p:ext>
             </p:extLst>
           </p:nvPr>
@@ -19912,7 +20234,7 @@
           <p:cNvPr id="5" name="Zástupný symbol pro obsah 2">
             <a:extLst>
               <a:ext uri="{FF2B5EF4-FFF2-40B4-BE49-F238E27FC236}">
-                <a16:creationId xmlns:a16="http://schemas.microsoft.com/office/drawing/2014/main" id="{FC17DBF9-6BE8-4304-898E-A5780F310551}"/>
+                <a16:creationId xmlns:a16="http://schemas.microsoft.com/office/drawing/2014/main" xmlns="" id="{FC17DBF9-6BE8-4304-898E-A5780F310551}"/>
               </a:ext>
             </a:extLst>
           </p:cNvPr>
@@ -19976,10 +20298,10 @@
           <p:cNvPr id="10" name="Rectangle 9">
             <a:extLst>
               <a:ext uri="{FF2B5EF4-FFF2-40B4-BE49-F238E27FC236}">
-                <a16:creationId xmlns:a16="http://schemas.microsoft.com/office/drawing/2014/main" id="{4351DFE5-F63D-4BE0-BDA9-E3EB88F01AA5}"/>
+                <a16:creationId xmlns:a16="http://schemas.microsoft.com/office/drawing/2014/main" xmlns="" id="{4351DFE5-F63D-4BE0-BDA9-E3EB88F01AA5}"/>
               </a:ext>
               <a:ext uri="{C183D7F6-B498-43B3-948B-1728B52AA6E4}">
-                <adec:decorative xmlns:adec="http://schemas.microsoft.com/office/drawing/2017/decorative" val="1"/>
+                <adec:decorative xmlns:adec="http://schemas.microsoft.com/office/drawing/2017/decorative" xmlns="" val="1"/>
               </a:ext>
             </a:extLst>
           </p:cNvPr>
@@ -19989,7 +20311,7 @@
           <p:nvPr>
             <p:extLst>
               <p:ext uri="{386F3935-93C4-4BCD-93E2-E3B085C9AB24}">
-                <p16:designElem xmlns:p16="http://schemas.microsoft.com/office/powerpoint/2015/main" val="1"/>
+                <p16:designElem xmlns:p16="http://schemas.microsoft.com/office/powerpoint/2015/main" xmlns="" val="1"/>
               </p:ext>
             </p:extLst>
           </p:nvPr>
@@ -20057,10 +20379,10 @@
           <p:cNvPr id="12" name="Picture 11">
             <a:extLst>
               <a:ext uri="{FF2B5EF4-FFF2-40B4-BE49-F238E27FC236}">
-                <a16:creationId xmlns:a16="http://schemas.microsoft.com/office/drawing/2014/main" id="{02DD2BC0-6F29-4B4F-8D61-2DCF6D2E8E73}"/>
+                <a16:creationId xmlns:a16="http://schemas.microsoft.com/office/drawing/2014/main" xmlns="" id="{02DD2BC0-6F29-4B4F-8D61-2DCF6D2E8E73}"/>
               </a:ext>
               <a:ext uri="{C183D7F6-B498-43B3-948B-1728B52AA6E4}">
-                <adec:decorative xmlns:adec="http://schemas.microsoft.com/office/drawing/2017/decorative" val="1"/>
+                <adec:decorative xmlns:adec="http://schemas.microsoft.com/office/drawing/2017/decorative" xmlns="" val="1"/>
               </a:ext>
             </a:extLst>
           </p:cNvPr>
@@ -20070,7 +20392,7 @@
           <p:nvPr>
             <p:extLst>
               <p:ext uri="{386F3935-93C4-4BCD-93E2-E3B085C9AB24}">
-                <p16:designElem xmlns:p16="http://schemas.microsoft.com/office/powerpoint/2015/main" val="1"/>
+                <p16:designElem xmlns:p16="http://schemas.microsoft.com/office/powerpoint/2015/main" xmlns="" val="1"/>
               </p:ext>
             </p:extLst>
           </p:nvPr>
@@ -20136,7 +20458,7 @@
           <p:cNvPr id="5" name="Zástupný symbol pro obsah 2">
             <a:extLst>
               <a:ext uri="{FF2B5EF4-FFF2-40B4-BE49-F238E27FC236}">
-                <a16:creationId xmlns:a16="http://schemas.microsoft.com/office/drawing/2014/main" id="{F0982679-A24D-4A97-A72B-076B4161E83E}"/>
+                <a16:creationId xmlns:a16="http://schemas.microsoft.com/office/drawing/2014/main" xmlns="" id="{F0982679-A24D-4A97-A72B-076B4161E83E}"/>
               </a:ext>
             </a:extLst>
           </p:cNvPr>
@@ -20200,10 +20522,10 @@
           <p:cNvPr id="71" name="Rectangle 70">
             <a:extLst>
               <a:ext uri="{FF2B5EF4-FFF2-40B4-BE49-F238E27FC236}">
-                <a16:creationId xmlns:a16="http://schemas.microsoft.com/office/drawing/2014/main" id="{AB45A142-4255-493C-8284-5D566C121B10}"/>
+                <a16:creationId xmlns:a16="http://schemas.microsoft.com/office/drawing/2014/main" xmlns="" id="{AB45A142-4255-493C-8284-5D566C121B10}"/>
               </a:ext>
               <a:ext uri="{C183D7F6-B498-43B3-948B-1728B52AA6E4}">
-                <adec:decorative xmlns:adec="http://schemas.microsoft.com/office/drawing/2017/decorative" val="1"/>
+                <adec:decorative xmlns:adec="http://schemas.microsoft.com/office/drawing/2017/decorative" xmlns="" val="1"/>
               </a:ext>
             </a:extLst>
           </p:cNvPr>
@@ -20213,7 +20535,7 @@
           <p:nvPr>
             <p:extLst>
               <p:ext uri="{386F3935-93C4-4BCD-93E2-E3B085C9AB24}">
-                <p16:designElem xmlns:p16="http://schemas.microsoft.com/office/powerpoint/2015/main" val="1"/>
+                <p16:designElem xmlns:p16="http://schemas.microsoft.com/office/powerpoint/2015/main" xmlns="" val="1"/>
               </p:ext>
             </p:extLst>
           </p:nvPr>
@@ -20306,10 +20628,10 @@
           <p:cNvPr id="73" name="Straight Connector 72">
             <a:extLst>
               <a:ext uri="{FF2B5EF4-FFF2-40B4-BE49-F238E27FC236}">
-                <a16:creationId xmlns:a16="http://schemas.microsoft.com/office/drawing/2014/main" id="{38FB9660-F42F-4313-BBC4-47C007FE484C}"/>
+                <a16:creationId xmlns:a16="http://schemas.microsoft.com/office/drawing/2014/main" xmlns="" id="{38FB9660-F42F-4313-BBC4-47C007FE484C}"/>
               </a:ext>
               <a:ext uri="{C183D7F6-B498-43B3-948B-1728B52AA6E4}">
-                <adec:decorative xmlns:adec="http://schemas.microsoft.com/office/drawing/2017/decorative" val="1"/>
+                <adec:decorative xmlns:adec="http://schemas.microsoft.com/office/drawing/2017/decorative" xmlns="" val="1"/>
               </a:ext>
             </a:extLst>
           </p:cNvPr>
@@ -20319,7 +20641,7 @@
           <p:nvPr>
             <p:extLst>
               <p:ext uri="{386F3935-93C4-4BCD-93E2-E3B085C9AB24}">
-                <p16:designElem xmlns:p16="http://schemas.microsoft.com/office/powerpoint/2015/main" val="1"/>
+                <p16:designElem xmlns:p16="http://schemas.microsoft.com/office/powerpoint/2015/main" xmlns="" val="1"/>
               </p:ext>
             </p:extLst>
           </p:nvPr>

--- a/Chasníci-prezentace.pptx
+++ b/Chasníci-prezentace.pptx
@@ -14,7 +14,7 @@
     <p:sldId id="263" r:id="rId8"/>
     <p:sldId id="261" r:id="rId9"/>
     <p:sldId id="269" r:id="rId10"/>
-    <p:sldId id="270" r:id="rId11"/>
+    <p:sldId id="271" r:id="rId11"/>
     <p:sldId id="265" r:id="rId12"/>
     <p:sldId id="266" r:id="rId13"/>
     <p:sldId id="267" r:id="rId14"/>
@@ -4546,13 +4546,6 @@
         </dgm:presLayoutVars>
       </dgm:prSet>
       <dgm:spPr/>
-      <dgm:t>
-        <a:bodyPr/>
-        <a:lstStyle/>
-        <a:p>
-          <a:endParaRPr lang="cs-CZ"/>
-        </a:p>
-      </dgm:t>
     </dgm:pt>
     <dgm:pt modelId="{E6F29DA8-C2F7-43BC-8321-9485C3B35E3B}" type="pres">
       <dgm:prSet presAssocID="{5B27384D-8525-44E2-BF90-5C482C2BB128}" presName="compNode" presStyleCnt="0"/>
@@ -4568,7 +4561,7 @@
                 <a14:useLocalDpi xmlns:a14="http://schemas.microsoft.com/office/drawing/2010/main" val="0"/>
               </a:ext>
               <a:ext uri="{96DAC541-7B7A-43D3-8B79-37D633B846F1}">
-                <asvg:svgBlip xmlns:asvg="http://schemas.microsoft.com/office/drawing/2016/SVG/main" xmlns="" r:embed="rId2"/>
+                <asvg:svgBlip xmlns:asvg="http://schemas.microsoft.com/office/drawing/2016/SVG/main" r:embed="rId2"/>
               </a:ext>
             </a:extLst>
           </a:blip>
@@ -4580,13 +4573,6 @@
           <a:noFill/>
         </a:ln>
       </dgm:spPr>
-      <dgm:t>
-        <a:bodyPr/>
-        <a:lstStyle/>
-        <a:p>
-          <a:endParaRPr lang="cs-CZ"/>
-        </a:p>
-      </dgm:t>
       <dgm:extLst>
         <a:ext uri="{E40237B7-FDA0-4F09-8148-C483321AD2D9}">
           <dgm14:cNvPr xmlns:dgm14="http://schemas.microsoft.com/office/drawing/2010/diagram" id="0" name="" descr="Right Pointing Backhand Index"/>
@@ -4605,13 +4591,6 @@
         </dgm:presLayoutVars>
       </dgm:prSet>
       <dgm:spPr/>
-      <dgm:t>
-        <a:bodyPr/>
-        <a:lstStyle/>
-        <a:p>
-          <a:endParaRPr lang="cs-CZ"/>
-        </a:p>
-      </dgm:t>
     </dgm:pt>
     <dgm:pt modelId="{9456EBFE-5038-40FA-BF1A-2713548AC1EF}" type="pres">
       <dgm:prSet presAssocID="{F4C516FD-DE8B-4772-9544-175E956F00E5}" presName="sibTrans" presStyleCnt="0"/>
@@ -4631,7 +4610,7 @@
                 <a14:useLocalDpi xmlns:a14="http://schemas.microsoft.com/office/drawing/2010/main" val="0"/>
               </a:ext>
               <a:ext uri="{96DAC541-7B7A-43D3-8B79-37D633B846F1}">
-                <asvg:svgBlip xmlns:asvg="http://schemas.microsoft.com/office/drawing/2016/SVG/main" xmlns="" r:embed="rId4"/>
+                <asvg:svgBlip xmlns:asvg="http://schemas.microsoft.com/office/drawing/2016/SVG/main" r:embed="rId4"/>
               </a:ext>
             </a:extLst>
           </a:blip>
@@ -4643,13 +4622,6 @@
           <a:noFill/>
         </a:ln>
       </dgm:spPr>
-      <dgm:t>
-        <a:bodyPr/>
-        <a:lstStyle/>
-        <a:p>
-          <a:endParaRPr lang="cs-CZ"/>
-        </a:p>
-      </dgm:t>
       <dgm:extLst>
         <a:ext uri="{E40237B7-FDA0-4F09-8148-C483321AD2D9}">
           <dgm14:cNvPr xmlns:dgm14="http://schemas.microsoft.com/office/drawing/2010/diagram" id="0" name="" descr="Lecturer"/>
@@ -4668,13 +4640,6 @@
         </dgm:presLayoutVars>
       </dgm:prSet>
       <dgm:spPr/>
-      <dgm:t>
-        <a:bodyPr/>
-        <a:lstStyle/>
-        <a:p>
-          <a:endParaRPr lang="cs-CZ"/>
-        </a:p>
-      </dgm:t>
     </dgm:pt>
     <dgm:pt modelId="{A56AF48A-57C2-4319-91D2-0913D9E2BE72}" type="pres">
       <dgm:prSet presAssocID="{049808E4-B5A4-4D24-B639-EF9A4534DD8E}" presName="sibTrans" presStyleCnt="0"/>
@@ -4694,7 +4659,7 @@
                 <a14:useLocalDpi xmlns:a14="http://schemas.microsoft.com/office/drawing/2010/main" val="0"/>
               </a:ext>
               <a:ext uri="{96DAC541-7B7A-43D3-8B79-37D633B846F1}">
-                <asvg:svgBlip xmlns:asvg="http://schemas.microsoft.com/office/drawing/2016/SVG/main" xmlns="" r:embed="rId6"/>
+                <asvg:svgBlip xmlns:asvg="http://schemas.microsoft.com/office/drawing/2016/SVG/main" r:embed="rId6"/>
               </a:ext>
             </a:extLst>
           </a:blip>
@@ -4706,13 +4671,6 @@
           <a:noFill/>
         </a:ln>
       </dgm:spPr>
-      <dgm:t>
-        <a:bodyPr/>
-        <a:lstStyle/>
-        <a:p>
-          <a:endParaRPr lang="cs-CZ"/>
-        </a:p>
-      </dgm:t>
       <dgm:extLst>
         <a:ext uri="{E40237B7-FDA0-4F09-8148-C483321AD2D9}">
           <dgm14:cNvPr xmlns:dgm14="http://schemas.microsoft.com/office/drawing/2010/diagram" id="0" name="" descr="Wind Chime"/>
@@ -4731,23 +4689,16 @@
         </dgm:presLayoutVars>
       </dgm:prSet>
       <dgm:spPr/>
-      <dgm:t>
-        <a:bodyPr/>
-        <a:lstStyle/>
-        <a:p>
-          <a:endParaRPr lang="cs-CZ"/>
-        </a:p>
-      </dgm:t>
     </dgm:pt>
   </dgm:ptLst>
   <dgm:cxnLst>
-    <dgm:cxn modelId="{49E12CC6-D2E1-4D65-BDFF-0EE59F90481A}" type="presOf" srcId="{5D0F3E39-D9FD-4941-A9F1-F31A8CC7F4A5}" destId="{728465C2-1F0D-4436-BBBA-C857A572DFF0}" srcOrd="0" destOrd="0" presId="urn:microsoft.com/office/officeart/2018/2/layout/IconLabelList"/>
     <dgm:cxn modelId="{60B79122-5E89-40AE-B99E-044F75EE67DD}" srcId="{5D0F3E39-D9FD-4941-A9F1-F31A8CC7F4A5}" destId="{14432800-93C8-42AD-A78D-8D3639AFDE75}" srcOrd="2" destOrd="0" parTransId="{CA3B3748-A9A4-4956-9DB8-881FFB1B6AA4}" sibTransId="{1FB443F2-AF0E-49C1-97A5-507DAEDEB6A8}"/>
     <dgm:cxn modelId="{B3DECC2C-E859-4F9A-BFA7-A0E877DF2123}" srcId="{5D0F3E39-D9FD-4941-A9F1-F31A8CC7F4A5}" destId="{361EF7FF-C934-4997-9D05-07319F52CEC9}" srcOrd="1" destOrd="0" parTransId="{5D1DFC43-9101-46CD-A1D0-1D63D6293E21}" sibTransId="{049808E4-B5A4-4D24-B639-EF9A4534DD8E}"/>
+    <dgm:cxn modelId="{549FF564-EF46-4065-B926-3B8672C02D5E}" type="presOf" srcId="{14432800-93C8-42AD-A78D-8D3639AFDE75}" destId="{AF83D054-4839-420E-9B64-A5E17C1CF734}" srcOrd="0" destOrd="0" presId="urn:microsoft.com/office/officeart/2018/2/layout/IconLabelList"/>
+    <dgm:cxn modelId="{F068B66A-7AEA-4669-B4F0-AF2174053C76}" type="presOf" srcId="{361EF7FF-C934-4997-9D05-07319F52CEC9}" destId="{ED511E51-EDD1-4801-A7ED-FCF224D8825A}" srcOrd="0" destOrd="0" presId="urn:microsoft.com/office/officeart/2018/2/layout/IconLabelList"/>
     <dgm:cxn modelId="{A545E26C-17F9-4A40-BC44-87DF2CE289BA}" srcId="{5D0F3E39-D9FD-4941-A9F1-F31A8CC7F4A5}" destId="{5B27384D-8525-44E2-BF90-5C482C2BB128}" srcOrd="0" destOrd="0" parTransId="{B1CFC423-5C13-41A1-B4EB-CDDBBADC93A3}" sibTransId="{F4C516FD-DE8B-4772-9544-175E956F00E5}"/>
     <dgm:cxn modelId="{B2021F76-0F2A-4FCC-9F04-291227F65745}" type="presOf" srcId="{5B27384D-8525-44E2-BF90-5C482C2BB128}" destId="{E89426CE-44D8-4725-816F-A343889DC861}" srcOrd="0" destOrd="0" presId="urn:microsoft.com/office/officeart/2018/2/layout/IconLabelList"/>
-    <dgm:cxn modelId="{549FF564-EF46-4065-B926-3B8672C02D5E}" type="presOf" srcId="{14432800-93C8-42AD-A78D-8D3639AFDE75}" destId="{AF83D054-4839-420E-9B64-A5E17C1CF734}" srcOrd="0" destOrd="0" presId="urn:microsoft.com/office/officeart/2018/2/layout/IconLabelList"/>
-    <dgm:cxn modelId="{F068B66A-7AEA-4669-B4F0-AF2174053C76}" type="presOf" srcId="{361EF7FF-C934-4997-9D05-07319F52CEC9}" destId="{ED511E51-EDD1-4801-A7ED-FCF224D8825A}" srcOrd="0" destOrd="0" presId="urn:microsoft.com/office/officeart/2018/2/layout/IconLabelList"/>
+    <dgm:cxn modelId="{49E12CC6-D2E1-4D65-BDFF-0EE59F90481A}" type="presOf" srcId="{5D0F3E39-D9FD-4941-A9F1-F31A8CC7F4A5}" destId="{728465C2-1F0D-4436-BBBA-C857A572DFF0}" srcOrd="0" destOrd="0" presId="urn:microsoft.com/office/officeart/2018/2/layout/IconLabelList"/>
     <dgm:cxn modelId="{366A492C-050D-4F92-BDED-0FC91F2D2FF2}" type="presParOf" srcId="{728465C2-1F0D-4436-BBBA-C857A572DFF0}" destId="{E6F29DA8-C2F7-43BC-8321-9485C3B35E3B}" srcOrd="0" destOrd="0" presId="urn:microsoft.com/office/officeart/2018/2/layout/IconLabelList"/>
     <dgm:cxn modelId="{C21E259B-311A-44BF-909E-2156492998CE}" type="presParOf" srcId="{E6F29DA8-C2F7-43BC-8321-9485C3B35E3B}" destId="{35204205-39EE-4802-B9EE-665A04F4DDC9}" srcOrd="0" destOrd="0" presId="urn:microsoft.com/office/officeart/2018/2/layout/IconLabelList"/>
     <dgm:cxn modelId="{A1B08795-1447-4BED-8A17-0BA15032FE7E}" type="presParOf" srcId="{E6F29DA8-C2F7-43BC-8321-9485C3B35E3B}" destId="{B72A160E-0435-4861-B069-D2990542E250}" srcOrd="1" destOrd="0" presId="urn:microsoft.com/office/officeart/2018/2/layout/IconLabelList"/>
@@ -4906,13 +4857,6 @@
         </dgm:presLayoutVars>
       </dgm:prSet>
       <dgm:spPr/>
-      <dgm:t>
-        <a:bodyPr/>
-        <a:lstStyle/>
-        <a:p>
-          <a:endParaRPr lang="cs-CZ"/>
-        </a:p>
-      </dgm:t>
     </dgm:pt>
     <dgm:pt modelId="{0D855548-AA8B-4333-8DEF-F3AC2C206941}" type="pres">
       <dgm:prSet presAssocID="{80EC33CE-3BDD-4CF6-AA2C-3E95A68275C3}" presName="compNode" presStyleCnt="0"/>
@@ -4928,7 +4872,7 @@
                 <a14:useLocalDpi xmlns:a14="http://schemas.microsoft.com/office/drawing/2010/main" val="0"/>
               </a:ext>
               <a:ext uri="{96DAC541-7B7A-43D3-8B79-37D633B846F1}">
-                <asvg:svgBlip xmlns:asvg="http://schemas.microsoft.com/office/drawing/2016/SVG/main" xmlns="" r:embed="rId2"/>
+                <asvg:svgBlip xmlns:asvg="http://schemas.microsoft.com/office/drawing/2016/SVG/main" r:embed="rId2"/>
               </a:ext>
             </a:extLst>
           </a:blip>
@@ -4940,13 +4884,6 @@
           <a:noFill/>
         </a:ln>
       </dgm:spPr>
-      <dgm:t>
-        <a:bodyPr/>
-        <a:lstStyle/>
-        <a:p>
-          <a:endParaRPr lang="cs-CZ"/>
-        </a:p>
-      </dgm:t>
       <dgm:extLst>
         <a:ext uri="{E40237B7-FDA0-4F09-8148-C483321AD2D9}">
           <dgm14:cNvPr xmlns:dgm14="http://schemas.microsoft.com/office/drawing/2010/diagram" id="0" name="" descr="Ribbon"/>
@@ -4965,13 +4902,6 @@
         </dgm:presLayoutVars>
       </dgm:prSet>
       <dgm:spPr/>
-      <dgm:t>
-        <a:bodyPr/>
-        <a:lstStyle/>
-        <a:p>
-          <a:endParaRPr lang="cs-CZ"/>
-        </a:p>
-      </dgm:t>
     </dgm:pt>
     <dgm:pt modelId="{1FFCC7F1-5ADA-4AC5-AF8F-9567E4C959FA}" type="pres">
       <dgm:prSet presAssocID="{83C56AA8-B255-4D3E-ACDC-7DEED7AA89C1}" presName="sibTrans" presStyleCnt="0"/>
@@ -4991,7 +4921,7 @@
                 <a14:useLocalDpi xmlns:a14="http://schemas.microsoft.com/office/drawing/2010/main" val="0"/>
               </a:ext>
               <a:ext uri="{96DAC541-7B7A-43D3-8B79-37D633B846F1}">
-                <asvg:svgBlip xmlns:asvg="http://schemas.microsoft.com/office/drawing/2016/SVG/main" xmlns="" r:embed="rId4"/>
+                <asvg:svgBlip xmlns:asvg="http://schemas.microsoft.com/office/drawing/2016/SVG/main" r:embed="rId4"/>
               </a:ext>
             </a:extLst>
           </a:blip>
@@ -5003,13 +4933,6 @@
           <a:noFill/>
         </a:ln>
       </dgm:spPr>
-      <dgm:t>
-        <a:bodyPr/>
-        <a:lstStyle/>
-        <a:p>
-          <a:endParaRPr lang="cs-CZ"/>
-        </a:p>
-      </dgm:t>
       <dgm:extLst>
         <a:ext uri="{E40237B7-FDA0-4F09-8148-C483321AD2D9}">
           <dgm14:cNvPr xmlns:dgm14="http://schemas.microsoft.com/office/drawing/2010/diagram" id="0" name="" descr="Chat"/>
@@ -5028,13 +4951,6 @@
         </dgm:presLayoutVars>
       </dgm:prSet>
       <dgm:spPr/>
-      <dgm:t>
-        <a:bodyPr/>
-        <a:lstStyle/>
-        <a:p>
-          <a:endParaRPr lang="cs-CZ"/>
-        </a:p>
-      </dgm:t>
     </dgm:pt>
     <dgm:pt modelId="{29BA571D-2997-47D0-933D-7772CD54AD96}" type="pres">
       <dgm:prSet presAssocID="{96370E27-4692-4E45-BA37-8864906C8C5E}" presName="sibTrans" presStyleCnt="0"/>
@@ -5054,7 +4970,7 @@
                 <a14:useLocalDpi xmlns:a14="http://schemas.microsoft.com/office/drawing/2010/main" val="0"/>
               </a:ext>
               <a:ext uri="{96DAC541-7B7A-43D3-8B79-37D633B846F1}">
-                <asvg:svgBlip xmlns:asvg="http://schemas.microsoft.com/office/drawing/2016/SVG/main" xmlns="" r:embed="rId6"/>
+                <asvg:svgBlip xmlns:asvg="http://schemas.microsoft.com/office/drawing/2016/SVG/main" r:embed="rId6"/>
               </a:ext>
             </a:extLst>
           </a:blip>
@@ -5066,13 +4982,6 @@
           <a:noFill/>
         </a:ln>
       </dgm:spPr>
-      <dgm:t>
-        <a:bodyPr/>
-        <a:lstStyle/>
-        <a:p>
-          <a:endParaRPr lang="cs-CZ"/>
-        </a:p>
-      </dgm:t>
       <dgm:extLst>
         <a:ext uri="{E40237B7-FDA0-4F09-8148-C483321AD2D9}">
           <dgm14:cNvPr xmlns:dgm14="http://schemas.microsoft.com/office/drawing/2010/diagram" id="0" name="" descr="Employee Badge"/>
@@ -5091,23 +5000,16 @@
         </dgm:presLayoutVars>
       </dgm:prSet>
       <dgm:spPr/>
-      <dgm:t>
-        <a:bodyPr/>
-        <a:lstStyle/>
-        <a:p>
-          <a:endParaRPr lang="cs-CZ"/>
-        </a:p>
-      </dgm:t>
     </dgm:pt>
   </dgm:ptLst>
   <dgm:cxnLst>
+    <dgm:cxn modelId="{2F1D335B-925F-4A5F-87F6-FD0BA512667A}" type="presOf" srcId="{80EC33CE-3BDD-4CF6-AA2C-3E95A68275C3}" destId="{B0E1FC6D-0E01-4763-B014-45BF92DBF270}" srcOrd="0" destOrd="0" presId="urn:microsoft.com/office/officeart/2018/2/layout/IconLabelList"/>
+    <dgm:cxn modelId="{43165E72-07C2-4D4E-A010-A38E7A64E5B4}" srcId="{FFDE44DC-C35E-418B-8632-78B93871F7C7}" destId="{1DBCE987-0A66-4847-A771-041B3435889E}" srcOrd="2" destOrd="0" parTransId="{135BBFE8-3116-4A06-9AF5-9AD0BEE8D0C2}" sibTransId="{A7B5D3A1-D7A8-41A4-8960-E72CC4B32EA9}"/>
+    <dgm:cxn modelId="{38F89983-18FD-4AB7-9320-232CD94DD902}" srcId="{FFDE44DC-C35E-418B-8632-78B93871F7C7}" destId="{57B6FCD0-AACE-4290-B626-D6808A837039}" srcOrd="1" destOrd="0" parTransId="{CE7A6DF0-AF3C-49D0-9A53-7FCBA68F78AE}" sibTransId="{96370E27-4692-4E45-BA37-8864906C8C5E}"/>
+    <dgm:cxn modelId="{F0B77E90-616B-412D-926D-2C2DD32E8CCA}" type="presOf" srcId="{57B6FCD0-AACE-4290-B626-D6808A837039}" destId="{B66951C1-E86D-4282-80E0-EC19B336781F}" srcOrd="0" destOrd="0" presId="urn:microsoft.com/office/officeart/2018/2/layout/IconLabelList"/>
+    <dgm:cxn modelId="{51B596A4-922D-417E-BBB9-047003CEE0E8}" type="presOf" srcId="{FFDE44DC-C35E-418B-8632-78B93871F7C7}" destId="{2980960B-8D2C-4ABD-8A22-2F2A851D1869}" srcOrd="0" destOrd="0" presId="urn:microsoft.com/office/officeart/2018/2/layout/IconLabelList"/>
+    <dgm:cxn modelId="{D66B2BE3-5298-42BB-9FE6-86644FA0FD29}" type="presOf" srcId="{1DBCE987-0A66-4847-A771-041B3435889E}" destId="{3626D31C-5733-42A1-86FE-88D4D1587587}" srcOrd="0" destOrd="0" presId="urn:microsoft.com/office/officeart/2018/2/layout/IconLabelList"/>
     <dgm:cxn modelId="{A2C6D0F1-0D8B-4C86-B483-E80EC9DB8075}" srcId="{FFDE44DC-C35E-418B-8632-78B93871F7C7}" destId="{80EC33CE-3BDD-4CF6-AA2C-3E95A68275C3}" srcOrd="0" destOrd="0" parTransId="{A758CA9B-BD82-4722-9A6C-DC31CE2253A0}" sibTransId="{83C56AA8-B255-4D3E-ACDC-7DEED7AA89C1}"/>
-    <dgm:cxn modelId="{D66B2BE3-5298-42BB-9FE6-86644FA0FD29}" type="presOf" srcId="{1DBCE987-0A66-4847-A771-041B3435889E}" destId="{3626D31C-5733-42A1-86FE-88D4D1587587}" srcOrd="0" destOrd="0" presId="urn:microsoft.com/office/officeart/2018/2/layout/IconLabelList"/>
-    <dgm:cxn modelId="{38F89983-18FD-4AB7-9320-232CD94DD902}" srcId="{FFDE44DC-C35E-418B-8632-78B93871F7C7}" destId="{57B6FCD0-AACE-4290-B626-D6808A837039}" srcOrd="1" destOrd="0" parTransId="{CE7A6DF0-AF3C-49D0-9A53-7FCBA68F78AE}" sibTransId="{96370E27-4692-4E45-BA37-8864906C8C5E}"/>
-    <dgm:cxn modelId="{51B596A4-922D-417E-BBB9-047003CEE0E8}" type="presOf" srcId="{FFDE44DC-C35E-418B-8632-78B93871F7C7}" destId="{2980960B-8D2C-4ABD-8A22-2F2A851D1869}" srcOrd="0" destOrd="0" presId="urn:microsoft.com/office/officeart/2018/2/layout/IconLabelList"/>
-    <dgm:cxn modelId="{2F1D335B-925F-4A5F-87F6-FD0BA512667A}" type="presOf" srcId="{80EC33CE-3BDD-4CF6-AA2C-3E95A68275C3}" destId="{B0E1FC6D-0E01-4763-B014-45BF92DBF270}" srcOrd="0" destOrd="0" presId="urn:microsoft.com/office/officeart/2018/2/layout/IconLabelList"/>
-    <dgm:cxn modelId="{F0B77E90-616B-412D-926D-2C2DD32E8CCA}" type="presOf" srcId="{57B6FCD0-AACE-4290-B626-D6808A837039}" destId="{B66951C1-E86D-4282-80E0-EC19B336781F}" srcOrd="0" destOrd="0" presId="urn:microsoft.com/office/officeart/2018/2/layout/IconLabelList"/>
-    <dgm:cxn modelId="{43165E72-07C2-4D4E-A010-A38E7A64E5B4}" srcId="{FFDE44DC-C35E-418B-8632-78B93871F7C7}" destId="{1DBCE987-0A66-4847-A771-041B3435889E}" srcOrd="2" destOrd="0" parTransId="{135BBFE8-3116-4A06-9AF5-9AD0BEE8D0C2}" sibTransId="{A7B5D3A1-D7A8-41A4-8960-E72CC4B32EA9}"/>
     <dgm:cxn modelId="{3AC491EF-C37F-4757-97F3-851BEC4634AE}" type="presParOf" srcId="{2980960B-8D2C-4ABD-8A22-2F2A851D1869}" destId="{0D855548-AA8B-4333-8DEF-F3AC2C206941}" srcOrd="0" destOrd="0" presId="urn:microsoft.com/office/officeart/2018/2/layout/IconLabelList"/>
     <dgm:cxn modelId="{5FA67A10-8BA1-494A-8C2E-FE13A9025196}" type="presParOf" srcId="{0D855548-AA8B-4333-8DEF-F3AC2C206941}" destId="{4D79368F-597D-4342-A506-1BA92E7442DC}" srcOrd="0" destOrd="0" presId="urn:microsoft.com/office/officeart/2018/2/layout/IconLabelList"/>
     <dgm:cxn modelId="{2EEFC36F-6EA6-4FBA-8D14-3C24678A2854}" type="presParOf" srcId="{0D855548-AA8B-4333-8DEF-F3AC2C206941}" destId="{51446776-F191-4010-B851-0251825FC57B}" srcOrd="1" destOrd="0" presId="urn:microsoft.com/office/officeart/2018/2/layout/IconLabelList"/>
@@ -5266,13 +5168,6 @@
         </dgm:presLayoutVars>
       </dgm:prSet>
       <dgm:spPr/>
-      <dgm:t>
-        <a:bodyPr/>
-        <a:lstStyle/>
-        <a:p>
-          <a:endParaRPr lang="cs-CZ"/>
-        </a:p>
-      </dgm:t>
     </dgm:pt>
     <dgm:pt modelId="{3D9E03BF-FFE6-4C44-BB83-288AE1230D9F}" type="pres">
       <dgm:prSet presAssocID="{A5773A90-83FD-4046-940E-05FA95803149}" presName="compNode" presStyleCnt="0"/>
@@ -5288,7 +5183,7 @@
                 <a14:useLocalDpi xmlns:a14="http://schemas.microsoft.com/office/drawing/2010/main" val="0"/>
               </a:ext>
               <a:ext uri="{96DAC541-7B7A-43D3-8B79-37D633B846F1}">
-                <asvg:svgBlip xmlns:asvg="http://schemas.microsoft.com/office/drawing/2016/SVG/main" xmlns="" r:embed="rId2"/>
+                <asvg:svgBlip xmlns:asvg="http://schemas.microsoft.com/office/drawing/2016/SVG/main" r:embed="rId2"/>
               </a:ext>
             </a:extLst>
           </a:blip>
@@ -5300,13 +5195,6 @@
           <a:noFill/>
         </a:ln>
       </dgm:spPr>
-      <dgm:t>
-        <a:bodyPr/>
-        <a:lstStyle/>
-        <a:p>
-          <a:endParaRPr lang="cs-CZ"/>
-        </a:p>
-      </dgm:t>
       <dgm:extLst>
         <a:ext uri="{E40237B7-FDA0-4F09-8148-C483321AD2D9}">
           <dgm14:cNvPr xmlns:dgm14="http://schemas.microsoft.com/office/drawing/2010/diagram" id="0" name="" descr="Check List"/>
@@ -5325,13 +5213,6 @@
         </dgm:presLayoutVars>
       </dgm:prSet>
       <dgm:spPr/>
-      <dgm:t>
-        <a:bodyPr/>
-        <a:lstStyle/>
-        <a:p>
-          <a:endParaRPr lang="cs-CZ"/>
-        </a:p>
-      </dgm:t>
     </dgm:pt>
     <dgm:pt modelId="{348955EE-9409-4CA8-9FE0-EEA7C8B98833}" type="pres">
       <dgm:prSet presAssocID="{0F321FBB-9A4B-46D9-8ED5-7BEBF9AB9463}" presName="sibTrans" presStyleCnt="0"/>
@@ -5351,7 +5232,7 @@
                 <a14:useLocalDpi xmlns:a14="http://schemas.microsoft.com/office/drawing/2010/main" val="0"/>
               </a:ext>
               <a:ext uri="{96DAC541-7B7A-43D3-8B79-37D633B846F1}">
-                <asvg:svgBlip xmlns:asvg="http://schemas.microsoft.com/office/drawing/2016/SVG/main" xmlns="" r:embed="rId4"/>
+                <asvg:svgBlip xmlns:asvg="http://schemas.microsoft.com/office/drawing/2016/SVG/main" r:embed="rId4"/>
               </a:ext>
             </a:extLst>
           </a:blip>
@@ -5363,13 +5244,6 @@
           <a:noFill/>
         </a:ln>
       </dgm:spPr>
-      <dgm:t>
-        <a:bodyPr/>
-        <a:lstStyle/>
-        <a:p>
-          <a:endParaRPr lang="cs-CZ"/>
-        </a:p>
-      </dgm:t>
       <dgm:extLst>
         <a:ext uri="{E40237B7-FDA0-4F09-8148-C483321AD2D9}">
           <dgm14:cNvPr xmlns:dgm14="http://schemas.microsoft.com/office/drawing/2010/diagram" id="0" name="" descr="Checkmark"/>
@@ -5388,13 +5262,6 @@
         </dgm:presLayoutVars>
       </dgm:prSet>
       <dgm:spPr/>
-      <dgm:t>
-        <a:bodyPr/>
-        <a:lstStyle/>
-        <a:p>
-          <a:endParaRPr lang="cs-CZ"/>
-        </a:p>
-      </dgm:t>
     </dgm:pt>
     <dgm:pt modelId="{C20C7D81-6C18-4FD4-9A40-F2F309A9074A}" type="pres">
       <dgm:prSet presAssocID="{8696578D-7405-45F9-9302-81CC1E214EE8}" presName="sibTrans" presStyleCnt="0"/>
@@ -5414,7 +5281,7 @@
                 <a14:useLocalDpi xmlns:a14="http://schemas.microsoft.com/office/drawing/2010/main" val="0"/>
               </a:ext>
               <a:ext uri="{96DAC541-7B7A-43D3-8B79-37D633B846F1}">
-                <asvg:svgBlip xmlns:asvg="http://schemas.microsoft.com/office/drawing/2016/SVG/main" xmlns="" r:embed="rId6"/>
+                <asvg:svgBlip xmlns:asvg="http://schemas.microsoft.com/office/drawing/2016/SVG/main" r:embed="rId6"/>
               </a:ext>
             </a:extLst>
           </a:blip>
@@ -5426,13 +5293,6 @@
           <a:noFill/>
         </a:ln>
       </dgm:spPr>
-      <dgm:t>
-        <a:bodyPr/>
-        <a:lstStyle/>
-        <a:p>
-          <a:endParaRPr lang="cs-CZ"/>
-        </a:p>
-      </dgm:t>
       <dgm:extLst>
         <a:ext uri="{E40237B7-FDA0-4F09-8148-C483321AD2D9}">
           <dgm14:cNvPr xmlns:dgm14="http://schemas.microsoft.com/office/drawing/2010/diagram" id="0" name="" descr="Microscope"/>
@@ -5451,23 +5311,16 @@
         </dgm:presLayoutVars>
       </dgm:prSet>
       <dgm:spPr/>
-      <dgm:t>
-        <a:bodyPr/>
-        <a:lstStyle/>
-        <a:p>
-          <a:endParaRPr lang="cs-CZ"/>
-        </a:p>
-      </dgm:t>
     </dgm:pt>
   </dgm:ptLst>
   <dgm:cxnLst>
-    <dgm:cxn modelId="{1F18DFC0-ECD1-4FA0-A296-83C1A643B212}" type="presOf" srcId="{A5773A90-83FD-4046-940E-05FA95803149}" destId="{023C02AB-3EFD-4956-9F21-F57E7D056800}" srcOrd="0" destOrd="0" presId="urn:microsoft.com/office/officeart/2018/2/layout/IconLabelList"/>
-    <dgm:cxn modelId="{E1E6F6B5-F287-4594-B55C-091FCEDC2F54}" type="presOf" srcId="{DC24F159-1419-43AC-90E5-EB86F0DA8AE5}" destId="{196BE9EE-55C8-41F7-9E76-1CE839158F85}" srcOrd="0" destOrd="0" presId="urn:microsoft.com/office/officeart/2018/2/layout/IconLabelList"/>
-    <dgm:cxn modelId="{1D9C47CC-B16F-493D-BFCE-C01DF08AC575}" srcId="{DC24F159-1419-43AC-90E5-EB86F0DA8AE5}" destId="{A5773A90-83FD-4046-940E-05FA95803149}" srcOrd="0" destOrd="0" parTransId="{FB936B9E-0F22-48FB-A990-3341AE3A14FF}" sibTransId="{0F321FBB-9A4B-46D9-8ED5-7BEBF9AB9463}"/>
     <dgm:cxn modelId="{3B959B76-E8A8-481E-89A9-85D7041BDA86}" type="presOf" srcId="{C9E4FB52-AF58-4B83-84CC-4500085C448A}" destId="{B24EA36D-7321-43C0-AE4D-808119999FA3}" srcOrd="0" destOrd="0" presId="urn:microsoft.com/office/officeart/2018/2/layout/IconLabelList"/>
-    <dgm:cxn modelId="{CC8DECAF-68D1-4C48-B829-4A283A060BA2}" srcId="{DC24F159-1419-43AC-90E5-EB86F0DA8AE5}" destId="{C9E4FB52-AF58-4B83-84CC-4500085C448A}" srcOrd="2" destOrd="0" parTransId="{8F3776EE-619F-4D23-9157-38367F02C550}" sibTransId="{174B3B3B-99B4-4849-8A95-B8E997A4FA6E}"/>
     <dgm:cxn modelId="{98D44A91-DB05-4C2D-994B-B7AE9BB5AC37}" srcId="{DC24F159-1419-43AC-90E5-EB86F0DA8AE5}" destId="{9A685A8B-910A-4677-9373-90846B0F7242}" srcOrd="1" destOrd="0" parTransId="{93079E80-B95B-499F-AA97-EE88F8A2D293}" sibTransId="{8696578D-7405-45F9-9302-81CC1E214EE8}"/>
     <dgm:cxn modelId="{5879D1AE-062D-4251-921B-26AEDC296319}" type="presOf" srcId="{9A685A8B-910A-4677-9373-90846B0F7242}" destId="{330AE4DB-EC6E-4EEB-9084-A9773223A638}" srcOrd="0" destOrd="0" presId="urn:microsoft.com/office/officeart/2018/2/layout/IconLabelList"/>
+    <dgm:cxn modelId="{CC8DECAF-68D1-4C48-B829-4A283A060BA2}" srcId="{DC24F159-1419-43AC-90E5-EB86F0DA8AE5}" destId="{C9E4FB52-AF58-4B83-84CC-4500085C448A}" srcOrd="2" destOrd="0" parTransId="{8F3776EE-619F-4D23-9157-38367F02C550}" sibTransId="{174B3B3B-99B4-4849-8A95-B8E997A4FA6E}"/>
+    <dgm:cxn modelId="{E1E6F6B5-F287-4594-B55C-091FCEDC2F54}" type="presOf" srcId="{DC24F159-1419-43AC-90E5-EB86F0DA8AE5}" destId="{196BE9EE-55C8-41F7-9E76-1CE839158F85}" srcOrd="0" destOrd="0" presId="urn:microsoft.com/office/officeart/2018/2/layout/IconLabelList"/>
+    <dgm:cxn modelId="{1F18DFC0-ECD1-4FA0-A296-83C1A643B212}" type="presOf" srcId="{A5773A90-83FD-4046-940E-05FA95803149}" destId="{023C02AB-3EFD-4956-9F21-F57E7D056800}" srcOrd="0" destOrd="0" presId="urn:microsoft.com/office/officeart/2018/2/layout/IconLabelList"/>
+    <dgm:cxn modelId="{1D9C47CC-B16F-493D-BFCE-C01DF08AC575}" srcId="{DC24F159-1419-43AC-90E5-EB86F0DA8AE5}" destId="{A5773A90-83FD-4046-940E-05FA95803149}" srcOrd="0" destOrd="0" parTransId="{FB936B9E-0F22-48FB-A990-3341AE3A14FF}" sibTransId="{0F321FBB-9A4B-46D9-8ED5-7BEBF9AB9463}"/>
     <dgm:cxn modelId="{323575F8-47D4-4142-BE0B-2CB8A48BD4CA}" type="presParOf" srcId="{196BE9EE-55C8-41F7-9E76-1CE839158F85}" destId="{3D9E03BF-FFE6-4C44-BB83-288AE1230D9F}" srcOrd="0" destOrd="0" presId="urn:microsoft.com/office/officeart/2018/2/layout/IconLabelList"/>
     <dgm:cxn modelId="{CE84D410-CCCE-418C-8F33-BEF8886A9AAE}" type="presParOf" srcId="{3D9E03BF-FFE6-4C44-BB83-288AE1230D9F}" destId="{2CA1FDAB-3FA1-46FD-92FD-5987CABC6F72}" srcOrd="0" destOrd="0" presId="urn:microsoft.com/office/officeart/2018/2/layout/IconLabelList"/>
     <dgm:cxn modelId="{F93FF96A-D977-4343-B335-149585637AB4}" type="presParOf" srcId="{3D9E03BF-FFE6-4C44-BB83-288AE1230D9F}" destId="{F93FE1A5-02EF-4D44-949F-A03925915623}" srcOrd="1" destOrd="0" presId="urn:microsoft.com/office/officeart/2018/2/layout/IconLabelList"/>
@@ -5626,13 +5479,6 @@
         </dgm:presLayoutVars>
       </dgm:prSet>
       <dgm:spPr/>
-      <dgm:t>
-        <a:bodyPr/>
-        <a:lstStyle/>
-        <a:p>
-          <a:endParaRPr lang="cs-CZ"/>
-        </a:p>
-      </dgm:t>
     </dgm:pt>
     <dgm:pt modelId="{D48934B3-8C93-4290-9BB1-741B6CE12DF8}" type="pres">
       <dgm:prSet presAssocID="{73445194-912D-4EBC-BDC7-0CEB05720780}" presName="compNode" presStyleCnt="0"/>
@@ -5652,7 +5498,7 @@
                 <a14:useLocalDpi xmlns:a14="http://schemas.microsoft.com/office/drawing/2010/main" val="0"/>
               </a:ext>
               <a:ext uri="{96DAC541-7B7A-43D3-8B79-37D633B846F1}">
-                <asvg:svgBlip xmlns:asvg="http://schemas.microsoft.com/office/drawing/2016/SVG/main" xmlns="" r:embed="rId2"/>
+                <asvg:svgBlip xmlns:asvg="http://schemas.microsoft.com/office/drawing/2016/SVG/main" r:embed="rId2"/>
               </a:ext>
             </a:extLst>
           </a:blip>
@@ -5664,13 +5510,6 @@
           <a:noFill/>
         </a:ln>
       </dgm:spPr>
-      <dgm:t>
-        <a:bodyPr/>
-        <a:lstStyle/>
-        <a:p>
-          <a:endParaRPr lang="cs-CZ"/>
-        </a:p>
-      </dgm:t>
       <dgm:extLst>
         <a:ext uri="{E40237B7-FDA0-4F09-8148-C483321AD2D9}">
           <dgm14:cNvPr xmlns:dgm14="http://schemas.microsoft.com/office/drawing/2010/diagram" id="0" name="" descr="Lightbulb"/>
@@ -5689,13 +5528,6 @@
         </dgm:presLayoutVars>
       </dgm:prSet>
       <dgm:spPr/>
-      <dgm:t>
-        <a:bodyPr/>
-        <a:lstStyle/>
-        <a:p>
-          <a:endParaRPr lang="cs-CZ"/>
-        </a:p>
-      </dgm:t>
     </dgm:pt>
     <dgm:pt modelId="{A6749D88-5DFD-4F5D-9516-3B0BAB7B612F}" type="pres">
       <dgm:prSet presAssocID="{783F63EE-276A-41D3-AFA7-576B6DB637DC}" presName="sibTrans" presStyleCnt="0"/>
@@ -5719,7 +5551,7 @@
                 <a14:useLocalDpi xmlns:a14="http://schemas.microsoft.com/office/drawing/2010/main" val="0"/>
               </a:ext>
               <a:ext uri="{96DAC541-7B7A-43D3-8B79-37D633B846F1}">
-                <asvg:svgBlip xmlns:asvg="http://schemas.microsoft.com/office/drawing/2016/SVG/main" xmlns="" r:embed="rId4"/>
+                <asvg:svgBlip xmlns:asvg="http://schemas.microsoft.com/office/drawing/2016/SVG/main" r:embed="rId4"/>
               </a:ext>
             </a:extLst>
           </a:blip>
@@ -5731,13 +5563,6 @@
           <a:noFill/>
         </a:ln>
       </dgm:spPr>
-      <dgm:t>
-        <a:bodyPr/>
-        <a:lstStyle/>
-        <a:p>
-          <a:endParaRPr lang="cs-CZ"/>
-        </a:p>
-      </dgm:t>
       <dgm:extLst>
         <a:ext uri="{E40237B7-FDA0-4F09-8148-C483321AD2D9}">
           <dgm14:cNvPr xmlns:dgm14="http://schemas.microsoft.com/office/drawing/2010/diagram" id="0" name="" descr="Glue"/>
@@ -5756,13 +5581,6 @@
         </dgm:presLayoutVars>
       </dgm:prSet>
       <dgm:spPr/>
-      <dgm:t>
-        <a:bodyPr/>
-        <a:lstStyle/>
-        <a:p>
-          <a:endParaRPr lang="cs-CZ"/>
-        </a:p>
-      </dgm:t>
     </dgm:pt>
     <dgm:pt modelId="{3CFB8D6D-7DDF-4B9C-8339-206194D4EBAC}" type="pres">
       <dgm:prSet presAssocID="{9ECFDE69-1505-45AB-BA62-F6AD5FE7733B}" presName="sibTrans" presStyleCnt="0"/>
@@ -5786,7 +5604,7 @@
                 <a14:useLocalDpi xmlns:a14="http://schemas.microsoft.com/office/drawing/2010/main" val="0"/>
               </a:ext>
               <a:ext uri="{96DAC541-7B7A-43D3-8B79-37D633B846F1}">
-                <asvg:svgBlip xmlns:asvg="http://schemas.microsoft.com/office/drawing/2016/SVG/main" xmlns="" r:embed="rId6"/>
+                <asvg:svgBlip xmlns:asvg="http://schemas.microsoft.com/office/drawing/2016/SVG/main" r:embed="rId6"/>
               </a:ext>
             </a:extLst>
           </a:blip>
@@ -5798,13 +5616,6 @@
           <a:noFill/>
         </a:ln>
       </dgm:spPr>
-      <dgm:t>
-        <a:bodyPr/>
-        <a:lstStyle/>
-        <a:p>
-          <a:endParaRPr lang="cs-CZ"/>
-        </a:p>
-      </dgm:t>
       <dgm:extLst>
         <a:ext uri="{E40237B7-FDA0-4F09-8148-C483321AD2D9}">
           <dgm14:cNvPr xmlns:dgm14="http://schemas.microsoft.com/office/drawing/2010/diagram" id="0" name="" descr="Web Design"/>
@@ -5823,23 +5634,16 @@
         </dgm:presLayoutVars>
       </dgm:prSet>
       <dgm:spPr/>
-      <dgm:t>
-        <a:bodyPr/>
-        <a:lstStyle/>
-        <a:p>
-          <a:endParaRPr lang="cs-CZ"/>
-        </a:p>
-      </dgm:t>
     </dgm:pt>
   </dgm:ptLst>
   <dgm:cxnLst>
+    <dgm:cxn modelId="{FCDA4511-1988-43DB-9C4D-3553F0F71E29}" type="presOf" srcId="{BDEB43BF-8909-4256-AD73-785ACB0CD09C}" destId="{34557D6C-488C-4651-B46E-2C5334C27D27}" srcOrd="0" destOrd="0" presId="urn:microsoft.com/office/officeart/2018/2/layout/IconVerticalSolidList"/>
+    <dgm:cxn modelId="{06DB6E11-5722-4AE2-AB3F-E71BDA7AE011}" type="presOf" srcId="{4FC6488F-2D9F-4E0C-B515-5341BFA1BF5E}" destId="{015E4DD5-6EE7-49C2-8A6F-9DCDDC627C6C}" srcOrd="0" destOrd="0" presId="urn:microsoft.com/office/officeart/2018/2/layout/IconVerticalSolidList"/>
     <dgm:cxn modelId="{A2451E34-DE6F-48F4-A7B2-89953216A8F6}" type="presOf" srcId="{73445194-912D-4EBC-BDC7-0CEB05720780}" destId="{549ED97A-1EA8-450D-8262-650E751BA68A}" srcOrd="0" destOrd="0" presId="urn:microsoft.com/office/officeart/2018/2/layout/IconVerticalSolidList"/>
+    <dgm:cxn modelId="{5063B76A-5611-4310-8366-E02102CE1A7D}" srcId="{4FC6488F-2D9F-4E0C-B515-5341BFA1BF5E}" destId="{BDEB43BF-8909-4256-AD73-785ACB0CD09C}" srcOrd="1" destOrd="0" parTransId="{7390E259-C689-4C12-813C-067A9C08F10B}" sibTransId="{9ECFDE69-1505-45AB-BA62-F6AD5FE7733B}"/>
     <dgm:cxn modelId="{73D4AF80-13E1-4486-892C-53222BB71979}" srcId="{4FC6488F-2D9F-4E0C-B515-5341BFA1BF5E}" destId="{73445194-912D-4EBC-BDC7-0CEB05720780}" srcOrd="0" destOrd="0" parTransId="{746B5981-FD7A-4927-94A6-9593377A6EDB}" sibTransId="{783F63EE-276A-41D3-AFA7-576B6DB637DC}"/>
     <dgm:cxn modelId="{49F4C185-E901-43D1-B8EE-55123C1B6C81}" type="presOf" srcId="{6500CF95-E65A-4BF9-B450-D0E40C026567}" destId="{C7CE1C04-6443-4B55-91BC-43BEF54A1C6E}" srcOrd="0" destOrd="0" presId="urn:microsoft.com/office/officeart/2018/2/layout/IconVerticalSolidList"/>
-    <dgm:cxn modelId="{5063B76A-5611-4310-8366-E02102CE1A7D}" srcId="{4FC6488F-2D9F-4E0C-B515-5341BFA1BF5E}" destId="{BDEB43BF-8909-4256-AD73-785ACB0CD09C}" srcOrd="1" destOrd="0" parTransId="{7390E259-C689-4C12-813C-067A9C08F10B}" sibTransId="{9ECFDE69-1505-45AB-BA62-F6AD5FE7733B}"/>
     <dgm:cxn modelId="{740EFFC1-2ADB-44E4-99ED-904BF03E55CE}" srcId="{4FC6488F-2D9F-4E0C-B515-5341BFA1BF5E}" destId="{6500CF95-E65A-4BF9-B450-D0E40C026567}" srcOrd="2" destOrd="0" parTransId="{C32A53B7-F0B0-4EEF-8B3E-9CE9DEE8DFB8}" sibTransId="{64446C49-8C80-4B3A-B803-EFA906791F85}"/>
-    <dgm:cxn modelId="{06DB6E11-5722-4AE2-AB3F-E71BDA7AE011}" type="presOf" srcId="{4FC6488F-2D9F-4E0C-B515-5341BFA1BF5E}" destId="{015E4DD5-6EE7-49C2-8A6F-9DCDDC627C6C}" srcOrd="0" destOrd="0" presId="urn:microsoft.com/office/officeart/2018/2/layout/IconVerticalSolidList"/>
-    <dgm:cxn modelId="{FCDA4511-1988-43DB-9C4D-3553F0F71E29}" type="presOf" srcId="{BDEB43BF-8909-4256-AD73-785ACB0CD09C}" destId="{34557D6C-488C-4651-B46E-2C5334C27D27}" srcOrd="0" destOrd="0" presId="urn:microsoft.com/office/officeart/2018/2/layout/IconVerticalSolidList"/>
     <dgm:cxn modelId="{C8DF44AC-0ED3-4C84-A325-6627945728F7}" type="presParOf" srcId="{015E4DD5-6EE7-49C2-8A6F-9DCDDC627C6C}" destId="{D48934B3-8C93-4290-9BB1-741B6CE12DF8}" srcOrd="0" destOrd="0" presId="urn:microsoft.com/office/officeart/2018/2/layout/IconVerticalSolidList"/>
     <dgm:cxn modelId="{74E4A8FF-EDDB-41F4-9D9C-A7BC20E2C97C}" type="presParOf" srcId="{D48934B3-8C93-4290-9BB1-741B6CE12DF8}" destId="{40E5AE4B-C885-4B98-86B8-71E7CDE57564}" srcOrd="0" destOrd="0" presId="urn:microsoft.com/office/officeart/2018/2/layout/IconVerticalSolidList"/>
     <dgm:cxn modelId="{F75A8643-C699-4EA0-9151-BFC6A903279E}" type="presParOf" srcId="{D48934B3-8C93-4290-9BB1-741B6CE12DF8}" destId="{948FD99D-4AFE-49F6-AD5C-48B1A7738E7F}" srcOrd="1" destOrd="0" presId="urn:microsoft.com/office/officeart/2018/2/layout/IconVerticalSolidList"/>
@@ -6112,13 +5916,6 @@
         </dgm:presLayoutVars>
       </dgm:prSet>
       <dgm:spPr/>
-      <dgm:t>
-        <a:bodyPr/>
-        <a:lstStyle/>
-        <a:p>
-          <a:endParaRPr lang="cs-CZ"/>
-        </a:p>
-      </dgm:t>
     </dgm:pt>
     <dgm:pt modelId="{34778857-2800-4B7C-A7D0-041D91E69FD8}" type="pres">
       <dgm:prSet presAssocID="{56AFCAA2-A674-4621-9D45-B8EDB4DD9A25}" presName="container" presStyleCnt="0">
@@ -6147,7 +5944,7 @@
                 <a14:useLocalDpi xmlns:a14="http://schemas.microsoft.com/office/drawing/2010/main" val="0"/>
               </a:ext>
               <a:ext uri="{96DAC541-7B7A-43D3-8B79-37D633B846F1}">
-                <asvg:svgBlip xmlns:asvg="http://schemas.microsoft.com/office/drawing/2016/SVG/main" xmlns="" r:embed="rId2"/>
+                <asvg:svgBlip xmlns:asvg="http://schemas.microsoft.com/office/drawing/2016/SVG/main" r:embed="rId2"/>
               </a:ext>
             </a:extLst>
           </a:blip>
@@ -6159,13 +5956,6 @@
           <a:noFill/>
         </a:ln>
       </dgm:spPr>
-      <dgm:t>
-        <a:bodyPr/>
-        <a:lstStyle/>
-        <a:p>
-          <a:endParaRPr lang="cs-CZ"/>
-        </a:p>
-      </dgm:t>
       <dgm:extLst>
         <a:ext uri="{E40237B7-FDA0-4F09-8148-C483321AD2D9}">
           <dgm14:cNvPr xmlns:dgm14="http://schemas.microsoft.com/office/drawing/2010/diagram" id="0" name="" descr="Wind Chime"/>
@@ -6184,24 +5974,10 @@
         </dgm:presLayoutVars>
       </dgm:prSet>
       <dgm:spPr/>
-      <dgm:t>
-        <a:bodyPr/>
-        <a:lstStyle/>
-        <a:p>
-          <a:endParaRPr lang="cs-CZ"/>
-        </a:p>
-      </dgm:t>
     </dgm:pt>
     <dgm:pt modelId="{75E0CA5A-649C-404E-B185-A344910A6985}" type="pres">
       <dgm:prSet presAssocID="{E80EB61F-6D66-4669-BE2C-42E94904AE9A}" presName="sibTrans" presStyleLbl="sibTrans2D1" presStyleIdx="0" presStyleCnt="0"/>
       <dgm:spPr/>
-      <dgm:t>
-        <a:bodyPr/>
-        <a:lstStyle/>
-        <a:p>
-          <a:endParaRPr lang="cs-CZ"/>
-        </a:p>
-      </dgm:t>
     </dgm:pt>
     <dgm:pt modelId="{CD892991-CA33-4D18-984C-549F94C91AF0}" type="pres">
       <dgm:prSet presAssocID="{F8959E41-67AA-4816-B205-9D8D843B4FAD}" presName="compNode" presStyleCnt="0"/>
@@ -6221,7 +5997,7 @@
                 <a14:useLocalDpi xmlns:a14="http://schemas.microsoft.com/office/drawing/2010/main" val="0"/>
               </a:ext>
               <a:ext uri="{96DAC541-7B7A-43D3-8B79-37D633B846F1}">
-                <asvg:svgBlip xmlns:asvg="http://schemas.microsoft.com/office/drawing/2016/SVG/main" xmlns="" r:embed="rId4"/>
+                <asvg:svgBlip xmlns:asvg="http://schemas.microsoft.com/office/drawing/2016/SVG/main" r:embed="rId4"/>
               </a:ext>
             </a:extLst>
           </a:blip>
@@ -6233,13 +6009,6 @@
           <a:noFill/>
         </a:ln>
       </dgm:spPr>
-      <dgm:t>
-        <a:bodyPr/>
-        <a:lstStyle/>
-        <a:p>
-          <a:endParaRPr lang="cs-CZ"/>
-        </a:p>
-      </dgm:t>
       <dgm:extLst>
         <a:ext uri="{E40237B7-FDA0-4F09-8148-C483321AD2D9}">
           <dgm14:cNvPr xmlns:dgm14="http://schemas.microsoft.com/office/drawing/2010/diagram" id="0" name="" descr="Stethoscope"/>
@@ -6258,24 +6027,10 @@
         </dgm:presLayoutVars>
       </dgm:prSet>
       <dgm:spPr/>
-      <dgm:t>
-        <a:bodyPr/>
-        <a:lstStyle/>
-        <a:p>
-          <a:endParaRPr lang="cs-CZ"/>
-        </a:p>
-      </dgm:t>
     </dgm:pt>
     <dgm:pt modelId="{3207C30A-A15F-49B2-B9A4-D970D448AF88}" type="pres">
       <dgm:prSet presAssocID="{148AD2F9-7C2A-4FAA-9EB7-70C54D6AC536}" presName="sibTrans" presStyleLbl="sibTrans2D1" presStyleIdx="0" presStyleCnt="0"/>
       <dgm:spPr/>
-      <dgm:t>
-        <a:bodyPr/>
-        <a:lstStyle/>
-        <a:p>
-          <a:endParaRPr lang="cs-CZ"/>
-        </a:p>
-      </dgm:t>
     </dgm:pt>
     <dgm:pt modelId="{E62D7FAA-D6EB-4255-8F1B-64B452E609C6}" type="pres">
       <dgm:prSet presAssocID="{24573DE3-AB6F-4A82-9B55-CE0B9E3E609F}" presName="compNode" presStyleCnt="0"/>
@@ -6295,7 +6050,7 @@
                 <a14:useLocalDpi xmlns:a14="http://schemas.microsoft.com/office/drawing/2010/main" val="0"/>
               </a:ext>
               <a:ext uri="{96DAC541-7B7A-43D3-8B79-37D633B846F1}">
-                <asvg:svgBlip xmlns:asvg="http://schemas.microsoft.com/office/drawing/2016/SVG/main" xmlns="" r:embed="rId6"/>
+                <asvg:svgBlip xmlns:asvg="http://schemas.microsoft.com/office/drawing/2016/SVG/main" r:embed="rId6"/>
               </a:ext>
             </a:extLst>
           </a:blip>
@@ -6307,13 +6062,6 @@
           <a:noFill/>
         </a:ln>
       </dgm:spPr>
-      <dgm:t>
-        <a:bodyPr/>
-        <a:lstStyle/>
-        <a:p>
-          <a:endParaRPr lang="cs-CZ"/>
-        </a:p>
-      </dgm:t>
       <dgm:extLst>
         <a:ext uri="{E40237B7-FDA0-4F09-8148-C483321AD2D9}">
           <dgm14:cNvPr xmlns:dgm14="http://schemas.microsoft.com/office/drawing/2010/diagram" id="0" name="" descr="Lightbulb"/>
@@ -6332,24 +6080,10 @@
         </dgm:presLayoutVars>
       </dgm:prSet>
       <dgm:spPr/>
-      <dgm:t>
-        <a:bodyPr/>
-        <a:lstStyle/>
-        <a:p>
-          <a:endParaRPr lang="cs-CZ"/>
-        </a:p>
-      </dgm:t>
     </dgm:pt>
     <dgm:pt modelId="{D3EF3EC9-20B9-43C8-9DF9-44C2ED2B5D2C}" type="pres">
       <dgm:prSet presAssocID="{48CFE6F9-DE7A-44E7-BA22-DC8147E3FE12}" presName="sibTrans" presStyleLbl="sibTrans2D1" presStyleIdx="0" presStyleCnt="0"/>
       <dgm:spPr/>
-      <dgm:t>
-        <a:bodyPr/>
-        <a:lstStyle/>
-        <a:p>
-          <a:endParaRPr lang="cs-CZ"/>
-        </a:p>
-      </dgm:t>
     </dgm:pt>
     <dgm:pt modelId="{D9BE9775-6AAC-4039-A7B2-23E35B675E4D}" type="pres">
       <dgm:prSet presAssocID="{2BB10227-D21A-4867-8FBC-1510E16A4A6A}" presName="compNode" presStyleCnt="0"/>
@@ -6369,7 +6103,7 @@
                 <a14:useLocalDpi xmlns:a14="http://schemas.microsoft.com/office/drawing/2010/main" val="0"/>
               </a:ext>
               <a:ext uri="{96DAC541-7B7A-43D3-8B79-37D633B846F1}">
-                <asvg:svgBlip xmlns:asvg="http://schemas.microsoft.com/office/drawing/2016/SVG/main" xmlns="" r:embed="rId8"/>
+                <asvg:svgBlip xmlns:asvg="http://schemas.microsoft.com/office/drawing/2016/SVG/main" r:embed="rId8"/>
               </a:ext>
             </a:extLst>
           </a:blip>
@@ -6381,13 +6115,6 @@
           <a:noFill/>
         </a:ln>
       </dgm:spPr>
-      <dgm:t>
-        <a:bodyPr/>
-        <a:lstStyle/>
-        <a:p>
-          <a:endParaRPr lang="cs-CZ"/>
-        </a:p>
-      </dgm:t>
       <dgm:extLst>
         <a:ext uri="{E40237B7-FDA0-4F09-8148-C483321AD2D9}">
           <dgm14:cNvPr xmlns:dgm14="http://schemas.microsoft.com/office/drawing/2010/diagram" id="0" name="" descr="Electrician"/>
@@ -6406,24 +6133,10 @@
         </dgm:presLayoutVars>
       </dgm:prSet>
       <dgm:spPr/>
-      <dgm:t>
-        <a:bodyPr/>
-        <a:lstStyle/>
-        <a:p>
-          <a:endParaRPr lang="cs-CZ"/>
-        </a:p>
-      </dgm:t>
     </dgm:pt>
     <dgm:pt modelId="{CA18AEF0-AA28-45A9-A7F5-5D99306695F1}" type="pres">
       <dgm:prSet presAssocID="{4ED4E8F0-0E16-42F6-8628-211862D122FC}" presName="sibTrans" presStyleLbl="sibTrans2D1" presStyleIdx="0" presStyleCnt="0"/>
       <dgm:spPr/>
-      <dgm:t>
-        <a:bodyPr/>
-        <a:lstStyle/>
-        <a:p>
-          <a:endParaRPr lang="cs-CZ"/>
-        </a:p>
-      </dgm:t>
     </dgm:pt>
     <dgm:pt modelId="{4BA2CCD2-C381-4B2B-B2BD-3247FF2355E7}" type="pres">
       <dgm:prSet presAssocID="{9E738F3D-AD82-49BE-B153-50E9EB0F61EE}" presName="compNode" presStyleCnt="0"/>
@@ -6443,7 +6156,7 @@
                 <a14:useLocalDpi xmlns:a14="http://schemas.microsoft.com/office/drawing/2010/main" val="0"/>
               </a:ext>
               <a:ext uri="{96DAC541-7B7A-43D3-8B79-37D633B846F1}">
-                <asvg:svgBlip xmlns:asvg="http://schemas.microsoft.com/office/drawing/2016/SVG/main" xmlns="" r:embed="rId10"/>
+                <asvg:svgBlip xmlns:asvg="http://schemas.microsoft.com/office/drawing/2016/SVG/main" r:embed="rId10"/>
               </a:ext>
             </a:extLst>
           </a:blip>
@@ -6455,13 +6168,6 @@
           <a:noFill/>
         </a:ln>
       </dgm:spPr>
-      <dgm:t>
-        <a:bodyPr/>
-        <a:lstStyle/>
-        <a:p>
-          <a:endParaRPr lang="cs-CZ"/>
-        </a:p>
-      </dgm:t>
       <dgm:extLst>
         <a:ext uri="{E40237B7-FDA0-4F09-8148-C483321AD2D9}">
           <dgm14:cNvPr xmlns:dgm14="http://schemas.microsoft.com/office/drawing/2010/diagram" id="0" name="" descr="Run"/>
@@ -6480,24 +6186,10 @@
         </dgm:presLayoutVars>
       </dgm:prSet>
       <dgm:spPr/>
-      <dgm:t>
-        <a:bodyPr/>
-        <a:lstStyle/>
-        <a:p>
-          <a:endParaRPr lang="cs-CZ"/>
-        </a:p>
-      </dgm:t>
     </dgm:pt>
     <dgm:pt modelId="{9ABD9E6E-B69F-4A61-9D5D-88835DF80FB1}" type="pres">
       <dgm:prSet presAssocID="{DED45F0D-EEC7-4705-BE0B-258CE5C4E369}" presName="sibTrans" presStyleLbl="sibTrans2D1" presStyleIdx="0" presStyleCnt="0"/>
       <dgm:spPr/>
-      <dgm:t>
-        <a:bodyPr/>
-        <a:lstStyle/>
-        <a:p>
-          <a:endParaRPr lang="cs-CZ"/>
-        </a:p>
-      </dgm:t>
     </dgm:pt>
     <dgm:pt modelId="{F038E0CD-5DCB-47DE-BD31-AEC9FA35415E}" type="pres">
       <dgm:prSet presAssocID="{A10FE98D-0395-436F-8CA8-934051EBEF97}" presName="compNode" presStyleCnt="0"/>
@@ -6517,7 +6209,7 @@
                 <a14:useLocalDpi xmlns:a14="http://schemas.microsoft.com/office/drawing/2010/main" val="0"/>
               </a:ext>
               <a:ext uri="{96DAC541-7B7A-43D3-8B79-37D633B846F1}">
-                <asvg:svgBlip xmlns:asvg="http://schemas.microsoft.com/office/drawing/2016/SVG/main" xmlns="" r:embed="rId12"/>
+                <asvg:svgBlip xmlns:asvg="http://schemas.microsoft.com/office/drawing/2016/SVG/main" r:embed="rId12"/>
               </a:ext>
             </a:extLst>
           </a:blip>
@@ -6529,13 +6221,6 @@
           <a:noFill/>
         </a:ln>
       </dgm:spPr>
-      <dgm:t>
-        <a:bodyPr/>
-        <a:lstStyle/>
-        <a:p>
-          <a:endParaRPr lang="cs-CZ"/>
-        </a:p>
-      </dgm:t>
       <dgm:extLst>
         <a:ext uri="{E40237B7-FDA0-4F09-8148-C483321AD2D9}">
           <dgm14:cNvPr xmlns:dgm14="http://schemas.microsoft.com/office/drawing/2010/diagram" id="0" name="" descr="Skeleton"/>
@@ -6554,34 +6239,27 @@
         </dgm:presLayoutVars>
       </dgm:prSet>
       <dgm:spPr/>
-      <dgm:t>
-        <a:bodyPr/>
-        <a:lstStyle/>
-        <a:p>
-          <a:endParaRPr lang="cs-CZ"/>
-        </a:p>
-      </dgm:t>
     </dgm:pt>
   </dgm:ptLst>
   <dgm:cxnLst>
+    <dgm:cxn modelId="{6AB18F0A-05D4-43C4-86DA-1CE28E593CD0}" type="presOf" srcId="{48CFE6F9-DE7A-44E7-BA22-DC8147E3FE12}" destId="{D3EF3EC9-20B9-43C8-9DF9-44C2ED2B5D2C}" srcOrd="0" destOrd="0" presId="urn:microsoft.com/office/officeart/2018/2/layout/IconCircleList"/>
+    <dgm:cxn modelId="{B0234110-0A0D-4F5A-81A6-A88DF26A0041}" type="presOf" srcId="{E80EB61F-6D66-4669-BE2C-42E94904AE9A}" destId="{75E0CA5A-649C-404E-B185-A344910A6985}" srcOrd="0" destOrd="0" presId="urn:microsoft.com/office/officeart/2018/2/layout/IconCircleList"/>
+    <dgm:cxn modelId="{DA17531A-23A1-4136-9C2D-A23150AB0269}" type="presOf" srcId="{56AFCAA2-A674-4621-9D45-B8EDB4DD9A25}" destId="{8C480D9A-B406-40BB-B70B-720440D59379}" srcOrd="0" destOrd="0" presId="urn:microsoft.com/office/officeart/2018/2/layout/IconCircleList"/>
+    <dgm:cxn modelId="{79620D37-9E42-4D11-A270-779880E4F87A}" srcId="{56AFCAA2-A674-4621-9D45-B8EDB4DD9A25}" destId="{9E738F3D-AD82-49BE-B153-50E9EB0F61EE}" srcOrd="4" destOrd="0" parTransId="{4758A163-DEB3-4460-942D-8F9F347244CD}" sibTransId="{DED45F0D-EEC7-4705-BE0B-258CE5C4E369}"/>
+    <dgm:cxn modelId="{215C7138-4399-44AC-88D7-C3653F056B41}" srcId="{56AFCAA2-A674-4621-9D45-B8EDB4DD9A25}" destId="{24573DE3-AB6F-4A82-9B55-CE0B9E3E609F}" srcOrd="2" destOrd="0" parTransId="{78A45E5D-9147-4D5B-8BF7-70FD99D07182}" sibTransId="{48CFE6F9-DE7A-44E7-BA22-DC8147E3FE12}"/>
+    <dgm:cxn modelId="{4CAC663A-2229-4083-8C01-D7484A0CBD79}" srcId="{56AFCAA2-A674-4621-9D45-B8EDB4DD9A25}" destId="{14438F40-1A73-4966-A799-CDD4943F6B9B}" srcOrd="0" destOrd="0" parTransId="{B9C60879-09B1-4B37-AACB-EE6D7D27D8FC}" sibTransId="{E80EB61F-6D66-4669-BE2C-42E94904AE9A}"/>
+    <dgm:cxn modelId="{FFF6E15B-E686-49FE-851B-60506BA111F3}" type="presOf" srcId="{148AD2F9-7C2A-4FAA-9EB7-70C54D6AC536}" destId="{3207C30A-A15F-49B2-B9A4-D970D448AF88}" srcOrd="0" destOrd="0" presId="urn:microsoft.com/office/officeart/2018/2/layout/IconCircleList"/>
+    <dgm:cxn modelId="{191DB142-E2DA-40A1-8FB5-B676AEF310A5}" type="presOf" srcId="{2BB10227-D21A-4867-8FBC-1510E16A4A6A}" destId="{D851CEC2-E504-4625-AF4E-26FFBEEECC63}" srcOrd="0" destOrd="0" presId="urn:microsoft.com/office/officeart/2018/2/layout/IconCircleList"/>
+    <dgm:cxn modelId="{D3F6C970-3F25-4D82-BEC3-957171511EDC}" srcId="{56AFCAA2-A674-4621-9D45-B8EDB4DD9A25}" destId="{2BB10227-D21A-4867-8FBC-1510E16A4A6A}" srcOrd="3" destOrd="0" parTransId="{EE1BD08F-0AB3-4F7B-AD42-389A8A54D744}" sibTransId="{4ED4E8F0-0E16-42F6-8628-211862D122FC}"/>
+    <dgm:cxn modelId="{05A3658D-38D0-4758-9722-8A7EBA50CCFC}" srcId="{56AFCAA2-A674-4621-9D45-B8EDB4DD9A25}" destId="{A10FE98D-0395-436F-8CA8-934051EBEF97}" srcOrd="5" destOrd="0" parTransId="{3193A471-9C32-4310-83E0-FCDBFCC4A3EA}" sibTransId="{2F291D72-9548-45F5-828C-EAEA139656AF}"/>
+    <dgm:cxn modelId="{B2731DA0-ADCC-4E35-BB4C-3D2D6F116C90}" type="presOf" srcId="{24573DE3-AB6F-4A82-9B55-CE0B9E3E609F}" destId="{B8B76255-0115-47B7-8D05-37A3E636A46F}" srcOrd="0" destOrd="0" presId="urn:microsoft.com/office/officeart/2018/2/layout/IconCircleList"/>
     <dgm:cxn modelId="{1E61CDA0-8B0C-4DDE-B0F7-F633BE268C57}" type="presOf" srcId="{A10FE98D-0395-436F-8CA8-934051EBEF97}" destId="{B939CCB5-4D6E-42DB-A647-C7D7A10D6B6D}" srcOrd="0" destOrd="0" presId="urn:microsoft.com/office/officeart/2018/2/layout/IconCircleList"/>
-    <dgm:cxn modelId="{215C7138-4399-44AC-88D7-C3653F056B41}" srcId="{56AFCAA2-A674-4621-9D45-B8EDB4DD9A25}" destId="{24573DE3-AB6F-4A82-9B55-CE0B9E3E609F}" srcOrd="2" destOrd="0" parTransId="{78A45E5D-9147-4D5B-8BF7-70FD99D07182}" sibTransId="{48CFE6F9-DE7A-44E7-BA22-DC8147E3FE12}"/>
-    <dgm:cxn modelId="{D3F6C970-3F25-4D82-BEC3-957171511EDC}" srcId="{56AFCAA2-A674-4621-9D45-B8EDB4DD9A25}" destId="{2BB10227-D21A-4867-8FBC-1510E16A4A6A}" srcOrd="3" destOrd="0" parTransId="{EE1BD08F-0AB3-4F7B-AD42-389A8A54D744}" sibTransId="{4ED4E8F0-0E16-42F6-8628-211862D122FC}"/>
-    <dgm:cxn modelId="{B2731DA0-ADCC-4E35-BB4C-3D2D6F116C90}" type="presOf" srcId="{24573DE3-AB6F-4A82-9B55-CE0B9E3E609F}" destId="{B8B76255-0115-47B7-8D05-37A3E636A46F}" srcOrd="0" destOrd="0" presId="urn:microsoft.com/office/officeart/2018/2/layout/IconCircleList"/>
-    <dgm:cxn modelId="{05A3658D-38D0-4758-9722-8A7EBA50CCFC}" srcId="{56AFCAA2-A674-4621-9D45-B8EDB4DD9A25}" destId="{A10FE98D-0395-436F-8CA8-934051EBEF97}" srcOrd="5" destOrd="0" parTransId="{3193A471-9C32-4310-83E0-FCDBFCC4A3EA}" sibTransId="{2F291D72-9548-45F5-828C-EAEA139656AF}"/>
-    <dgm:cxn modelId="{FFF6E15B-E686-49FE-851B-60506BA111F3}" type="presOf" srcId="{148AD2F9-7C2A-4FAA-9EB7-70C54D6AC536}" destId="{3207C30A-A15F-49B2-B9A4-D970D448AF88}" srcOrd="0" destOrd="0" presId="urn:microsoft.com/office/officeart/2018/2/layout/IconCircleList"/>
+    <dgm:cxn modelId="{5A5FA2A5-C803-46CE-BDD6-4CC05FDA5AF7}" type="presOf" srcId="{14438F40-1A73-4966-A799-CDD4943F6B9B}" destId="{DC2008B9-EA86-4685-99EA-E001C710FFBB}" srcOrd="0" destOrd="0" presId="urn:microsoft.com/office/officeart/2018/2/layout/IconCircleList"/>
+    <dgm:cxn modelId="{E1F2D9B3-2721-4084-A839-DE3729B07D7B}" type="presOf" srcId="{9E738F3D-AD82-49BE-B153-50E9EB0F61EE}" destId="{A9CD202A-5E2F-48BB-BFED-3F5B432078C2}" srcOrd="0" destOrd="0" presId="urn:microsoft.com/office/officeart/2018/2/layout/IconCircleList"/>
     <dgm:cxn modelId="{8BDE0ECA-2A22-4178-934C-1424BCDB52D3}" type="presOf" srcId="{4ED4E8F0-0E16-42F6-8628-211862D122FC}" destId="{CA18AEF0-AA28-45A9-A7F5-5D99306695F1}" srcOrd="0" destOrd="0" presId="urn:microsoft.com/office/officeart/2018/2/layout/IconCircleList"/>
     <dgm:cxn modelId="{4EF9E3CC-2ECE-4CDF-A854-330CF82628D5}" type="presOf" srcId="{DED45F0D-EEC7-4705-BE0B-258CE5C4E369}" destId="{9ABD9E6E-B69F-4A61-9D5D-88835DF80FB1}" srcOrd="0" destOrd="0" presId="urn:microsoft.com/office/officeart/2018/2/layout/IconCircleList"/>
-    <dgm:cxn modelId="{79620D37-9E42-4D11-A270-779880E4F87A}" srcId="{56AFCAA2-A674-4621-9D45-B8EDB4DD9A25}" destId="{9E738F3D-AD82-49BE-B153-50E9EB0F61EE}" srcOrd="4" destOrd="0" parTransId="{4758A163-DEB3-4460-942D-8F9F347244CD}" sibTransId="{DED45F0D-EEC7-4705-BE0B-258CE5C4E369}"/>
-    <dgm:cxn modelId="{DA17531A-23A1-4136-9C2D-A23150AB0269}" type="presOf" srcId="{56AFCAA2-A674-4621-9D45-B8EDB4DD9A25}" destId="{8C480D9A-B406-40BB-B70B-720440D59379}" srcOrd="0" destOrd="0" presId="urn:microsoft.com/office/officeart/2018/2/layout/IconCircleList"/>
+    <dgm:cxn modelId="{7524CEDD-47AF-4A1D-B565-A0DF3F775270}" srcId="{56AFCAA2-A674-4621-9D45-B8EDB4DD9A25}" destId="{F8959E41-67AA-4816-B205-9D8D843B4FAD}" srcOrd="1" destOrd="0" parTransId="{09371B70-627F-4542-A0D0-41114FFF4923}" sibTransId="{148AD2F9-7C2A-4FAA-9EB7-70C54D6AC536}"/>
     <dgm:cxn modelId="{E52FF5E7-A8A4-499A-9332-6A0D49740966}" type="presOf" srcId="{F8959E41-67AA-4816-B205-9D8D843B4FAD}" destId="{A334C729-3890-4FBF-A43B-161FA2259792}" srcOrd="0" destOrd="0" presId="urn:microsoft.com/office/officeart/2018/2/layout/IconCircleList"/>
-    <dgm:cxn modelId="{191DB142-E2DA-40A1-8FB5-B676AEF310A5}" type="presOf" srcId="{2BB10227-D21A-4867-8FBC-1510E16A4A6A}" destId="{D851CEC2-E504-4625-AF4E-26FFBEEECC63}" srcOrd="0" destOrd="0" presId="urn:microsoft.com/office/officeart/2018/2/layout/IconCircleList"/>
-    <dgm:cxn modelId="{6AB18F0A-05D4-43C4-86DA-1CE28E593CD0}" type="presOf" srcId="{48CFE6F9-DE7A-44E7-BA22-DC8147E3FE12}" destId="{D3EF3EC9-20B9-43C8-9DF9-44C2ED2B5D2C}" srcOrd="0" destOrd="0" presId="urn:microsoft.com/office/officeart/2018/2/layout/IconCircleList"/>
-    <dgm:cxn modelId="{B0234110-0A0D-4F5A-81A6-A88DF26A0041}" type="presOf" srcId="{E80EB61F-6D66-4669-BE2C-42E94904AE9A}" destId="{75E0CA5A-649C-404E-B185-A344910A6985}" srcOrd="0" destOrd="0" presId="urn:microsoft.com/office/officeart/2018/2/layout/IconCircleList"/>
-    <dgm:cxn modelId="{4CAC663A-2229-4083-8C01-D7484A0CBD79}" srcId="{56AFCAA2-A674-4621-9D45-B8EDB4DD9A25}" destId="{14438F40-1A73-4966-A799-CDD4943F6B9B}" srcOrd="0" destOrd="0" parTransId="{B9C60879-09B1-4B37-AACB-EE6D7D27D8FC}" sibTransId="{E80EB61F-6D66-4669-BE2C-42E94904AE9A}"/>
-    <dgm:cxn modelId="{7524CEDD-47AF-4A1D-B565-A0DF3F775270}" srcId="{56AFCAA2-A674-4621-9D45-B8EDB4DD9A25}" destId="{F8959E41-67AA-4816-B205-9D8D843B4FAD}" srcOrd="1" destOrd="0" parTransId="{09371B70-627F-4542-A0D0-41114FFF4923}" sibTransId="{148AD2F9-7C2A-4FAA-9EB7-70C54D6AC536}"/>
-    <dgm:cxn modelId="{E1F2D9B3-2721-4084-A839-DE3729B07D7B}" type="presOf" srcId="{9E738F3D-AD82-49BE-B153-50E9EB0F61EE}" destId="{A9CD202A-5E2F-48BB-BFED-3F5B432078C2}" srcOrd="0" destOrd="0" presId="urn:microsoft.com/office/officeart/2018/2/layout/IconCircleList"/>
-    <dgm:cxn modelId="{5A5FA2A5-C803-46CE-BDD6-4CC05FDA5AF7}" type="presOf" srcId="{14438F40-1A73-4966-A799-CDD4943F6B9B}" destId="{DC2008B9-EA86-4685-99EA-E001C710FFBB}" srcOrd="0" destOrd="0" presId="urn:microsoft.com/office/officeart/2018/2/layout/IconCircleList"/>
     <dgm:cxn modelId="{5F062B84-3CE3-4D93-B326-8DD8B2924B12}" type="presParOf" srcId="{8C480D9A-B406-40BB-B70B-720440D59379}" destId="{34778857-2800-4B7C-A7D0-041D91E69FD8}" srcOrd="0" destOrd="0" presId="urn:microsoft.com/office/officeart/2018/2/layout/IconCircleList"/>
     <dgm:cxn modelId="{7ED2109F-1DE7-4C1A-A1E4-8563588DCE51}" type="presParOf" srcId="{34778857-2800-4B7C-A7D0-041D91E69FD8}" destId="{E665E8F1-56D6-4110-9C2B-271B310A04A4}" srcOrd="0" destOrd="0" presId="urn:microsoft.com/office/officeart/2018/2/layout/IconCircleList"/>
     <dgm:cxn modelId="{6440F90B-DD1B-4004-B030-152BB041DB27}" type="presParOf" srcId="{E665E8F1-56D6-4110-9C2B-271B310A04A4}" destId="{4A016135-86DC-4924-BFED-A47B0BA0DD74}" srcOrd="0" destOrd="0" presId="urn:microsoft.com/office/officeart/2018/2/layout/IconCircleList"/>
@@ -6657,7 +6335,7 @@
                 <a14:useLocalDpi xmlns:a14="http://schemas.microsoft.com/office/drawing/2010/main" val="0"/>
               </a:ext>
               <a:ext uri="{96DAC541-7B7A-43D3-8B79-37D633B846F1}">
-                <asvg:svgBlip xmlns:asvg="http://schemas.microsoft.com/office/drawing/2016/SVG/main" xmlns="" r:embed="rId2"/>
+                <asvg:svgBlip xmlns:asvg="http://schemas.microsoft.com/office/drawing/2016/SVG/main" r:embed="rId2"/>
               </a:ext>
             </a:extLst>
           </a:blip>
@@ -6724,7 +6402,7 @@
         </a:bodyPr>
         <a:lstStyle/>
         <a:p>
-          <a:pPr lvl="0" algn="ctr" defTabSz="1289050">
+          <a:pPr marL="0" lvl="0" indent="0" algn="ctr" defTabSz="1289050">
             <a:lnSpc>
               <a:spcPct val="90000"/>
             </a:lnSpc>
@@ -6734,6 +6412,7 @@
             <a:spcAft>
               <a:spcPct val="35000"/>
             </a:spcAft>
+            <a:buNone/>
           </a:pPr>
           <a:r>
             <a:rPr lang="cs-CZ" sz="2900" kern="1200"/>
@@ -6767,7 +6446,7 @@
                 <a14:useLocalDpi xmlns:a14="http://schemas.microsoft.com/office/drawing/2010/main" val="0"/>
               </a:ext>
               <a:ext uri="{96DAC541-7B7A-43D3-8B79-37D633B846F1}">
-                <asvg:svgBlip xmlns:asvg="http://schemas.microsoft.com/office/drawing/2016/SVG/main" xmlns="" r:embed="rId4"/>
+                <asvg:svgBlip xmlns:asvg="http://schemas.microsoft.com/office/drawing/2016/SVG/main" r:embed="rId4"/>
               </a:ext>
             </a:extLst>
           </a:blip>
@@ -6834,7 +6513,7 @@
         </a:bodyPr>
         <a:lstStyle/>
         <a:p>
-          <a:pPr lvl="0" algn="ctr" defTabSz="1289050">
+          <a:pPr marL="0" lvl="0" indent="0" algn="ctr" defTabSz="1289050">
             <a:lnSpc>
               <a:spcPct val="90000"/>
             </a:lnSpc>
@@ -6844,6 +6523,7 @@
             <a:spcAft>
               <a:spcPct val="35000"/>
             </a:spcAft>
+            <a:buNone/>
           </a:pPr>
           <a:r>
             <a:rPr lang="cs-CZ" sz="2900" kern="1200"/>
@@ -6877,7 +6557,7 @@
                 <a14:useLocalDpi xmlns:a14="http://schemas.microsoft.com/office/drawing/2010/main" val="0"/>
               </a:ext>
               <a:ext uri="{96DAC541-7B7A-43D3-8B79-37D633B846F1}">
-                <asvg:svgBlip xmlns:asvg="http://schemas.microsoft.com/office/drawing/2016/SVG/main" xmlns="" r:embed="rId6"/>
+                <asvg:svgBlip xmlns:asvg="http://schemas.microsoft.com/office/drawing/2016/SVG/main" r:embed="rId6"/>
               </a:ext>
             </a:extLst>
           </a:blip>
@@ -6944,7 +6624,7 @@
         </a:bodyPr>
         <a:lstStyle/>
         <a:p>
-          <a:pPr lvl="0" algn="ctr" defTabSz="1289050">
+          <a:pPr marL="0" lvl="0" indent="0" algn="ctr" defTabSz="1289050">
             <a:lnSpc>
               <a:spcPct val="90000"/>
             </a:lnSpc>
@@ -6954,6 +6634,7 @@
             <a:spcAft>
               <a:spcPct val="35000"/>
             </a:spcAft>
+            <a:buNone/>
           </a:pPr>
           <a:r>
             <a:rPr lang="cs-CZ" sz="2900" kern="1200"/>
@@ -6999,7 +6680,7 @@
                 <a14:useLocalDpi xmlns:a14="http://schemas.microsoft.com/office/drawing/2010/main" val="0"/>
               </a:ext>
               <a:ext uri="{96DAC541-7B7A-43D3-8B79-37D633B846F1}">
-                <asvg:svgBlip xmlns:asvg="http://schemas.microsoft.com/office/drawing/2016/SVG/main" xmlns="" r:embed="rId2"/>
+                <asvg:svgBlip xmlns:asvg="http://schemas.microsoft.com/office/drawing/2016/SVG/main" r:embed="rId2"/>
               </a:ext>
             </a:extLst>
           </a:blip>
@@ -7066,7 +6747,7 @@
         </a:bodyPr>
         <a:lstStyle/>
         <a:p>
-          <a:pPr lvl="0" algn="ctr" defTabSz="1022350">
+          <a:pPr marL="0" lvl="0" indent="0" algn="ctr" defTabSz="1022350">
             <a:lnSpc>
               <a:spcPct val="90000"/>
             </a:lnSpc>
@@ -7076,6 +6757,7 @@
             <a:spcAft>
               <a:spcPct val="35000"/>
             </a:spcAft>
+            <a:buNone/>
           </a:pPr>
           <a:r>
             <a:rPr lang="cs-CZ" sz="2300" kern="1200"/>
@@ -7109,7 +6791,7 @@
                 <a14:useLocalDpi xmlns:a14="http://schemas.microsoft.com/office/drawing/2010/main" val="0"/>
               </a:ext>
               <a:ext uri="{96DAC541-7B7A-43D3-8B79-37D633B846F1}">
-                <asvg:svgBlip xmlns:asvg="http://schemas.microsoft.com/office/drawing/2016/SVG/main" xmlns="" r:embed="rId4"/>
+                <asvg:svgBlip xmlns:asvg="http://schemas.microsoft.com/office/drawing/2016/SVG/main" r:embed="rId4"/>
               </a:ext>
             </a:extLst>
           </a:blip>
@@ -7176,7 +6858,7 @@
         </a:bodyPr>
         <a:lstStyle/>
         <a:p>
-          <a:pPr lvl="0" algn="ctr" defTabSz="1022350">
+          <a:pPr marL="0" lvl="0" indent="0" algn="ctr" defTabSz="1022350">
             <a:lnSpc>
               <a:spcPct val="90000"/>
             </a:lnSpc>
@@ -7186,6 +6868,7 @@
             <a:spcAft>
               <a:spcPct val="35000"/>
             </a:spcAft>
+            <a:buNone/>
           </a:pPr>
           <a:r>
             <a:rPr lang="cs-CZ" sz="2300" kern="1200"/>
@@ -7219,7 +6902,7 @@
                 <a14:useLocalDpi xmlns:a14="http://schemas.microsoft.com/office/drawing/2010/main" val="0"/>
               </a:ext>
               <a:ext uri="{96DAC541-7B7A-43D3-8B79-37D633B846F1}">
-                <asvg:svgBlip xmlns:asvg="http://schemas.microsoft.com/office/drawing/2016/SVG/main" xmlns="" r:embed="rId6"/>
+                <asvg:svgBlip xmlns:asvg="http://schemas.microsoft.com/office/drawing/2016/SVG/main" r:embed="rId6"/>
               </a:ext>
             </a:extLst>
           </a:blip>
@@ -7286,7 +6969,7 @@
         </a:bodyPr>
         <a:lstStyle/>
         <a:p>
-          <a:pPr lvl="0" algn="ctr" defTabSz="1022350">
+          <a:pPr marL="0" lvl="0" indent="0" algn="ctr" defTabSz="1022350">
             <a:lnSpc>
               <a:spcPct val="90000"/>
             </a:lnSpc>
@@ -7296,6 +6979,7 @@
             <a:spcAft>
               <a:spcPct val="35000"/>
             </a:spcAft>
+            <a:buNone/>
           </a:pPr>
           <a:r>
             <a:rPr lang="cs-CZ" sz="2300" kern="1200"/>
@@ -7341,7 +7025,7 @@
                 <a14:useLocalDpi xmlns:a14="http://schemas.microsoft.com/office/drawing/2010/main" val="0"/>
               </a:ext>
               <a:ext uri="{96DAC541-7B7A-43D3-8B79-37D633B846F1}">
-                <asvg:svgBlip xmlns:asvg="http://schemas.microsoft.com/office/drawing/2016/SVG/main" xmlns="" r:embed="rId2"/>
+                <asvg:svgBlip xmlns:asvg="http://schemas.microsoft.com/office/drawing/2016/SVG/main" r:embed="rId2"/>
               </a:ext>
             </a:extLst>
           </a:blip>
@@ -7408,7 +7092,7 @@
         </a:bodyPr>
         <a:lstStyle/>
         <a:p>
-          <a:pPr lvl="0" algn="ctr" defTabSz="1111250">
+          <a:pPr marL="0" lvl="0" indent="0" algn="ctr" defTabSz="1111250">
             <a:lnSpc>
               <a:spcPct val="90000"/>
             </a:lnSpc>
@@ -7418,6 +7102,7 @@
             <a:spcAft>
               <a:spcPct val="35000"/>
             </a:spcAft>
+            <a:buNone/>
           </a:pPr>
           <a:r>
             <a:rPr lang="cs-CZ" sz="2500" kern="1200"/>
@@ -7451,7 +7136,7 @@
                 <a14:useLocalDpi xmlns:a14="http://schemas.microsoft.com/office/drawing/2010/main" val="0"/>
               </a:ext>
               <a:ext uri="{96DAC541-7B7A-43D3-8B79-37D633B846F1}">
-                <asvg:svgBlip xmlns:asvg="http://schemas.microsoft.com/office/drawing/2016/SVG/main" xmlns="" r:embed="rId4"/>
+                <asvg:svgBlip xmlns:asvg="http://schemas.microsoft.com/office/drawing/2016/SVG/main" r:embed="rId4"/>
               </a:ext>
             </a:extLst>
           </a:blip>
@@ -7518,7 +7203,7 @@
         </a:bodyPr>
         <a:lstStyle/>
         <a:p>
-          <a:pPr lvl="0" algn="ctr" defTabSz="1111250">
+          <a:pPr marL="0" lvl="0" indent="0" algn="ctr" defTabSz="1111250">
             <a:lnSpc>
               <a:spcPct val="90000"/>
             </a:lnSpc>
@@ -7528,6 +7213,7 @@
             <a:spcAft>
               <a:spcPct val="35000"/>
             </a:spcAft>
+            <a:buNone/>
           </a:pPr>
           <a:r>
             <a:rPr lang="cs-CZ" sz="2500" kern="1200"/>
@@ -7561,7 +7247,7 @@
                 <a14:useLocalDpi xmlns:a14="http://schemas.microsoft.com/office/drawing/2010/main" val="0"/>
               </a:ext>
               <a:ext uri="{96DAC541-7B7A-43D3-8B79-37D633B846F1}">
-                <asvg:svgBlip xmlns:asvg="http://schemas.microsoft.com/office/drawing/2016/SVG/main" xmlns="" r:embed="rId6"/>
+                <asvg:svgBlip xmlns:asvg="http://schemas.microsoft.com/office/drawing/2016/SVG/main" r:embed="rId6"/>
               </a:ext>
             </a:extLst>
           </a:blip>
@@ -7628,7 +7314,7 @@
         </a:bodyPr>
         <a:lstStyle/>
         <a:p>
-          <a:pPr lvl="0" algn="ctr" defTabSz="1111250">
+          <a:pPr marL="0" lvl="0" indent="0" algn="ctr" defTabSz="1111250">
             <a:lnSpc>
               <a:spcPct val="90000"/>
             </a:lnSpc>
@@ -7638,6 +7324,7 @@
             <a:spcAft>
               <a:spcPct val="35000"/>
             </a:spcAft>
+            <a:buNone/>
           </a:pPr>
           <a:r>
             <a:rPr lang="cs-CZ" sz="2500" kern="1200"/>
@@ -7725,7 +7412,7 @@
                 <a14:useLocalDpi xmlns:a14="http://schemas.microsoft.com/office/drawing/2010/main" val="0"/>
               </a:ext>
               <a:ext uri="{96DAC541-7B7A-43D3-8B79-37D633B846F1}">
-                <asvg:svgBlip xmlns:asvg="http://schemas.microsoft.com/office/drawing/2016/SVG/main" xmlns="" r:embed="rId2"/>
+                <asvg:svgBlip xmlns:asvg="http://schemas.microsoft.com/office/drawing/2016/SVG/main" r:embed="rId2"/>
               </a:ext>
             </a:extLst>
           </a:blip>
@@ -7792,7 +7479,7 @@
         </a:bodyPr>
         <a:lstStyle/>
         <a:p>
-          <a:pPr lvl="0" algn="l" defTabSz="1111250">
+          <a:pPr marL="0" lvl="0" indent="0" algn="l" defTabSz="1111250">
             <a:lnSpc>
               <a:spcPct val="90000"/>
             </a:lnSpc>
@@ -7802,6 +7489,7 @@
             <a:spcAft>
               <a:spcPct val="35000"/>
             </a:spcAft>
+            <a:buNone/>
           </a:pPr>
           <a:r>
             <a:rPr lang="cs-CZ" sz="2500" kern="1200"/>
@@ -7877,7 +7565,7 @@
                 <a14:useLocalDpi xmlns:a14="http://schemas.microsoft.com/office/drawing/2010/main" val="0"/>
               </a:ext>
               <a:ext uri="{96DAC541-7B7A-43D3-8B79-37D633B846F1}">
-                <asvg:svgBlip xmlns:asvg="http://schemas.microsoft.com/office/drawing/2016/SVG/main" xmlns="" r:embed="rId4"/>
+                <asvg:svgBlip xmlns:asvg="http://schemas.microsoft.com/office/drawing/2016/SVG/main" r:embed="rId4"/>
               </a:ext>
             </a:extLst>
           </a:blip>
@@ -7944,7 +7632,7 @@
         </a:bodyPr>
         <a:lstStyle/>
         <a:p>
-          <a:pPr lvl="0" algn="l" defTabSz="1111250">
+          <a:pPr marL="0" lvl="0" indent="0" algn="l" defTabSz="1111250">
             <a:lnSpc>
               <a:spcPct val="90000"/>
             </a:lnSpc>
@@ -7954,6 +7642,7 @@
             <a:spcAft>
               <a:spcPct val="35000"/>
             </a:spcAft>
+            <a:buNone/>
           </a:pPr>
           <a:r>
             <a:rPr lang="cs-CZ" sz="2500" kern="1200"/>
@@ -8029,7 +7718,7 @@
                 <a14:useLocalDpi xmlns:a14="http://schemas.microsoft.com/office/drawing/2010/main" val="0"/>
               </a:ext>
               <a:ext uri="{96DAC541-7B7A-43D3-8B79-37D633B846F1}">
-                <asvg:svgBlip xmlns:asvg="http://schemas.microsoft.com/office/drawing/2016/SVG/main" xmlns="" r:embed="rId6"/>
+                <asvg:svgBlip xmlns:asvg="http://schemas.microsoft.com/office/drawing/2016/SVG/main" r:embed="rId6"/>
               </a:ext>
             </a:extLst>
           </a:blip>
@@ -8096,7 +7785,7 @@
         </a:bodyPr>
         <a:lstStyle/>
         <a:p>
-          <a:pPr lvl="0" algn="l" defTabSz="1111250">
+          <a:pPr marL="0" lvl="0" indent="0" algn="l" defTabSz="1111250">
             <a:lnSpc>
               <a:spcPct val="90000"/>
             </a:lnSpc>
@@ -8106,6 +7795,7 @@
             <a:spcAft>
               <a:spcPct val="35000"/>
             </a:spcAft>
+            <a:buNone/>
           </a:pPr>
           <a:r>
             <a:rPr lang="cs-CZ" sz="2500" kern="1200" dirty="0"/>
@@ -8191,7 +7881,7 @@
                 <a14:useLocalDpi xmlns:a14="http://schemas.microsoft.com/office/drawing/2010/main" val="0"/>
               </a:ext>
               <a:ext uri="{96DAC541-7B7A-43D3-8B79-37D633B846F1}">
-                <asvg:svgBlip xmlns:asvg="http://schemas.microsoft.com/office/drawing/2016/SVG/main" xmlns="" r:embed="rId2"/>
+                <asvg:svgBlip xmlns:asvg="http://schemas.microsoft.com/office/drawing/2016/SVG/main" r:embed="rId2"/>
               </a:ext>
             </a:extLst>
           </a:blip>
@@ -8258,7 +7948,7 @@
         </a:bodyPr>
         <a:lstStyle/>
         <a:p>
-          <a:pPr lvl="0" algn="l" defTabSz="844550">
+          <a:pPr marL="0" lvl="0" indent="0" algn="l" defTabSz="844550">
             <a:lnSpc>
               <a:spcPct val="90000"/>
             </a:lnSpc>
@@ -8268,6 +7958,7 @@
             <a:spcAft>
               <a:spcPct val="35000"/>
             </a:spcAft>
+            <a:buNone/>
           </a:pPr>
           <a:r>
             <a:rPr lang="cs-CZ" sz="1900" kern="1200"/>
@@ -8341,7 +8032,7 @@
                 <a14:useLocalDpi xmlns:a14="http://schemas.microsoft.com/office/drawing/2010/main" val="0"/>
               </a:ext>
               <a:ext uri="{96DAC541-7B7A-43D3-8B79-37D633B846F1}">
-                <asvg:svgBlip xmlns:asvg="http://schemas.microsoft.com/office/drawing/2016/SVG/main" xmlns="" r:embed="rId4"/>
+                <asvg:svgBlip xmlns:asvg="http://schemas.microsoft.com/office/drawing/2016/SVG/main" r:embed="rId4"/>
               </a:ext>
             </a:extLst>
           </a:blip>
@@ -8408,7 +8099,7 @@
         </a:bodyPr>
         <a:lstStyle/>
         <a:p>
-          <a:pPr lvl="0" algn="l" defTabSz="844550">
+          <a:pPr marL="0" lvl="0" indent="0" algn="l" defTabSz="844550">
             <a:lnSpc>
               <a:spcPct val="90000"/>
             </a:lnSpc>
@@ -8418,6 +8109,7 @@
             <a:spcAft>
               <a:spcPct val="35000"/>
             </a:spcAft>
+            <a:buNone/>
           </a:pPr>
           <a:r>
             <a:rPr lang="cs-CZ" sz="1900" kern="1200"/>
@@ -8491,7 +8183,7 @@
                 <a14:useLocalDpi xmlns:a14="http://schemas.microsoft.com/office/drawing/2010/main" val="0"/>
               </a:ext>
               <a:ext uri="{96DAC541-7B7A-43D3-8B79-37D633B846F1}">
-                <asvg:svgBlip xmlns:asvg="http://schemas.microsoft.com/office/drawing/2016/SVG/main" xmlns="" r:embed="rId6"/>
+                <asvg:svgBlip xmlns:asvg="http://schemas.microsoft.com/office/drawing/2016/SVG/main" r:embed="rId6"/>
               </a:ext>
             </a:extLst>
           </a:blip>
@@ -8558,7 +8250,7 @@
         </a:bodyPr>
         <a:lstStyle/>
         <a:p>
-          <a:pPr lvl="0" algn="l" defTabSz="844550">
+          <a:pPr marL="0" lvl="0" indent="0" algn="l" defTabSz="844550">
             <a:lnSpc>
               <a:spcPct val="90000"/>
             </a:lnSpc>
@@ -8568,6 +8260,7 @@
             <a:spcAft>
               <a:spcPct val="35000"/>
             </a:spcAft>
+            <a:buNone/>
           </a:pPr>
           <a:r>
             <a:rPr lang="cs-CZ" sz="1900" kern="1200"/>
@@ -8641,7 +8334,7 @@
                 <a14:useLocalDpi xmlns:a14="http://schemas.microsoft.com/office/drawing/2010/main" val="0"/>
               </a:ext>
               <a:ext uri="{96DAC541-7B7A-43D3-8B79-37D633B846F1}">
-                <asvg:svgBlip xmlns:asvg="http://schemas.microsoft.com/office/drawing/2016/SVG/main" xmlns="" r:embed="rId8"/>
+                <asvg:svgBlip xmlns:asvg="http://schemas.microsoft.com/office/drawing/2016/SVG/main" r:embed="rId8"/>
               </a:ext>
             </a:extLst>
           </a:blip>
@@ -8708,7 +8401,7 @@
         </a:bodyPr>
         <a:lstStyle/>
         <a:p>
-          <a:pPr lvl="0" algn="l" defTabSz="844550">
+          <a:pPr marL="0" lvl="0" indent="0" algn="l" defTabSz="844550">
             <a:lnSpc>
               <a:spcPct val="90000"/>
             </a:lnSpc>
@@ -8718,6 +8411,7 @@
             <a:spcAft>
               <a:spcPct val="35000"/>
             </a:spcAft>
+            <a:buNone/>
           </a:pPr>
           <a:r>
             <a:rPr lang="cs-CZ" sz="1900" kern="1200"/>
@@ -8791,7 +8485,7 @@
                 <a14:useLocalDpi xmlns:a14="http://schemas.microsoft.com/office/drawing/2010/main" val="0"/>
               </a:ext>
               <a:ext uri="{96DAC541-7B7A-43D3-8B79-37D633B846F1}">
-                <asvg:svgBlip xmlns:asvg="http://schemas.microsoft.com/office/drawing/2016/SVG/main" xmlns="" r:embed="rId10"/>
+                <asvg:svgBlip xmlns:asvg="http://schemas.microsoft.com/office/drawing/2016/SVG/main" r:embed="rId10"/>
               </a:ext>
             </a:extLst>
           </a:blip>
@@ -8858,7 +8552,7 @@
         </a:bodyPr>
         <a:lstStyle/>
         <a:p>
-          <a:pPr lvl="0" algn="l" defTabSz="844550">
+          <a:pPr marL="0" lvl="0" indent="0" algn="l" defTabSz="844550">
             <a:lnSpc>
               <a:spcPct val="90000"/>
             </a:lnSpc>
@@ -8868,6 +8562,7 @@
             <a:spcAft>
               <a:spcPct val="35000"/>
             </a:spcAft>
+            <a:buNone/>
           </a:pPr>
           <a:r>
             <a:rPr lang="cs-CZ" sz="1900" kern="1200" dirty="0"/>
@@ -8941,7 +8636,7 @@
                 <a14:useLocalDpi xmlns:a14="http://schemas.microsoft.com/office/drawing/2010/main" val="0"/>
               </a:ext>
               <a:ext uri="{96DAC541-7B7A-43D3-8B79-37D633B846F1}">
-                <asvg:svgBlip xmlns:asvg="http://schemas.microsoft.com/office/drawing/2016/SVG/main" xmlns="" r:embed="rId12"/>
+                <asvg:svgBlip xmlns:asvg="http://schemas.microsoft.com/office/drawing/2016/SVG/main" r:embed="rId12"/>
               </a:ext>
             </a:extLst>
           </a:blip>
@@ -9008,7 +8703,7 @@
         </a:bodyPr>
         <a:lstStyle/>
         <a:p>
-          <a:pPr lvl="0" algn="l" defTabSz="844550">
+          <a:pPr marL="0" lvl="0" indent="0" algn="l" defTabSz="844550">
             <a:lnSpc>
               <a:spcPct val="90000"/>
             </a:lnSpc>
@@ -9018,6 +8713,7 @@
             <a:spcAft>
               <a:spcPct val="35000"/>
             </a:spcAft>
+            <a:buNone/>
           </a:pPr>
           <a:r>
             <a:rPr lang="cs-CZ" sz="1900" kern="1200"/>
@@ -9213,7 +8909,7 @@
   </dgm:layoutNode>
   <dgm:extLst>
     <a:ext uri="{68A01E43-0DF5-4B5B-8FA6-DAF915123BFB}">
-      <dgm1612:lstStyle xmlns:dgm1612="http://schemas.microsoft.com/office/drawing/2016/12/diagram" xmlns="">
+      <dgm1612:lstStyle xmlns:dgm1612="http://schemas.microsoft.com/office/drawing/2016/12/diagram">
         <a:lvl1pPr>
           <a:lnSpc>
             <a:spcPct val="100000"/>
@@ -9403,7 +9099,7 @@
   </dgm:layoutNode>
   <dgm:extLst>
     <a:ext uri="{68A01E43-0DF5-4B5B-8FA6-DAF915123BFB}">
-      <dgm1612:lstStyle xmlns:dgm1612="http://schemas.microsoft.com/office/drawing/2016/12/diagram" xmlns="">
+      <dgm1612:lstStyle xmlns:dgm1612="http://schemas.microsoft.com/office/drawing/2016/12/diagram">
         <a:lvl1pPr>
           <a:lnSpc>
             <a:spcPct val="100000"/>
@@ -9593,7 +9289,7 @@
   </dgm:layoutNode>
   <dgm:extLst>
     <a:ext uri="{68A01E43-0DF5-4B5B-8FA6-DAF915123BFB}">
-      <dgm1612:lstStyle xmlns:dgm1612="http://schemas.microsoft.com/office/drawing/2016/12/diagram" xmlns="">
+      <dgm1612:lstStyle xmlns:dgm1612="http://schemas.microsoft.com/office/drawing/2016/12/diagram">
         <a:lvl1pPr>
           <a:lnSpc>
             <a:spcPct val="100000"/>
@@ -9882,7 +9578,7 @@
   </dgm:layoutNode>
   <dgm:extLst>
     <a:ext uri="{68A01E43-0DF5-4B5B-8FA6-DAF915123BFB}">
-      <dgm1612:lstStyle xmlns:dgm1612="http://schemas.microsoft.com/office/drawing/2016/12/diagram" xmlns="">
+      <dgm1612:lstStyle xmlns:dgm1612="http://schemas.microsoft.com/office/drawing/2016/12/diagram">
         <a:lvl1pPr>
           <a:lnSpc>
             <a:spcPct val="100000"/>
@@ -10099,7 +9795,7 @@
   </dgm:layoutNode>
   <dgm:extLst>
     <a:ext uri="{68A01E43-0DF5-4B5B-8FA6-DAF915123BFB}">
-      <dgm1612:lstStyle xmlns:dgm1612="http://schemas.microsoft.com/office/drawing/2016/12/diagram" xmlns="">
+      <dgm1612:lstStyle xmlns:dgm1612="http://schemas.microsoft.com/office/drawing/2016/12/diagram">
         <a:lvl1pPr>
           <a:lnSpc>
             <a:spcPct val="100000"/>
@@ -15410,7 +15106,7 @@
           <a:p>
             <a:fld id="{C764DE79-268F-4C1A-8933-263129D2AF90}" type="datetimeFigureOut">
               <a:rPr lang="en-US" dirty="0"/>
-              <a:t>11/9/2019</a:t>
+              <a:t>11/12/2019</a:t>
             </a:fld>
             <a:endParaRPr lang="en-US" dirty="0"/>
           </a:p>
@@ -15578,7 +15274,7 @@
           <a:p>
             <a:fld id="{C764DE79-268F-4C1A-8933-263129D2AF90}" type="datetimeFigureOut">
               <a:rPr lang="en-US" dirty="0"/>
-              <a:t>11/9/2019</a:t>
+              <a:t>11/12/2019</a:t>
             </a:fld>
             <a:endParaRPr lang="en-US" dirty="0"/>
           </a:p>
@@ -15756,7 +15452,7 @@
           <a:p>
             <a:fld id="{C764DE79-268F-4C1A-8933-263129D2AF90}" type="datetimeFigureOut">
               <a:rPr lang="en-US" dirty="0"/>
-              <a:t>11/9/2019</a:t>
+              <a:t>11/12/2019</a:t>
             </a:fld>
             <a:endParaRPr lang="en-US" dirty="0"/>
           </a:p>
@@ -15924,7 +15620,7 @@
           <a:p>
             <a:fld id="{C764DE79-268F-4C1A-8933-263129D2AF90}" type="datetimeFigureOut">
               <a:rPr lang="en-US" dirty="0"/>
-              <a:t>11/9/2019</a:t>
+              <a:t>11/12/2019</a:t>
             </a:fld>
             <a:endParaRPr lang="en-US" dirty="0"/>
           </a:p>
@@ -16167,7 +15863,7 @@
           <a:p>
             <a:fld id="{C764DE79-268F-4C1A-8933-263129D2AF90}" type="datetimeFigureOut">
               <a:rPr lang="en-US" dirty="0"/>
-              <a:t>11/9/2019</a:t>
+              <a:t>11/12/2019</a:t>
             </a:fld>
             <a:endParaRPr lang="en-US" dirty="0"/>
           </a:p>
@@ -16396,7 +16092,7 @@
           <a:p>
             <a:fld id="{C764DE79-268F-4C1A-8933-263129D2AF90}" type="datetimeFigureOut">
               <a:rPr lang="en-US" dirty="0"/>
-              <a:t>11/9/2019</a:t>
+              <a:t>11/12/2019</a:t>
             </a:fld>
             <a:endParaRPr lang="en-US" dirty="0"/>
           </a:p>
@@ -16760,7 +16456,7 @@
           <a:p>
             <a:fld id="{C764DE79-268F-4C1A-8933-263129D2AF90}" type="datetimeFigureOut">
               <a:rPr lang="en-US" dirty="0"/>
-              <a:t>11/9/2019</a:t>
+              <a:t>11/12/2019</a:t>
             </a:fld>
             <a:endParaRPr lang="en-US" dirty="0"/>
           </a:p>
@@ -16877,7 +16573,7 @@
           <a:p>
             <a:fld id="{C764DE79-268F-4C1A-8933-263129D2AF90}" type="datetimeFigureOut">
               <a:rPr lang="en-US" dirty="0"/>
-              <a:t>11/9/2019</a:t>
+              <a:t>11/12/2019</a:t>
             </a:fld>
             <a:endParaRPr lang="en-US" dirty="0"/>
           </a:p>
@@ -16972,7 +16668,7 @@
           <a:p>
             <a:fld id="{C764DE79-268F-4C1A-8933-263129D2AF90}" type="datetimeFigureOut">
               <a:rPr lang="en-US" dirty="0"/>
-              <a:t>11/9/2019</a:t>
+              <a:t>11/12/2019</a:t>
             </a:fld>
             <a:endParaRPr lang="en-US" dirty="0"/>
           </a:p>
@@ -17247,7 +16943,7 @@
           <a:p>
             <a:fld id="{C764DE79-268F-4C1A-8933-263129D2AF90}" type="datetimeFigureOut">
               <a:rPr lang="en-US" dirty="0"/>
-              <a:t>11/9/2019</a:t>
+              <a:t>11/12/2019</a:t>
             </a:fld>
             <a:endParaRPr lang="en-US" dirty="0"/>
           </a:p>
@@ -17499,7 +17195,7 @@
           <a:p>
             <a:fld id="{C764DE79-268F-4C1A-8933-263129D2AF90}" type="datetimeFigureOut">
               <a:rPr lang="en-US" dirty="0"/>
-              <a:t>11/9/2019</a:t>
+              <a:t>11/12/2019</a:t>
             </a:fld>
             <a:endParaRPr lang="en-US" dirty="0"/>
           </a:p>
@@ -17710,7 +17406,7 @@
           <a:p>
             <a:fld id="{C764DE79-268F-4C1A-8933-263129D2AF90}" type="datetimeFigureOut">
               <a:rPr lang="en-US" dirty="0"/>
-              <a:t>11/9/2019</a:t>
+              <a:t>11/12/2019</a:t>
             </a:fld>
             <a:endParaRPr lang="en-US" dirty="0"/>
           </a:p>
@@ -18128,10 +17824,10 @@
           <p:cNvPr id="11" name="Rectangle 7">
             <a:extLst>
               <a:ext uri="{FF2B5EF4-FFF2-40B4-BE49-F238E27FC236}">
-                <a16:creationId xmlns:a16="http://schemas.microsoft.com/office/drawing/2014/main" xmlns="" id="{23962611-DFD5-4092-AAFD-559E3DFCE2C9}"/>
+                <a16:creationId xmlns:a16="http://schemas.microsoft.com/office/drawing/2014/main" id="{23962611-DFD5-4092-AAFD-559E3DFCE2C9}"/>
               </a:ext>
               <a:ext uri="{C183D7F6-B498-43B3-948B-1728B52AA6E4}">
-                <adec:decorative xmlns:adec="http://schemas.microsoft.com/office/drawing/2017/decorative" xmlns="" val="1"/>
+                <adec:decorative xmlns:adec="http://schemas.microsoft.com/office/drawing/2017/decorative" val="1"/>
               </a:ext>
             </a:extLst>
           </p:cNvPr>
@@ -18141,7 +17837,7 @@
           <p:nvPr>
             <p:extLst>
               <p:ext uri="{386F3935-93C4-4BCD-93E2-E3B085C9AB24}">
-                <p16:designElem xmlns:p16="http://schemas.microsoft.com/office/powerpoint/2015/main" xmlns="" val="1"/>
+                <p16:designElem xmlns:p16="http://schemas.microsoft.com/office/powerpoint/2015/main" val="1"/>
               </p:ext>
             </p:extLst>
           </p:nvPr>
@@ -18213,10 +17909,10 @@
           <p:cNvPr id="12" name="Picture 9">
             <a:extLst>
               <a:ext uri="{FF2B5EF4-FFF2-40B4-BE49-F238E27FC236}">
-                <a16:creationId xmlns:a16="http://schemas.microsoft.com/office/drawing/2014/main" xmlns="" id="{2270F1FA-0425-408F-9861-80BF5AFB276D}"/>
+                <a16:creationId xmlns:a16="http://schemas.microsoft.com/office/drawing/2014/main" id="{2270F1FA-0425-408F-9861-80BF5AFB276D}"/>
               </a:ext>
               <a:ext uri="{C183D7F6-B498-43B3-948B-1728B52AA6E4}">
-                <adec:decorative xmlns:adec="http://schemas.microsoft.com/office/drawing/2017/decorative" xmlns="" val="1"/>
+                <adec:decorative xmlns:adec="http://schemas.microsoft.com/office/drawing/2017/decorative" val="1"/>
               </a:ext>
             </a:extLst>
           </p:cNvPr>
@@ -18226,7 +17922,7 @@
           <p:nvPr>
             <p:extLst>
               <p:ext uri="{386F3935-93C4-4BCD-93E2-E3B085C9AB24}">
-                <p16:designElem xmlns:p16="http://schemas.microsoft.com/office/powerpoint/2015/main" xmlns="" val="1"/>
+                <p16:designElem xmlns:p16="http://schemas.microsoft.com/office/powerpoint/2015/main" val="1"/>
               </p:ext>
             </p:extLst>
           </p:nvPr>
@@ -18330,6 +18026,14 @@
 <file path=ppt/slides/slide10.xml><?xml version="1.0" encoding="utf-8"?>
 <p:sld xmlns:a="http://schemas.openxmlformats.org/drawingml/2006/main" xmlns:r="http://schemas.openxmlformats.org/officeDocument/2006/relationships" xmlns:p="http://schemas.openxmlformats.org/presentationml/2006/main">
   <p:cSld>
+    <p:bg>
+      <p:bgPr>
+        <a:solidFill>
+          <a:schemeClr val="bg1"/>
+        </a:solidFill>
+        <a:effectLst/>
+      </p:bgPr>
+    </p:bg>
     <p:spTree>
       <p:nvGrpSpPr>
         <p:cNvPr id="1" name=""/>
@@ -18346,6 +18050,75 @@
       </p:grpSpPr>
       <p:sp>
         <p:nvSpPr>
+          <p:cNvPr id="71" name="Rectangle 70">
+            <a:extLst>
+              <a:ext uri="{FF2B5EF4-FFF2-40B4-BE49-F238E27FC236}">
+                <a16:creationId xmlns:a16="http://schemas.microsoft.com/office/drawing/2014/main" id="{AB45A142-4255-493C-8284-5D566C121B10}"/>
+              </a:ext>
+              <a:ext uri="{C183D7F6-B498-43B3-948B-1728B52AA6E4}">
+                <adec:decorative xmlns:adec="http://schemas.microsoft.com/office/drawing/2017/decorative" val="1"/>
+              </a:ext>
+            </a:extLst>
+          </p:cNvPr>
+          <p:cNvSpPr>
+            <a:spLocks noGrp="1" noRot="1" noChangeAspect="1" noMove="1" noResize="1" noEditPoints="1" noAdjustHandles="1" noChangeArrowheads="1" noChangeShapeType="1" noTextEdit="1"/>
+          </p:cNvSpPr>
+          <p:nvPr>
+            <p:extLst>
+              <p:ext uri="{386F3935-93C4-4BCD-93E2-E3B085C9AB24}">
+                <p16:designElem xmlns:p16="http://schemas.microsoft.com/office/powerpoint/2015/main" val="1"/>
+              </p:ext>
+            </p:extLst>
+          </p:nvPr>
+        </p:nvSpPr>
+        <p:spPr bwMode="ltGray">
+          <a:xfrm>
+            <a:off x="252663" y="321177"/>
+            <a:ext cx="3249230" cy="6179552"/>
+          </a:xfrm>
+          <a:prstGeom prst="rect">
+            <a:avLst/>
+          </a:prstGeom>
+          <a:solidFill>
+            <a:srgbClr val="404040">
+              <a:alpha val="89804"/>
+            </a:srgbClr>
+          </a:solidFill>
+          <a:ln w="127000" cap="sq" cmpd="thinThick">
+            <a:solidFill>
+              <a:srgbClr val="595959">
+                <a:alpha val="80000"/>
+              </a:srgbClr>
+            </a:solidFill>
+          </a:ln>
+        </p:spPr>
+        <p:style>
+          <a:lnRef idx="2">
+            <a:schemeClr val="accent1">
+              <a:shade val="50000"/>
+            </a:schemeClr>
+          </a:lnRef>
+          <a:fillRef idx="1">
+            <a:schemeClr val="accent1"/>
+          </a:fillRef>
+          <a:effectRef idx="0">
+            <a:schemeClr val="accent1"/>
+          </a:effectRef>
+          <a:fontRef idx="minor">
+            <a:schemeClr val="lt1"/>
+          </a:fontRef>
+        </p:style>
+        <p:txBody>
+          <a:bodyPr rtlCol="0" anchor="ctr"/>
+          <a:lstStyle/>
+          <a:p>
+            <a:pPr algn="ctr"/>
+            <a:endParaRPr lang="en-US"/>
+          </a:p>
+        </p:txBody>
+      </p:sp>
+      <p:sp>
+        <p:nvSpPr>
           <p:cNvPr id="2" name="Nadpis 1"/>
           <p:cNvSpPr>
             <a:spLocks noGrp="1"/>
@@ -18354,38 +18127,143 @@
             <p:ph type="title"/>
           </p:nvPr>
         </p:nvSpPr>
-        <p:spPr/>
+        <p:spPr>
+          <a:xfrm>
+            <a:off x="505677" y="914400"/>
+            <a:ext cx="2743200" cy="2887579"/>
+          </a:xfrm>
+        </p:spPr>
         <p:txBody>
-          <a:bodyPr/>
+          <a:bodyPr vert="horz" lIns="91440" tIns="45720" rIns="91440" bIns="45720" rtlCol="0" anchor="b">
+            <a:normAutofit/>
+          </a:bodyPr>
           <a:lstStyle/>
           <a:p>
+            <a:pPr algn="ctr"/>
             <a:r>
-              <a:rPr lang="cs-CZ" dirty="0"/>
-              <a:t>Sprint 2 Report</a:t>
+              <a:rPr lang="en-US" sz="4200" kern="1200" dirty="0">
+                <a:solidFill>
+                  <a:srgbClr val="FFFFFF"/>
+                </a:solidFill>
+                <a:latin typeface="+mj-lt"/>
+                <a:ea typeface="+mj-ea"/>
+                <a:cs typeface="+mj-cs"/>
+              </a:rPr>
+              <a:t>Sprint </a:t>
+            </a:r>
+            <a:r>
+              <a:rPr lang="cs-CZ" sz="4200" kern="1200" dirty="0">
+                <a:solidFill>
+                  <a:srgbClr val="FFFFFF"/>
+                </a:solidFill>
+                <a:latin typeface="+mj-lt"/>
+                <a:ea typeface="+mj-ea"/>
+                <a:cs typeface="+mj-cs"/>
+              </a:rPr>
+              <a:t>2</a:t>
+            </a:r>
+            <a:r>
+              <a:rPr lang="en-US" sz="4200" kern="1200" dirty="0">
+                <a:solidFill>
+                  <a:srgbClr val="FFFFFF"/>
+                </a:solidFill>
+                <a:latin typeface="+mj-lt"/>
+                <a:ea typeface="+mj-ea"/>
+                <a:cs typeface="+mj-cs"/>
+              </a:rPr>
+              <a:t> Report</a:t>
             </a:r>
           </a:p>
         </p:txBody>
       </p:sp>
-      <p:sp>
-        <p:nvSpPr>
-          <p:cNvPr id="3" name="Zástupný symbol pro obsah 2"/>
-          <p:cNvSpPr>
-            <a:spLocks noGrp="1"/>
-          </p:cNvSpPr>
+      <p:cxnSp>
+        <p:nvCxnSpPr>
+          <p:cNvPr id="73" name="Straight Connector 72">
+            <a:extLst>
+              <a:ext uri="{FF2B5EF4-FFF2-40B4-BE49-F238E27FC236}">
+                <a16:creationId xmlns:a16="http://schemas.microsoft.com/office/drawing/2014/main" id="{38FB9660-F42F-4313-BBC4-47C007FE484C}"/>
+              </a:ext>
+              <a:ext uri="{C183D7F6-B498-43B3-948B-1728B52AA6E4}">
+                <adec:decorative xmlns:adec="http://schemas.microsoft.com/office/drawing/2017/decorative" val="1"/>
+              </a:ext>
+            </a:extLst>
+          </p:cNvPr>
+          <p:cNvCxnSpPr>
+            <a:cxnSpLocks noGrp="1" noRot="1" noChangeAspect="1" noMove="1" noResize="1" noEditPoints="1" noAdjustHandles="1" noChangeArrowheads="1" noChangeShapeType="1"/>
+          </p:cNvCxnSpPr>
           <p:nvPr>
-            <p:ph idx="1"/>
+            <p:extLst>
+              <p:ext uri="{386F3935-93C4-4BCD-93E2-E3B085C9AB24}">
+                <p16:designElem xmlns:p16="http://schemas.microsoft.com/office/powerpoint/2015/main" val="1"/>
+              </p:ext>
+            </p:extLst>
           </p:nvPr>
-        </p:nvSpPr>
-        <p:spPr/>
-        <p:txBody>
-          <a:bodyPr/>
-          <a:lstStyle/>
-          <a:p>
-            <a:endParaRPr lang="cs-CZ"/>
-          </a:p>
-        </p:txBody>
-      </p:sp>
+        </p:nvCxnSpPr>
+        <p:spPr>
+          <a:xfrm>
+            <a:off x="893344" y="3910267"/>
+            <a:ext cx="1940093" cy="0"/>
+          </a:xfrm>
+          <a:prstGeom prst="line">
+            <a:avLst/>
+          </a:prstGeom>
+          <a:ln w="22225">
+            <a:solidFill>
+              <a:srgbClr val="D9D9D9"/>
+            </a:solidFill>
+          </a:ln>
+        </p:spPr>
+        <p:style>
+          <a:lnRef idx="1">
+            <a:schemeClr val="accent1"/>
+          </a:lnRef>
+          <a:fillRef idx="0">
+            <a:schemeClr val="accent1"/>
+          </a:fillRef>
+          <a:effectRef idx="0">
+            <a:schemeClr val="accent1"/>
+          </a:effectRef>
+          <a:fontRef idx="minor">
+            <a:schemeClr val="tx1"/>
+          </a:fontRef>
+        </p:style>
+      </p:cxnSp>
+      <p:pic>
+        <p:nvPicPr>
+          <p:cNvPr id="5" name="Obrázek 4">
+            <a:extLst>
+              <a:ext uri="{FF2B5EF4-FFF2-40B4-BE49-F238E27FC236}">
+                <a16:creationId xmlns:a16="http://schemas.microsoft.com/office/drawing/2014/main" id="{BAF9A4E8-B764-45D2-80E9-CA0B13C15734}"/>
+              </a:ext>
+            </a:extLst>
+          </p:cNvPr>
+          <p:cNvPicPr>
+            <a:picLocks noChangeAspect="1"/>
+          </p:cNvPicPr>
+          <p:nvPr/>
+        </p:nvPicPr>
+        <p:blipFill>
+          <a:blip r:embed="rId2"/>
+          <a:stretch>
+            <a:fillRect/>
+          </a:stretch>
+        </p:blipFill>
+        <p:spPr>
+          <a:xfrm>
+            <a:off x="3624865" y="1825625"/>
+            <a:ext cx="5519136" cy="3495675"/>
+          </a:xfrm>
+          <a:prstGeom prst="rect">
+            <a:avLst/>
+          </a:prstGeom>
+        </p:spPr>
+      </p:pic>
     </p:spTree>
+    <p:extLst>
+      <p:ext uri="{BB962C8B-B14F-4D97-AF65-F5344CB8AC3E}">
+        <p14:creationId xmlns:p14="http://schemas.microsoft.com/office/powerpoint/2010/main" val="1886189242"/>
+      </p:ext>
+    </p:extLst>
   </p:cSld>
   <p:clrMapOvr>
     <a:masterClrMapping/>
@@ -18447,10 +18325,10 @@
           <p:cNvPr id="9" name="Rectangle: Rounded Corners 8">
             <a:extLst>
               <a:ext uri="{FF2B5EF4-FFF2-40B4-BE49-F238E27FC236}">
-                <a16:creationId xmlns:a16="http://schemas.microsoft.com/office/drawing/2014/main" xmlns="" id="{6AA24DE7-C336-4994-8C52-D9B3F3D0FA4D}"/>
+                <a16:creationId xmlns:a16="http://schemas.microsoft.com/office/drawing/2014/main" id="{6AA24DE7-C336-4994-8C52-D9B3F3D0FA4D}"/>
               </a:ext>
               <a:ext uri="{C183D7F6-B498-43B3-948B-1728B52AA6E4}">
-                <adec:decorative xmlns:adec="http://schemas.microsoft.com/office/drawing/2017/decorative" xmlns="" val="1"/>
+                <adec:decorative xmlns:adec="http://schemas.microsoft.com/office/drawing/2017/decorative" val="1"/>
               </a:ext>
             </a:extLst>
           </p:cNvPr>
@@ -18460,7 +18338,7 @@
           <p:nvPr>
             <p:extLst>
               <p:ext uri="{386F3935-93C4-4BCD-93E2-E3B085C9AB24}">
-                <p16:designElem xmlns:p16="http://schemas.microsoft.com/office/powerpoint/2015/main" xmlns="" val="1"/>
+                <p16:designElem xmlns:p16="http://schemas.microsoft.com/office/powerpoint/2015/main" val="1"/>
               </p:ext>
             </p:extLst>
           </p:nvPr>
@@ -18801,25 +18679,13 @@
               <a:rPr lang="cs-CZ">
                 <a:hlinkClick r:id="rId2"/>
               </a:rPr>
-              <a:t>https://195.113.207.163/~</a:t>
+              <a:t>https://195.113.207.163/~ruzick34/rsp_ver2/</a:t>
             </a:r>
-            <a:r>
-              <a:rPr lang="cs-CZ">
-                <a:hlinkClick r:id="rId2"/>
-              </a:rPr>
-              <a:t>ruzick34/rsp_ver2</a:t>
-            </a:r>
-            <a:r>
-              <a:rPr lang="cs-CZ" smtClean="0">
-                <a:hlinkClick r:id="rId2"/>
-              </a:rPr>
-              <a:t>/</a:t>
-            </a:r>
-            <a:endParaRPr lang="cs-CZ" smtClean="0"/>
+            <a:endParaRPr lang="cs-CZ"/>
           </a:p>
           <a:p>
             <a:r>
-              <a:rPr lang="cs-CZ" u="sng" smtClean="0">
+              <a:rPr lang="cs-CZ" u="sng">
                 <a:hlinkClick r:id="rId3"/>
               </a:rPr>
               <a:t>https</a:t>
@@ -18872,10 +18738,10 @@
           <p:cNvPr id="8" name="Rectangle 7">
             <a:extLst>
               <a:ext uri="{FF2B5EF4-FFF2-40B4-BE49-F238E27FC236}">
-                <a16:creationId xmlns:a16="http://schemas.microsoft.com/office/drawing/2014/main" xmlns="" id="{4351DFE5-F63D-4BE0-BDA9-E3EB88F01AA5}"/>
+                <a16:creationId xmlns:a16="http://schemas.microsoft.com/office/drawing/2014/main" id="{4351DFE5-F63D-4BE0-BDA9-E3EB88F01AA5}"/>
               </a:ext>
               <a:ext uri="{C183D7F6-B498-43B3-948B-1728B52AA6E4}">
-                <adec:decorative xmlns:adec="http://schemas.microsoft.com/office/drawing/2017/decorative" xmlns="" val="1"/>
+                <adec:decorative xmlns:adec="http://schemas.microsoft.com/office/drawing/2017/decorative" val="1"/>
               </a:ext>
             </a:extLst>
           </p:cNvPr>
@@ -18885,7 +18751,7 @@
           <p:nvPr>
             <p:extLst>
               <p:ext uri="{386F3935-93C4-4BCD-93E2-E3B085C9AB24}">
-                <p16:designElem xmlns:p16="http://schemas.microsoft.com/office/powerpoint/2015/main" xmlns="" val="1"/>
+                <p16:designElem xmlns:p16="http://schemas.microsoft.com/office/powerpoint/2015/main" val="1"/>
               </p:ext>
             </p:extLst>
           </p:nvPr>
@@ -18957,10 +18823,10 @@
           <p:cNvPr id="10" name="Picture 9">
             <a:extLst>
               <a:ext uri="{FF2B5EF4-FFF2-40B4-BE49-F238E27FC236}">
-                <a16:creationId xmlns:a16="http://schemas.microsoft.com/office/drawing/2014/main" xmlns="" id="{3AA16612-ACD2-4A16-8F2B-4514FD6BF28F}"/>
+                <a16:creationId xmlns:a16="http://schemas.microsoft.com/office/drawing/2014/main" id="{3AA16612-ACD2-4A16-8F2B-4514FD6BF28F}"/>
               </a:ext>
               <a:ext uri="{C183D7F6-B498-43B3-948B-1728B52AA6E4}">
-                <adec:decorative xmlns:adec="http://schemas.microsoft.com/office/drawing/2017/decorative" xmlns="" val="1"/>
+                <adec:decorative xmlns:adec="http://schemas.microsoft.com/office/drawing/2017/decorative" val="1"/>
               </a:ext>
             </a:extLst>
           </p:cNvPr>
@@ -18970,7 +18836,7 @@
           <p:nvPr>
             <p:extLst>
               <p:ext uri="{386F3935-93C4-4BCD-93E2-E3B085C9AB24}">
-                <p16:designElem xmlns:p16="http://schemas.microsoft.com/office/powerpoint/2015/main" xmlns="" val="1"/>
+                <p16:designElem xmlns:p16="http://schemas.microsoft.com/office/powerpoint/2015/main" val="1"/>
               </p:ext>
             </p:extLst>
           </p:nvPr>
@@ -19102,10 +18968,10 @@
           <p:cNvPr id="10" name="Rectangle 9">
             <a:extLst>
               <a:ext uri="{FF2B5EF4-FFF2-40B4-BE49-F238E27FC236}">
-                <a16:creationId xmlns:a16="http://schemas.microsoft.com/office/drawing/2014/main" xmlns="" id="{4351DFE5-F63D-4BE0-BDA9-E3EB88F01AA5}"/>
+                <a16:creationId xmlns:a16="http://schemas.microsoft.com/office/drawing/2014/main" id="{4351DFE5-F63D-4BE0-BDA9-E3EB88F01AA5}"/>
               </a:ext>
               <a:ext uri="{C183D7F6-B498-43B3-948B-1728B52AA6E4}">
-                <adec:decorative xmlns:adec="http://schemas.microsoft.com/office/drawing/2017/decorative" xmlns="" val="1"/>
+                <adec:decorative xmlns:adec="http://schemas.microsoft.com/office/drawing/2017/decorative" val="1"/>
               </a:ext>
             </a:extLst>
           </p:cNvPr>
@@ -19115,7 +18981,7 @@
           <p:nvPr>
             <p:extLst>
               <p:ext uri="{386F3935-93C4-4BCD-93E2-E3B085C9AB24}">
-                <p16:designElem xmlns:p16="http://schemas.microsoft.com/office/powerpoint/2015/main" xmlns="" val="1"/>
+                <p16:designElem xmlns:p16="http://schemas.microsoft.com/office/powerpoint/2015/main" val="1"/>
               </p:ext>
             </p:extLst>
           </p:nvPr>
@@ -19183,10 +19049,10 @@
           <p:cNvPr id="12" name="Picture 11">
             <a:extLst>
               <a:ext uri="{FF2B5EF4-FFF2-40B4-BE49-F238E27FC236}">
-                <a16:creationId xmlns:a16="http://schemas.microsoft.com/office/drawing/2014/main" xmlns="" id="{02DD2BC0-6F29-4B4F-8D61-2DCF6D2E8E73}"/>
+                <a16:creationId xmlns:a16="http://schemas.microsoft.com/office/drawing/2014/main" id="{02DD2BC0-6F29-4B4F-8D61-2DCF6D2E8E73}"/>
               </a:ext>
               <a:ext uri="{C183D7F6-B498-43B3-948B-1728B52AA6E4}">
-                <adec:decorative xmlns:adec="http://schemas.microsoft.com/office/drawing/2017/decorative" xmlns="" val="1"/>
+                <adec:decorative xmlns:adec="http://schemas.microsoft.com/office/drawing/2017/decorative" val="1"/>
               </a:ext>
             </a:extLst>
           </p:cNvPr>
@@ -19196,7 +19062,7 @@
           <p:nvPr>
             <p:extLst>
               <p:ext uri="{386F3935-93C4-4BCD-93E2-E3B085C9AB24}">
-                <p16:designElem xmlns:p16="http://schemas.microsoft.com/office/powerpoint/2015/main" xmlns="" val="1"/>
+                <p16:designElem xmlns:p16="http://schemas.microsoft.com/office/powerpoint/2015/main" val="1"/>
               </p:ext>
             </p:extLst>
           </p:nvPr>
@@ -19262,7 +19128,7 @@
           <p:cNvPr id="5" name="Zástupný symbol pro obsah 2">
             <a:extLst>
               <a:ext uri="{FF2B5EF4-FFF2-40B4-BE49-F238E27FC236}">
-                <a16:creationId xmlns:a16="http://schemas.microsoft.com/office/drawing/2014/main" xmlns="" id="{02282D04-8EAF-4104-B524-119C3D85A7D4}"/>
+                <a16:creationId xmlns:a16="http://schemas.microsoft.com/office/drawing/2014/main" id="{02282D04-8EAF-4104-B524-119C3D85A7D4}"/>
               </a:ext>
             </a:extLst>
           </p:cNvPr>
@@ -19326,10 +19192,10 @@
           <p:cNvPr id="8" name="Rectangle 7">
             <a:extLst>
               <a:ext uri="{FF2B5EF4-FFF2-40B4-BE49-F238E27FC236}">
-                <a16:creationId xmlns:a16="http://schemas.microsoft.com/office/drawing/2014/main" xmlns="" id="{4351DFE5-F63D-4BE0-BDA9-E3EB88F01AA5}"/>
+                <a16:creationId xmlns:a16="http://schemas.microsoft.com/office/drawing/2014/main" id="{4351DFE5-F63D-4BE0-BDA9-E3EB88F01AA5}"/>
               </a:ext>
               <a:ext uri="{C183D7F6-B498-43B3-948B-1728B52AA6E4}">
-                <adec:decorative xmlns:adec="http://schemas.microsoft.com/office/drawing/2017/decorative" xmlns="" val="1"/>
+                <adec:decorative xmlns:adec="http://schemas.microsoft.com/office/drawing/2017/decorative" val="1"/>
               </a:ext>
             </a:extLst>
           </p:cNvPr>
@@ -19339,7 +19205,7 @@
           <p:nvPr>
             <p:extLst>
               <p:ext uri="{386F3935-93C4-4BCD-93E2-E3B085C9AB24}">
-                <p16:designElem xmlns:p16="http://schemas.microsoft.com/office/powerpoint/2015/main" xmlns="" val="1"/>
+                <p16:designElem xmlns:p16="http://schemas.microsoft.com/office/powerpoint/2015/main" val="1"/>
               </p:ext>
             </p:extLst>
           </p:nvPr>
@@ -19411,10 +19277,10 @@
           <p:cNvPr id="10" name="Picture 9">
             <a:extLst>
               <a:ext uri="{FF2B5EF4-FFF2-40B4-BE49-F238E27FC236}">
-                <a16:creationId xmlns:a16="http://schemas.microsoft.com/office/drawing/2014/main" xmlns="" id="{3AA16612-ACD2-4A16-8F2B-4514FD6BF28F}"/>
+                <a16:creationId xmlns:a16="http://schemas.microsoft.com/office/drawing/2014/main" id="{3AA16612-ACD2-4A16-8F2B-4514FD6BF28F}"/>
               </a:ext>
               <a:ext uri="{C183D7F6-B498-43B3-948B-1728B52AA6E4}">
-                <adec:decorative xmlns:adec="http://schemas.microsoft.com/office/drawing/2017/decorative" xmlns="" val="1"/>
+                <adec:decorative xmlns:adec="http://schemas.microsoft.com/office/drawing/2017/decorative" val="1"/>
               </a:ext>
             </a:extLst>
           </p:cNvPr>
@@ -19424,7 +19290,7 @@
           <p:nvPr>
             <p:extLst>
               <p:ext uri="{386F3935-93C4-4BCD-93E2-E3B085C9AB24}">
-                <p16:designElem xmlns:p16="http://schemas.microsoft.com/office/powerpoint/2015/main" xmlns="" val="1"/>
+                <p16:designElem xmlns:p16="http://schemas.microsoft.com/office/powerpoint/2015/main" val="1"/>
               </p:ext>
             </p:extLst>
           </p:nvPr>
@@ -19626,10 +19492,10 @@
           <p:cNvPr id="10" name="Rectangle 9">
             <a:extLst>
               <a:ext uri="{FF2B5EF4-FFF2-40B4-BE49-F238E27FC236}">
-                <a16:creationId xmlns:a16="http://schemas.microsoft.com/office/drawing/2014/main" xmlns="" id="{4351DFE5-F63D-4BE0-BDA9-E3EB88F01AA5}"/>
+                <a16:creationId xmlns:a16="http://schemas.microsoft.com/office/drawing/2014/main" id="{4351DFE5-F63D-4BE0-BDA9-E3EB88F01AA5}"/>
               </a:ext>
               <a:ext uri="{C183D7F6-B498-43B3-948B-1728B52AA6E4}">
-                <adec:decorative xmlns:adec="http://schemas.microsoft.com/office/drawing/2017/decorative" xmlns="" val="1"/>
+                <adec:decorative xmlns:adec="http://schemas.microsoft.com/office/drawing/2017/decorative" val="1"/>
               </a:ext>
             </a:extLst>
           </p:cNvPr>
@@ -19639,7 +19505,7 @@
           <p:nvPr>
             <p:extLst>
               <p:ext uri="{386F3935-93C4-4BCD-93E2-E3B085C9AB24}">
-                <p16:designElem xmlns:p16="http://schemas.microsoft.com/office/powerpoint/2015/main" xmlns="" val="1"/>
+                <p16:designElem xmlns:p16="http://schemas.microsoft.com/office/powerpoint/2015/main" val="1"/>
               </p:ext>
             </p:extLst>
           </p:nvPr>
@@ -19707,10 +19573,10 @@
           <p:cNvPr id="12" name="Picture 11">
             <a:extLst>
               <a:ext uri="{FF2B5EF4-FFF2-40B4-BE49-F238E27FC236}">
-                <a16:creationId xmlns:a16="http://schemas.microsoft.com/office/drawing/2014/main" xmlns="" id="{02DD2BC0-6F29-4B4F-8D61-2DCF6D2E8E73}"/>
+                <a16:creationId xmlns:a16="http://schemas.microsoft.com/office/drawing/2014/main" id="{02DD2BC0-6F29-4B4F-8D61-2DCF6D2E8E73}"/>
               </a:ext>
               <a:ext uri="{C183D7F6-B498-43B3-948B-1728B52AA6E4}">
-                <adec:decorative xmlns:adec="http://schemas.microsoft.com/office/drawing/2017/decorative" xmlns="" val="1"/>
+                <adec:decorative xmlns:adec="http://schemas.microsoft.com/office/drawing/2017/decorative" val="1"/>
               </a:ext>
             </a:extLst>
           </p:cNvPr>
@@ -19720,7 +19586,7 @@
           <p:nvPr>
             <p:extLst>
               <p:ext uri="{386F3935-93C4-4BCD-93E2-E3B085C9AB24}">
-                <p16:designElem xmlns:p16="http://schemas.microsoft.com/office/powerpoint/2015/main" xmlns="" val="1"/>
+                <p16:designElem xmlns:p16="http://schemas.microsoft.com/office/powerpoint/2015/main" val="1"/>
               </p:ext>
             </p:extLst>
           </p:nvPr>
@@ -19786,7 +19652,7 @@
           <p:cNvPr id="5" name="Zástupný symbol pro obsah 2">
             <a:extLst>
               <a:ext uri="{FF2B5EF4-FFF2-40B4-BE49-F238E27FC236}">
-                <a16:creationId xmlns:a16="http://schemas.microsoft.com/office/drawing/2014/main" xmlns="" id="{5B68008D-C0B5-4460-9ECE-DE11F62D2AD8}"/>
+                <a16:creationId xmlns:a16="http://schemas.microsoft.com/office/drawing/2014/main" id="{5B68008D-C0B5-4460-9ECE-DE11F62D2AD8}"/>
               </a:ext>
             </a:extLst>
           </p:cNvPr>
@@ -19850,10 +19716,10 @@
           <p:cNvPr id="10" name="Rectangle 9">
             <a:extLst>
               <a:ext uri="{FF2B5EF4-FFF2-40B4-BE49-F238E27FC236}">
-                <a16:creationId xmlns:a16="http://schemas.microsoft.com/office/drawing/2014/main" xmlns="" id="{4351DFE5-F63D-4BE0-BDA9-E3EB88F01AA5}"/>
+                <a16:creationId xmlns:a16="http://schemas.microsoft.com/office/drawing/2014/main" id="{4351DFE5-F63D-4BE0-BDA9-E3EB88F01AA5}"/>
               </a:ext>
               <a:ext uri="{C183D7F6-B498-43B3-948B-1728B52AA6E4}">
-                <adec:decorative xmlns:adec="http://schemas.microsoft.com/office/drawing/2017/decorative" xmlns="" val="1"/>
+                <adec:decorative xmlns:adec="http://schemas.microsoft.com/office/drawing/2017/decorative" val="1"/>
               </a:ext>
             </a:extLst>
           </p:cNvPr>
@@ -19863,7 +19729,7 @@
           <p:nvPr>
             <p:extLst>
               <p:ext uri="{386F3935-93C4-4BCD-93E2-E3B085C9AB24}">
-                <p16:designElem xmlns:p16="http://schemas.microsoft.com/office/powerpoint/2015/main" xmlns="" val="1"/>
+                <p16:designElem xmlns:p16="http://schemas.microsoft.com/office/powerpoint/2015/main" val="1"/>
               </p:ext>
             </p:extLst>
           </p:nvPr>
@@ -19931,10 +19797,10 @@
           <p:cNvPr id="12" name="Picture 11">
             <a:extLst>
               <a:ext uri="{FF2B5EF4-FFF2-40B4-BE49-F238E27FC236}">
-                <a16:creationId xmlns:a16="http://schemas.microsoft.com/office/drawing/2014/main" xmlns="" id="{02DD2BC0-6F29-4B4F-8D61-2DCF6D2E8E73}"/>
+                <a16:creationId xmlns:a16="http://schemas.microsoft.com/office/drawing/2014/main" id="{02DD2BC0-6F29-4B4F-8D61-2DCF6D2E8E73}"/>
               </a:ext>
               <a:ext uri="{C183D7F6-B498-43B3-948B-1728B52AA6E4}">
-                <adec:decorative xmlns:adec="http://schemas.microsoft.com/office/drawing/2017/decorative" xmlns="" val="1"/>
+                <adec:decorative xmlns:adec="http://schemas.microsoft.com/office/drawing/2017/decorative" val="1"/>
               </a:ext>
             </a:extLst>
           </p:cNvPr>
@@ -19944,7 +19810,7 @@
           <p:nvPr>
             <p:extLst>
               <p:ext uri="{386F3935-93C4-4BCD-93E2-E3B085C9AB24}">
-                <p16:designElem xmlns:p16="http://schemas.microsoft.com/office/powerpoint/2015/main" xmlns="" val="1"/>
+                <p16:designElem xmlns:p16="http://schemas.microsoft.com/office/powerpoint/2015/main" val="1"/>
               </p:ext>
             </p:extLst>
           </p:nvPr>
@@ -20010,7 +19876,7 @@
           <p:cNvPr id="5" name="Zástupný symbol pro obsah 2">
             <a:extLst>
               <a:ext uri="{FF2B5EF4-FFF2-40B4-BE49-F238E27FC236}">
-                <a16:creationId xmlns:a16="http://schemas.microsoft.com/office/drawing/2014/main" xmlns="" id="{BC19EB7D-1910-4EF0-8F36-E2EC4ED0B8A7}"/>
+                <a16:creationId xmlns:a16="http://schemas.microsoft.com/office/drawing/2014/main" id="{BC19EB7D-1910-4EF0-8F36-E2EC4ED0B8A7}"/>
               </a:ext>
             </a:extLst>
           </p:cNvPr>
@@ -20074,10 +19940,10 @@
           <p:cNvPr id="10" name="Rectangle 9">
             <a:extLst>
               <a:ext uri="{FF2B5EF4-FFF2-40B4-BE49-F238E27FC236}">
-                <a16:creationId xmlns:a16="http://schemas.microsoft.com/office/drawing/2014/main" xmlns="" id="{4351DFE5-F63D-4BE0-BDA9-E3EB88F01AA5}"/>
+                <a16:creationId xmlns:a16="http://schemas.microsoft.com/office/drawing/2014/main" id="{4351DFE5-F63D-4BE0-BDA9-E3EB88F01AA5}"/>
               </a:ext>
               <a:ext uri="{C183D7F6-B498-43B3-948B-1728B52AA6E4}">
-                <adec:decorative xmlns:adec="http://schemas.microsoft.com/office/drawing/2017/decorative" xmlns="" val="1"/>
+                <adec:decorative xmlns:adec="http://schemas.microsoft.com/office/drawing/2017/decorative" val="1"/>
               </a:ext>
             </a:extLst>
           </p:cNvPr>
@@ -20087,7 +19953,7 @@
           <p:nvPr>
             <p:extLst>
               <p:ext uri="{386F3935-93C4-4BCD-93E2-E3B085C9AB24}">
-                <p16:designElem xmlns:p16="http://schemas.microsoft.com/office/powerpoint/2015/main" xmlns="" val="1"/>
+                <p16:designElem xmlns:p16="http://schemas.microsoft.com/office/powerpoint/2015/main" val="1"/>
               </p:ext>
             </p:extLst>
           </p:nvPr>
@@ -20155,10 +20021,10 @@
           <p:cNvPr id="12" name="Picture 11">
             <a:extLst>
               <a:ext uri="{FF2B5EF4-FFF2-40B4-BE49-F238E27FC236}">
-                <a16:creationId xmlns:a16="http://schemas.microsoft.com/office/drawing/2014/main" xmlns="" id="{02DD2BC0-6F29-4B4F-8D61-2DCF6D2E8E73}"/>
+                <a16:creationId xmlns:a16="http://schemas.microsoft.com/office/drawing/2014/main" id="{02DD2BC0-6F29-4B4F-8D61-2DCF6D2E8E73}"/>
               </a:ext>
               <a:ext uri="{C183D7F6-B498-43B3-948B-1728B52AA6E4}">
-                <adec:decorative xmlns:adec="http://schemas.microsoft.com/office/drawing/2017/decorative" xmlns="" val="1"/>
+                <adec:decorative xmlns:adec="http://schemas.microsoft.com/office/drawing/2017/decorative" val="1"/>
               </a:ext>
             </a:extLst>
           </p:cNvPr>
@@ -20168,7 +20034,7 @@
           <p:nvPr>
             <p:extLst>
               <p:ext uri="{386F3935-93C4-4BCD-93E2-E3B085C9AB24}">
-                <p16:designElem xmlns:p16="http://schemas.microsoft.com/office/powerpoint/2015/main" xmlns="" val="1"/>
+                <p16:designElem xmlns:p16="http://schemas.microsoft.com/office/powerpoint/2015/main" val="1"/>
               </p:ext>
             </p:extLst>
           </p:nvPr>
@@ -20234,7 +20100,7 @@
           <p:cNvPr id="5" name="Zástupný symbol pro obsah 2">
             <a:extLst>
               <a:ext uri="{FF2B5EF4-FFF2-40B4-BE49-F238E27FC236}">
-                <a16:creationId xmlns:a16="http://schemas.microsoft.com/office/drawing/2014/main" xmlns="" id="{FC17DBF9-6BE8-4304-898E-A5780F310551}"/>
+                <a16:creationId xmlns:a16="http://schemas.microsoft.com/office/drawing/2014/main" id="{FC17DBF9-6BE8-4304-898E-A5780F310551}"/>
               </a:ext>
             </a:extLst>
           </p:cNvPr>
@@ -20298,10 +20164,10 @@
           <p:cNvPr id="10" name="Rectangle 9">
             <a:extLst>
               <a:ext uri="{FF2B5EF4-FFF2-40B4-BE49-F238E27FC236}">
-                <a16:creationId xmlns:a16="http://schemas.microsoft.com/office/drawing/2014/main" xmlns="" id="{4351DFE5-F63D-4BE0-BDA9-E3EB88F01AA5}"/>
+                <a16:creationId xmlns:a16="http://schemas.microsoft.com/office/drawing/2014/main" id="{4351DFE5-F63D-4BE0-BDA9-E3EB88F01AA5}"/>
               </a:ext>
               <a:ext uri="{C183D7F6-B498-43B3-948B-1728B52AA6E4}">
-                <adec:decorative xmlns:adec="http://schemas.microsoft.com/office/drawing/2017/decorative" xmlns="" val="1"/>
+                <adec:decorative xmlns:adec="http://schemas.microsoft.com/office/drawing/2017/decorative" val="1"/>
               </a:ext>
             </a:extLst>
           </p:cNvPr>
@@ -20311,7 +20177,7 @@
           <p:nvPr>
             <p:extLst>
               <p:ext uri="{386F3935-93C4-4BCD-93E2-E3B085C9AB24}">
-                <p16:designElem xmlns:p16="http://schemas.microsoft.com/office/powerpoint/2015/main" xmlns="" val="1"/>
+                <p16:designElem xmlns:p16="http://schemas.microsoft.com/office/powerpoint/2015/main" val="1"/>
               </p:ext>
             </p:extLst>
           </p:nvPr>
@@ -20379,10 +20245,10 @@
           <p:cNvPr id="12" name="Picture 11">
             <a:extLst>
               <a:ext uri="{FF2B5EF4-FFF2-40B4-BE49-F238E27FC236}">
-                <a16:creationId xmlns:a16="http://schemas.microsoft.com/office/drawing/2014/main" xmlns="" id="{02DD2BC0-6F29-4B4F-8D61-2DCF6D2E8E73}"/>
+                <a16:creationId xmlns:a16="http://schemas.microsoft.com/office/drawing/2014/main" id="{02DD2BC0-6F29-4B4F-8D61-2DCF6D2E8E73}"/>
               </a:ext>
               <a:ext uri="{C183D7F6-B498-43B3-948B-1728B52AA6E4}">
-                <adec:decorative xmlns:adec="http://schemas.microsoft.com/office/drawing/2017/decorative" xmlns="" val="1"/>
+                <adec:decorative xmlns:adec="http://schemas.microsoft.com/office/drawing/2017/decorative" val="1"/>
               </a:ext>
             </a:extLst>
           </p:cNvPr>
@@ -20392,7 +20258,7 @@
           <p:nvPr>
             <p:extLst>
               <p:ext uri="{386F3935-93C4-4BCD-93E2-E3B085C9AB24}">
-                <p16:designElem xmlns:p16="http://schemas.microsoft.com/office/powerpoint/2015/main" xmlns="" val="1"/>
+                <p16:designElem xmlns:p16="http://schemas.microsoft.com/office/powerpoint/2015/main" val="1"/>
               </p:ext>
             </p:extLst>
           </p:nvPr>
@@ -20458,7 +20324,7 @@
           <p:cNvPr id="5" name="Zástupný symbol pro obsah 2">
             <a:extLst>
               <a:ext uri="{FF2B5EF4-FFF2-40B4-BE49-F238E27FC236}">
-                <a16:creationId xmlns:a16="http://schemas.microsoft.com/office/drawing/2014/main" xmlns="" id="{F0982679-A24D-4A97-A72B-076B4161E83E}"/>
+                <a16:creationId xmlns:a16="http://schemas.microsoft.com/office/drawing/2014/main" id="{F0982679-A24D-4A97-A72B-076B4161E83E}"/>
               </a:ext>
             </a:extLst>
           </p:cNvPr>
@@ -20522,10 +20388,10 @@
           <p:cNvPr id="71" name="Rectangle 70">
             <a:extLst>
               <a:ext uri="{FF2B5EF4-FFF2-40B4-BE49-F238E27FC236}">
-                <a16:creationId xmlns:a16="http://schemas.microsoft.com/office/drawing/2014/main" xmlns="" id="{AB45A142-4255-493C-8284-5D566C121B10}"/>
+                <a16:creationId xmlns:a16="http://schemas.microsoft.com/office/drawing/2014/main" id="{AB45A142-4255-493C-8284-5D566C121B10}"/>
               </a:ext>
               <a:ext uri="{C183D7F6-B498-43B3-948B-1728B52AA6E4}">
-                <adec:decorative xmlns:adec="http://schemas.microsoft.com/office/drawing/2017/decorative" xmlns="" val="1"/>
+                <adec:decorative xmlns:adec="http://schemas.microsoft.com/office/drawing/2017/decorative" val="1"/>
               </a:ext>
             </a:extLst>
           </p:cNvPr>
@@ -20535,7 +20401,7 @@
           <p:nvPr>
             <p:extLst>
               <p:ext uri="{386F3935-93C4-4BCD-93E2-E3B085C9AB24}">
-                <p16:designElem xmlns:p16="http://schemas.microsoft.com/office/powerpoint/2015/main" xmlns="" val="1"/>
+                <p16:designElem xmlns:p16="http://schemas.microsoft.com/office/powerpoint/2015/main" val="1"/>
               </p:ext>
             </p:extLst>
           </p:nvPr>
@@ -20628,10 +20494,10 @@
           <p:cNvPr id="73" name="Straight Connector 72">
             <a:extLst>
               <a:ext uri="{FF2B5EF4-FFF2-40B4-BE49-F238E27FC236}">
-                <a16:creationId xmlns:a16="http://schemas.microsoft.com/office/drawing/2014/main" xmlns="" id="{38FB9660-F42F-4313-BBC4-47C007FE484C}"/>
+                <a16:creationId xmlns:a16="http://schemas.microsoft.com/office/drawing/2014/main" id="{38FB9660-F42F-4313-BBC4-47C007FE484C}"/>
               </a:ext>
               <a:ext uri="{C183D7F6-B498-43B3-948B-1728B52AA6E4}">
-                <adec:decorative xmlns:adec="http://schemas.microsoft.com/office/drawing/2017/decorative" xmlns="" val="1"/>
+                <adec:decorative xmlns:adec="http://schemas.microsoft.com/office/drawing/2017/decorative" val="1"/>
               </a:ext>
             </a:extLst>
           </p:cNvPr>
@@ -20641,7 +20507,7 @@
           <p:nvPr>
             <p:extLst>
               <p:ext uri="{386F3935-93C4-4BCD-93E2-E3B085C9AB24}">
-                <p16:designElem xmlns:p16="http://schemas.microsoft.com/office/powerpoint/2015/main" xmlns="" val="1"/>
+                <p16:designElem xmlns:p16="http://schemas.microsoft.com/office/powerpoint/2015/main" val="1"/>
               </p:ext>
             </p:extLst>
           </p:nvPr>
